--- a/Presentasi 4-Working With Geometry.pptx
+++ b/Presentasi 4-Working With Geometry.pptx
@@ -13,24 +13,25 @@
     <p:sldId id="261" r:id="rId7"/>
     <p:sldId id="262" r:id="rId8"/>
     <p:sldId id="263" r:id="rId9"/>
-    <p:sldId id="264" r:id="rId10"/>
-    <p:sldId id="265" r:id="rId11"/>
-    <p:sldId id="266" r:id="rId12"/>
-    <p:sldId id="267" r:id="rId13"/>
-    <p:sldId id="268" r:id="rId14"/>
-    <p:sldId id="271" r:id="rId15"/>
-    <p:sldId id="269" r:id="rId16"/>
-    <p:sldId id="272" r:id="rId17"/>
-    <p:sldId id="270" r:id="rId18"/>
-    <p:sldId id="273" r:id="rId19"/>
-    <p:sldId id="274" r:id="rId20"/>
-    <p:sldId id="275" r:id="rId21"/>
-    <p:sldId id="276" r:id="rId22"/>
-    <p:sldId id="277" r:id="rId23"/>
-    <p:sldId id="278" r:id="rId24"/>
-    <p:sldId id="279" r:id="rId25"/>
-    <p:sldId id="280" r:id="rId26"/>
-    <p:sldId id="281" r:id="rId27"/>
+    <p:sldId id="282" r:id="rId10"/>
+    <p:sldId id="264" r:id="rId11"/>
+    <p:sldId id="265" r:id="rId12"/>
+    <p:sldId id="266" r:id="rId13"/>
+    <p:sldId id="267" r:id="rId14"/>
+    <p:sldId id="268" r:id="rId15"/>
+    <p:sldId id="271" r:id="rId16"/>
+    <p:sldId id="269" r:id="rId17"/>
+    <p:sldId id="272" r:id="rId18"/>
+    <p:sldId id="270" r:id="rId19"/>
+    <p:sldId id="273" r:id="rId20"/>
+    <p:sldId id="274" r:id="rId21"/>
+    <p:sldId id="275" r:id="rId22"/>
+    <p:sldId id="276" r:id="rId23"/>
+    <p:sldId id="277" r:id="rId24"/>
+    <p:sldId id="278" r:id="rId25"/>
+    <p:sldId id="279" r:id="rId26"/>
+    <p:sldId id="280" r:id="rId27"/>
+    <p:sldId id="281" r:id="rId28"/>
   </p:sldIdLst>
   <p:sldSz cx="9144000" cy="6858000" type="screen4x3"/>
   <p:notesSz cx="6858000" cy="9144000"/>
@@ -129,6 +130,22 @@
       </a:defRPr>
     </a:lvl9pPr>
   </p:defaultTextStyle>
+  <p:extLst>
+    <p:ext uri="{EFAFB233-063F-42B5-8137-9DF3F51BA10A}">
+      <p15:sldGuideLst xmlns:p15="http://schemas.microsoft.com/office/powerpoint/2012/main">
+        <p15:guide id="1" orient="horz" pos="2160">
+          <p15:clr>
+            <a:srgbClr val="A4A3A4"/>
+          </p15:clr>
+        </p15:guide>
+        <p15:guide id="2" pos="2880">
+          <p15:clr>
+            <a:srgbClr val="A4A3A4"/>
+          </p15:clr>
+        </p15:guide>
+      </p15:sldGuideLst>
+    </p:ext>
+  </p:extLst>
 </p:presentation>
 </file>
 
@@ -212,9 +229,7 @@
         </p:style>
         <p:txBody>
           <a:bodyPr anchor="ctr"/>
-          <a:lstStyle>
-            <a:extLst/>
-          </a:lstStyle>
+          <a:lstStyle/>
           <a:p>
             <a:pPr algn="ctr" eaLnBrk="1" latinLnBrk="0" hangingPunct="1"/>
             <a:endParaRPr kumimoji="0" lang="en-US"/>
@@ -267,10 +282,9 @@
           </a:lstStyle>
           <a:p>
             <a:r>
-              <a:rPr kumimoji="0" lang="en-US" smtClean="0"/>
+              <a:rPr kumimoji="0" lang="en-US"/>
               <a:t>Click to edit Master title style</a:t>
             </a:r>
-            <a:endParaRPr kumimoji="0" lang="en-US"/>
           </a:p>
         </p:txBody>
       </p:sp>
@@ -329,10 +343,9 @@
           </a:lstStyle>
           <a:p>
             <a:r>
-              <a:rPr kumimoji="0" lang="en-US" smtClean="0"/>
+              <a:rPr kumimoji="0" lang="en-US"/>
               <a:t>Click to edit Master subtitle style</a:t>
             </a:r>
-            <a:endParaRPr kumimoji="0" lang="en-US"/>
           </a:p>
         </p:txBody>
       </p:sp>
@@ -427,9 +440,7 @@
           </p:spPr>
           <p:txBody>
             <a:bodyPr vert="horz" wrap="square" lIns="91440" tIns="45720" rIns="91440" bIns="45720" anchor="t" compatLnSpc="1"/>
-            <a:lstStyle>
-              <a:extLst/>
-            </a:lstStyle>
+            <a:lstStyle/>
             <a:p>
               <a:endParaRPr kumimoji="0" lang="en-US"/>
             </a:p>
@@ -509,9 +520,7 @@
           </p:spPr>
           <p:txBody>
             <a:bodyPr vert="horz" wrap="square" lIns="91440" tIns="45720" rIns="91440" bIns="45720" anchor="t" compatLnSpc="1"/>
-            <a:lstStyle>
-              <a:extLst/>
-            </a:lstStyle>
+            <a:lstStyle/>
             <a:p>
               <a:endParaRPr kumimoji="0" lang="en-US"/>
             </a:p>
@@ -668,9 +677,7 @@
           </p:style>
           <p:txBody>
             <a:bodyPr vert="horz" wrap="square" lIns="91440" tIns="45720" rIns="91440" bIns="45720" anchor="ctr" compatLnSpc="1"/>
-            <a:lstStyle>
-              <a:extLst/>
-            </a:lstStyle>
+            <a:lstStyle/>
             <a:p>
               <a:pPr algn="ctr" eaLnBrk="1" latinLnBrk="0" hangingPunct="1"/>
               <a:endParaRPr kumimoji="0" lang="en-US"/>
@@ -757,7 +764,7 @@
           <a:p>
             <a:fld id="{1307A57B-AAC4-4EAB-A0AB-797B0E63ACEB}" type="datetimeFigureOut">
               <a:rPr lang="en-US" smtClean="0"/>
-              <a:t>04-Nov-18</a:t>
+              <a:t>11/6/2018</a:t>
             </a:fld>
             <a:endParaRPr lang="en-US"/>
           </a:p>
@@ -863,15 +870,12 @@
         <p:spPr/>
         <p:txBody>
           <a:bodyPr/>
-          <a:lstStyle>
-            <a:extLst/>
-          </a:lstStyle>
+          <a:lstStyle/>
           <a:p>
             <a:r>
-              <a:rPr kumimoji="0" lang="en-US" smtClean="0"/>
+              <a:rPr kumimoji="0" lang="en-US"/>
               <a:t>Click to edit Master title style</a:t>
             </a:r>
-            <a:endParaRPr kumimoji="0" lang="en-US"/>
           </a:p>
         </p:txBody>
       </p:sp>
@@ -893,41 +897,39 @@
         </p:spPr>
         <p:txBody>
           <a:bodyPr vert="eaVert"/>
-          <a:lstStyle>
-            <a:extLst/>
-          </a:lstStyle>
+          <a:lstStyle/>
           <a:p>
             <a:pPr lvl="0" eaLnBrk="1" latinLnBrk="0" hangingPunct="1"/>
             <a:r>
-              <a:rPr lang="en-US" smtClean="0"/>
+              <a:rPr lang="en-US"/>
               <a:t>Click to edit Master text styles</a:t>
             </a:r>
           </a:p>
           <a:p>
             <a:pPr lvl="1" eaLnBrk="1" latinLnBrk="0" hangingPunct="1"/>
             <a:r>
-              <a:rPr lang="en-US" smtClean="0"/>
+              <a:rPr lang="en-US"/>
               <a:t>Second level</a:t>
             </a:r>
           </a:p>
           <a:p>
             <a:pPr lvl="2" eaLnBrk="1" latinLnBrk="0" hangingPunct="1"/>
             <a:r>
-              <a:rPr lang="en-US" smtClean="0"/>
+              <a:rPr lang="en-US"/>
               <a:t>Third level</a:t>
             </a:r>
           </a:p>
           <a:p>
             <a:pPr lvl="3" eaLnBrk="1" latinLnBrk="0" hangingPunct="1"/>
             <a:r>
-              <a:rPr lang="en-US" smtClean="0"/>
+              <a:rPr lang="en-US"/>
               <a:t>Fourth level</a:t>
             </a:r>
           </a:p>
           <a:p>
             <a:pPr lvl="4" eaLnBrk="1" latinLnBrk="0" hangingPunct="1"/>
             <a:r>
-              <a:rPr lang="en-US" smtClean="0"/>
+              <a:rPr lang="en-US"/>
               <a:t>Fifth level</a:t>
             </a:r>
             <a:endParaRPr kumimoji="0" lang="en-US"/>
@@ -947,13 +949,11 @@
         <p:spPr/>
         <p:txBody>
           <a:bodyPr/>
-          <a:lstStyle>
-            <a:extLst/>
-          </a:lstStyle>
+          <a:lstStyle/>
           <a:p>
             <a:fld id="{1307A57B-AAC4-4EAB-A0AB-797B0E63ACEB}" type="datetimeFigureOut">
               <a:rPr lang="en-US" smtClean="0"/>
-              <a:t>04-Nov-18</a:t>
+              <a:t>11/6/2018</a:t>
             </a:fld>
             <a:endParaRPr lang="en-US"/>
           </a:p>
@@ -972,9 +972,7 @@
         <p:spPr/>
         <p:txBody>
           <a:bodyPr/>
-          <a:lstStyle>
-            <a:extLst/>
-          </a:lstStyle>
+          <a:lstStyle/>
           <a:p>
             <a:endParaRPr lang="en-US"/>
           </a:p>
@@ -993,9 +991,7 @@
         <p:spPr/>
         <p:txBody>
           <a:bodyPr/>
-          <a:lstStyle>
-            <a:extLst/>
-          </a:lstStyle>
+          <a:lstStyle/>
           <a:p>
             <a:fld id="{674A736C-4B38-47B6-B2F4-2C945E041579}" type="slidenum">
               <a:rPr lang="en-US" smtClean="0"/>
@@ -1048,15 +1044,12 @@
         </p:spPr>
         <p:txBody>
           <a:bodyPr vert="eaVert"/>
-          <a:lstStyle>
-            <a:extLst/>
-          </a:lstStyle>
+          <a:lstStyle/>
           <a:p>
             <a:r>
-              <a:rPr kumimoji="0" lang="en-US" smtClean="0"/>
+              <a:rPr kumimoji="0" lang="en-US"/>
               <a:t>Click to edit Master title style</a:t>
             </a:r>
-            <a:endParaRPr kumimoji="0" lang="en-US"/>
           </a:p>
         </p:txBody>
       </p:sp>
@@ -1078,41 +1071,39 @@
         </p:spPr>
         <p:txBody>
           <a:bodyPr vert="eaVert"/>
-          <a:lstStyle>
-            <a:extLst/>
-          </a:lstStyle>
+          <a:lstStyle/>
           <a:p>
             <a:pPr lvl="0" eaLnBrk="1" latinLnBrk="0" hangingPunct="1"/>
             <a:r>
-              <a:rPr lang="en-US" smtClean="0"/>
+              <a:rPr lang="en-US"/>
               <a:t>Click to edit Master text styles</a:t>
             </a:r>
           </a:p>
           <a:p>
             <a:pPr lvl="1" eaLnBrk="1" latinLnBrk="0" hangingPunct="1"/>
             <a:r>
-              <a:rPr lang="en-US" smtClean="0"/>
+              <a:rPr lang="en-US"/>
               <a:t>Second level</a:t>
             </a:r>
           </a:p>
           <a:p>
             <a:pPr lvl="2" eaLnBrk="1" latinLnBrk="0" hangingPunct="1"/>
             <a:r>
-              <a:rPr lang="en-US" smtClean="0"/>
+              <a:rPr lang="en-US"/>
               <a:t>Third level</a:t>
             </a:r>
           </a:p>
           <a:p>
             <a:pPr lvl="3" eaLnBrk="1" latinLnBrk="0" hangingPunct="1"/>
             <a:r>
-              <a:rPr lang="en-US" smtClean="0"/>
+              <a:rPr lang="en-US"/>
               <a:t>Fourth level</a:t>
             </a:r>
           </a:p>
           <a:p>
             <a:pPr lvl="4" eaLnBrk="1" latinLnBrk="0" hangingPunct="1"/>
             <a:r>
-              <a:rPr lang="en-US" smtClean="0"/>
+              <a:rPr lang="en-US"/>
               <a:t>Fifth level</a:t>
             </a:r>
             <a:endParaRPr kumimoji="0" lang="en-US"/>
@@ -1132,13 +1123,11 @@
         <p:spPr/>
         <p:txBody>
           <a:bodyPr/>
-          <a:lstStyle>
-            <a:extLst/>
-          </a:lstStyle>
+          <a:lstStyle/>
           <a:p>
             <a:fld id="{1307A57B-AAC4-4EAB-A0AB-797B0E63ACEB}" type="datetimeFigureOut">
               <a:rPr lang="en-US" smtClean="0"/>
-              <a:t>04-Nov-18</a:t>
+              <a:t>11/6/2018</a:t>
             </a:fld>
             <a:endParaRPr lang="en-US"/>
           </a:p>
@@ -1157,9 +1146,7 @@
         <p:spPr/>
         <p:txBody>
           <a:bodyPr/>
-          <a:lstStyle>
-            <a:extLst/>
-          </a:lstStyle>
+          <a:lstStyle/>
           <a:p>
             <a:endParaRPr lang="en-US"/>
           </a:p>
@@ -1178,9 +1165,7 @@
         <p:spPr/>
         <p:txBody>
           <a:bodyPr/>
-          <a:lstStyle>
-            <a:extLst/>
-          </a:lstStyle>
+          <a:lstStyle/>
           <a:p>
             <a:fld id="{674A736C-4B38-47B6-B2F4-2C945E041579}" type="slidenum">
               <a:rPr lang="en-US" smtClean="0"/>
@@ -1228,41 +1213,39 @@
         <p:spPr/>
         <p:txBody>
           <a:bodyPr/>
-          <a:lstStyle>
-            <a:extLst/>
-          </a:lstStyle>
+          <a:lstStyle/>
           <a:p>
             <a:pPr lvl="0" eaLnBrk="1" latinLnBrk="0" hangingPunct="1"/>
             <a:r>
-              <a:rPr lang="en-US" smtClean="0"/>
+              <a:rPr lang="en-US"/>
               <a:t>Click to edit Master text styles</a:t>
             </a:r>
           </a:p>
           <a:p>
             <a:pPr lvl="1" eaLnBrk="1" latinLnBrk="0" hangingPunct="1"/>
             <a:r>
-              <a:rPr lang="en-US" smtClean="0"/>
+              <a:rPr lang="en-US"/>
               <a:t>Second level</a:t>
             </a:r>
           </a:p>
           <a:p>
             <a:pPr lvl="2" eaLnBrk="1" latinLnBrk="0" hangingPunct="1"/>
             <a:r>
-              <a:rPr lang="en-US" smtClean="0"/>
+              <a:rPr lang="en-US"/>
               <a:t>Third level</a:t>
             </a:r>
           </a:p>
           <a:p>
             <a:pPr lvl="3" eaLnBrk="1" latinLnBrk="0" hangingPunct="1"/>
             <a:r>
-              <a:rPr lang="en-US" smtClean="0"/>
+              <a:rPr lang="en-US"/>
               <a:t>Fourth level</a:t>
             </a:r>
           </a:p>
           <a:p>
             <a:pPr lvl="4" eaLnBrk="1" latinLnBrk="0" hangingPunct="1"/>
             <a:r>
-              <a:rPr lang="en-US" smtClean="0"/>
+              <a:rPr lang="en-US"/>
               <a:t>Fifth level</a:t>
             </a:r>
             <a:endParaRPr kumimoji="0" lang="en-US"/>
@@ -1282,13 +1265,11 @@
         <p:spPr/>
         <p:txBody>
           <a:bodyPr/>
-          <a:lstStyle>
-            <a:extLst/>
-          </a:lstStyle>
+          <a:lstStyle/>
           <a:p>
             <a:fld id="{1307A57B-AAC4-4EAB-A0AB-797B0E63ACEB}" type="datetimeFigureOut">
               <a:rPr lang="en-US" smtClean="0"/>
-              <a:t>04-Nov-18</a:t>
+              <a:t>11/6/2018</a:t>
             </a:fld>
             <a:endParaRPr lang="en-US"/>
           </a:p>
@@ -1307,9 +1288,7 @@
         <p:spPr/>
         <p:txBody>
           <a:bodyPr/>
-          <a:lstStyle>
-            <a:extLst/>
-          </a:lstStyle>
+          <a:lstStyle/>
           <a:p>
             <a:endParaRPr lang="en-US"/>
           </a:p>
@@ -1328,9 +1307,7 @@
         <p:spPr/>
         <p:txBody>
           <a:bodyPr/>
-          <a:lstStyle>
-            <a:extLst/>
-          </a:lstStyle>
+          <a:lstStyle/>
           <a:p>
             <a:fld id="{674A736C-4B38-47B6-B2F4-2C945E041579}" type="slidenum">
               <a:rPr lang="en-US" smtClean="0"/>
@@ -1353,15 +1330,12 @@
         <p:spPr/>
         <p:txBody>
           <a:bodyPr rtlCol="0"/>
-          <a:lstStyle>
-            <a:extLst/>
-          </a:lstStyle>
+          <a:lstStyle/>
           <a:p>
             <a:r>
-              <a:rPr kumimoji="0" lang="en-US" smtClean="0"/>
+              <a:rPr kumimoji="0" lang="en-US"/>
               <a:t>Click to edit Master title style</a:t>
             </a:r>
-            <a:endParaRPr kumimoji="0" lang="en-US"/>
           </a:p>
         </p:txBody>
       </p:sp>
@@ -1439,10 +1413,9 @@
           </a:lstStyle>
           <a:p>
             <a:r>
-              <a:rPr kumimoji="0" lang="en-US" smtClean="0"/>
+              <a:rPr kumimoji="0" lang="en-US"/>
               <a:t>Click to edit Master title style</a:t>
             </a:r>
-            <a:endParaRPr kumimoji="0" lang="en-US"/>
           </a:p>
         </p:txBody>
       </p:sp>
@@ -1518,7 +1491,7 @@
           <a:p>
             <a:pPr lvl="0" eaLnBrk="1" latinLnBrk="0" hangingPunct="1"/>
             <a:r>
-              <a:rPr kumimoji="0" lang="en-US" smtClean="0"/>
+              <a:rPr kumimoji="0" lang="en-US"/>
               <a:t>Click to edit Master text styles</a:t>
             </a:r>
           </a:p>
@@ -1537,13 +1510,11 @@
         <p:spPr/>
         <p:txBody>
           <a:bodyPr/>
-          <a:lstStyle>
-            <a:extLst/>
-          </a:lstStyle>
+          <a:lstStyle/>
           <a:p>
             <a:fld id="{1307A57B-AAC4-4EAB-A0AB-797B0E63ACEB}" type="datetimeFigureOut">
               <a:rPr lang="en-US" smtClean="0"/>
-              <a:t>04-Nov-18</a:t>
+              <a:t>11/6/2018</a:t>
             </a:fld>
             <a:endParaRPr lang="en-US"/>
           </a:p>
@@ -1562,9 +1533,7 @@
         <p:spPr/>
         <p:txBody>
           <a:bodyPr/>
-          <a:lstStyle>
-            <a:extLst/>
-          </a:lstStyle>
+          <a:lstStyle/>
           <a:p>
             <a:endParaRPr lang="en-US"/>
           </a:p>
@@ -1583,9 +1552,7 @@
         <p:spPr/>
         <p:txBody>
           <a:bodyPr/>
-          <a:lstStyle>
-            <a:extLst/>
-          </a:lstStyle>
+          <a:lstStyle/>
           <a:p>
             <a:fld id="{674A736C-4B38-47B6-B2F4-2C945E041579}" type="slidenum">
               <a:rPr lang="en-US" smtClean="0"/>
@@ -1666,9 +1633,7 @@
         </p:style>
         <p:txBody>
           <a:bodyPr anchor="ctr"/>
-          <a:lstStyle>
-            <a:extLst/>
-          </a:lstStyle>
+          <a:lstStyle/>
           <a:p>
             <a:pPr algn="l" eaLnBrk="1" latinLnBrk="0" hangingPunct="1"/>
             <a:endParaRPr kumimoji="0" lang="en-US"/>
@@ -1746,9 +1711,7 @@
         </p:style>
         <p:txBody>
           <a:bodyPr anchor="ctr"/>
-          <a:lstStyle>
-            <a:extLst/>
-          </a:lstStyle>
+          <a:lstStyle/>
           <a:p>
             <a:pPr algn="l" eaLnBrk="1" latinLnBrk="0" hangingPunct="1"/>
             <a:endParaRPr kumimoji="0" lang="en-US"/>
@@ -1824,35 +1787,35 @@
           <a:p>
             <a:pPr lvl="0" eaLnBrk="1" latinLnBrk="0" hangingPunct="1"/>
             <a:r>
-              <a:rPr lang="en-US" smtClean="0"/>
+              <a:rPr lang="en-US"/>
               <a:t>Click to edit Master text styles</a:t>
             </a:r>
           </a:p>
           <a:p>
             <a:pPr lvl="1" eaLnBrk="1" latinLnBrk="0" hangingPunct="1"/>
             <a:r>
-              <a:rPr lang="en-US" smtClean="0"/>
+              <a:rPr lang="en-US"/>
               <a:t>Second level</a:t>
             </a:r>
           </a:p>
           <a:p>
             <a:pPr lvl="2" eaLnBrk="1" latinLnBrk="0" hangingPunct="1"/>
             <a:r>
-              <a:rPr lang="en-US" smtClean="0"/>
+              <a:rPr lang="en-US"/>
               <a:t>Third level</a:t>
             </a:r>
           </a:p>
           <a:p>
             <a:pPr lvl="3" eaLnBrk="1" latinLnBrk="0" hangingPunct="1"/>
             <a:r>
-              <a:rPr lang="en-US" smtClean="0"/>
+              <a:rPr lang="en-US"/>
               <a:t>Fourth level</a:t>
             </a:r>
           </a:p>
           <a:p>
             <a:pPr lvl="4" eaLnBrk="1" latinLnBrk="0" hangingPunct="1"/>
             <a:r>
-              <a:rPr lang="en-US" smtClean="0"/>
+              <a:rPr lang="en-US"/>
               <a:t>Fifth level</a:t>
             </a:r>
             <a:endParaRPr kumimoji="0" lang="en-US"/>
@@ -1898,35 +1861,35 @@
           <a:p>
             <a:pPr lvl="0" eaLnBrk="1" latinLnBrk="0" hangingPunct="1"/>
             <a:r>
-              <a:rPr lang="en-US" smtClean="0"/>
+              <a:rPr lang="en-US"/>
               <a:t>Click to edit Master text styles</a:t>
             </a:r>
           </a:p>
           <a:p>
             <a:pPr lvl="1" eaLnBrk="1" latinLnBrk="0" hangingPunct="1"/>
             <a:r>
-              <a:rPr lang="en-US" smtClean="0"/>
+              <a:rPr lang="en-US"/>
               <a:t>Second level</a:t>
             </a:r>
           </a:p>
           <a:p>
             <a:pPr lvl="2" eaLnBrk="1" latinLnBrk="0" hangingPunct="1"/>
             <a:r>
-              <a:rPr lang="en-US" smtClean="0"/>
+              <a:rPr lang="en-US"/>
               <a:t>Third level</a:t>
             </a:r>
           </a:p>
           <a:p>
             <a:pPr lvl="3" eaLnBrk="1" latinLnBrk="0" hangingPunct="1"/>
             <a:r>
-              <a:rPr lang="en-US" smtClean="0"/>
+              <a:rPr lang="en-US"/>
               <a:t>Fourth level</a:t>
             </a:r>
           </a:p>
           <a:p>
             <a:pPr lvl="4" eaLnBrk="1" latinLnBrk="0" hangingPunct="1"/>
             <a:r>
-              <a:rPr lang="en-US" smtClean="0"/>
+              <a:rPr lang="en-US"/>
               <a:t>Fifth level</a:t>
             </a:r>
             <a:endParaRPr kumimoji="0" lang="en-US"/>
@@ -1946,13 +1909,11 @@
         <p:spPr/>
         <p:txBody>
           <a:bodyPr/>
-          <a:lstStyle>
-            <a:extLst/>
-          </a:lstStyle>
+          <a:lstStyle/>
           <a:p>
             <a:fld id="{1307A57B-AAC4-4EAB-A0AB-797B0E63ACEB}" type="datetimeFigureOut">
               <a:rPr lang="en-US" smtClean="0"/>
-              <a:t>04-Nov-18</a:t>
+              <a:t>11/6/2018</a:t>
             </a:fld>
             <a:endParaRPr lang="en-US"/>
           </a:p>
@@ -1971,9 +1932,7 @@
         <p:spPr/>
         <p:txBody>
           <a:bodyPr/>
-          <a:lstStyle>
-            <a:extLst/>
-          </a:lstStyle>
+          <a:lstStyle/>
           <a:p>
             <a:endParaRPr lang="en-US"/>
           </a:p>
@@ -1992,9 +1951,7 @@
         <p:spPr/>
         <p:txBody>
           <a:bodyPr/>
-          <a:lstStyle>
-            <a:extLst/>
-          </a:lstStyle>
+          <a:lstStyle/>
           <a:p>
             <a:fld id="{674A736C-4B38-47B6-B2F4-2C945E041579}" type="slidenum">
               <a:rPr lang="en-US" smtClean="0"/>
@@ -2017,15 +1974,12 @@
         <p:spPr/>
         <p:txBody>
           <a:bodyPr rtlCol="0"/>
-          <a:lstStyle>
-            <a:extLst/>
-          </a:lstStyle>
+          <a:lstStyle/>
           <a:p>
             <a:r>
-              <a:rPr kumimoji="0" lang="en-US" smtClean="0"/>
+              <a:rPr kumimoji="0" lang="en-US"/>
               <a:t>Click to edit Master title style</a:t>
             </a:r>
-            <a:endParaRPr kumimoji="0" lang="en-US"/>
           </a:p>
         </p:txBody>
       </p:sp>
@@ -2085,10 +2039,9 @@
           </a:lstStyle>
           <a:p>
             <a:r>
-              <a:rPr kumimoji="0" lang="en-US" smtClean="0"/>
+              <a:rPr kumimoji="0" lang="en-US"/>
               <a:t>Click to edit Master title style</a:t>
             </a:r>
-            <a:endParaRPr kumimoji="0" lang="en-US"/>
           </a:p>
         </p:txBody>
       </p:sp>
@@ -2149,7 +2102,7 @@
           <a:p>
             <a:pPr lvl="0" eaLnBrk="1" latinLnBrk="0" hangingPunct="1"/>
             <a:r>
-              <a:rPr kumimoji="0" lang="en-US" smtClean="0"/>
+              <a:rPr kumimoji="0" lang="en-US"/>
               <a:t>Click to edit Master text styles</a:t>
             </a:r>
           </a:p>
@@ -2212,7 +2165,7 @@
           <a:p>
             <a:pPr lvl="0" eaLnBrk="1" latinLnBrk="0" hangingPunct="1"/>
             <a:r>
-              <a:rPr kumimoji="0" lang="en-US" smtClean="0"/>
+              <a:rPr kumimoji="0" lang="en-US"/>
               <a:t>Click to edit Master text styles</a:t>
             </a:r>
           </a:p>
@@ -2262,35 +2215,35 @@
           <a:p>
             <a:pPr lvl="0" eaLnBrk="1" latinLnBrk="0" hangingPunct="1"/>
             <a:r>
-              <a:rPr lang="en-US" smtClean="0"/>
+              <a:rPr lang="en-US"/>
               <a:t>Click to edit Master text styles</a:t>
             </a:r>
           </a:p>
           <a:p>
             <a:pPr lvl="1" eaLnBrk="1" latinLnBrk="0" hangingPunct="1"/>
             <a:r>
-              <a:rPr lang="en-US" smtClean="0"/>
+              <a:rPr lang="en-US"/>
               <a:t>Second level</a:t>
             </a:r>
           </a:p>
           <a:p>
             <a:pPr lvl="2" eaLnBrk="1" latinLnBrk="0" hangingPunct="1"/>
             <a:r>
-              <a:rPr lang="en-US" smtClean="0"/>
+              <a:rPr lang="en-US"/>
               <a:t>Third level</a:t>
             </a:r>
           </a:p>
           <a:p>
             <a:pPr lvl="3" eaLnBrk="1" latinLnBrk="0" hangingPunct="1"/>
             <a:r>
-              <a:rPr lang="en-US" smtClean="0"/>
+              <a:rPr lang="en-US"/>
               <a:t>Fourth level</a:t>
             </a:r>
           </a:p>
           <a:p>
             <a:pPr lvl="4" eaLnBrk="1" latinLnBrk="0" hangingPunct="1"/>
             <a:r>
-              <a:rPr lang="en-US" smtClean="0"/>
+              <a:rPr lang="en-US"/>
               <a:t>Fifth level</a:t>
             </a:r>
             <a:endParaRPr kumimoji="0" lang="en-US"/>
@@ -2344,35 +2297,35 @@
           <a:p>
             <a:pPr lvl="0" eaLnBrk="1" latinLnBrk="0" hangingPunct="1"/>
             <a:r>
-              <a:rPr lang="en-US" smtClean="0"/>
+              <a:rPr lang="en-US"/>
               <a:t>Click to edit Master text styles</a:t>
             </a:r>
           </a:p>
           <a:p>
             <a:pPr lvl="1" eaLnBrk="1" latinLnBrk="0" hangingPunct="1"/>
             <a:r>
-              <a:rPr lang="en-US" smtClean="0"/>
+              <a:rPr lang="en-US"/>
               <a:t>Second level</a:t>
             </a:r>
           </a:p>
           <a:p>
             <a:pPr lvl="2" eaLnBrk="1" latinLnBrk="0" hangingPunct="1"/>
             <a:r>
-              <a:rPr lang="en-US" smtClean="0"/>
+              <a:rPr lang="en-US"/>
               <a:t>Third level</a:t>
             </a:r>
           </a:p>
           <a:p>
             <a:pPr lvl="3" eaLnBrk="1" latinLnBrk="0" hangingPunct="1"/>
             <a:r>
-              <a:rPr lang="en-US" smtClean="0"/>
+              <a:rPr lang="en-US"/>
               <a:t>Fourth level</a:t>
             </a:r>
           </a:p>
           <a:p>
             <a:pPr lvl="4" eaLnBrk="1" latinLnBrk="0" hangingPunct="1"/>
             <a:r>
-              <a:rPr lang="en-US" smtClean="0"/>
+              <a:rPr lang="en-US"/>
               <a:t>Fifth level</a:t>
             </a:r>
             <a:endParaRPr kumimoji="0" lang="en-US"/>
@@ -2392,13 +2345,11 @@
         <p:spPr/>
         <p:txBody>
           <a:bodyPr/>
-          <a:lstStyle>
-            <a:extLst/>
-          </a:lstStyle>
+          <a:lstStyle/>
           <a:p>
             <a:fld id="{1307A57B-AAC4-4EAB-A0AB-797B0E63ACEB}" type="datetimeFigureOut">
               <a:rPr lang="en-US" smtClean="0"/>
-              <a:t>04-Nov-18</a:t>
+              <a:t>11/6/2018</a:t>
             </a:fld>
             <a:endParaRPr lang="en-US"/>
           </a:p>
@@ -2417,9 +2368,7 @@
         <p:spPr/>
         <p:txBody>
           <a:bodyPr/>
-          <a:lstStyle>
-            <a:extLst/>
-          </a:lstStyle>
+          <a:lstStyle/>
           <a:p>
             <a:endParaRPr lang="en-US"/>
           </a:p>
@@ -2438,9 +2387,7 @@
         <p:spPr/>
         <p:txBody>
           <a:bodyPr/>
-          <a:lstStyle>
-            <a:extLst/>
-          </a:lstStyle>
+          <a:lstStyle/>
           <a:p>
             <a:fld id="{674A736C-4B38-47B6-B2F4-2C945E041579}" type="slidenum">
               <a:rPr lang="en-US" smtClean="0"/>
@@ -2493,13 +2440,11 @@
         <p:spPr/>
         <p:txBody>
           <a:bodyPr/>
-          <a:lstStyle>
-            <a:extLst/>
-          </a:lstStyle>
+          <a:lstStyle/>
           <a:p>
             <a:fld id="{1307A57B-AAC4-4EAB-A0AB-797B0E63ACEB}" type="datetimeFigureOut">
               <a:rPr lang="en-US" smtClean="0"/>
-              <a:t>04-Nov-18</a:t>
+              <a:t>11/6/2018</a:t>
             </a:fld>
             <a:endParaRPr lang="en-US"/>
           </a:p>
@@ -2518,9 +2463,7 @@
         <p:spPr/>
         <p:txBody>
           <a:bodyPr/>
-          <a:lstStyle>
-            <a:extLst/>
-          </a:lstStyle>
+          <a:lstStyle/>
           <a:p>
             <a:endParaRPr lang="en-US"/>
           </a:p>
@@ -2539,9 +2482,7 @@
         <p:spPr/>
         <p:txBody>
           <a:bodyPr/>
-          <a:lstStyle>
-            <a:extLst/>
-          </a:lstStyle>
+          <a:lstStyle/>
           <a:p>
             <a:fld id="{674A736C-4B38-47B6-B2F4-2C945E041579}" type="slidenum">
               <a:rPr lang="en-US" smtClean="0"/>
@@ -2564,15 +2505,12 @@
         <p:spPr/>
         <p:txBody>
           <a:bodyPr rtlCol="0"/>
-          <a:lstStyle>
-            <a:extLst/>
-          </a:lstStyle>
+          <a:lstStyle/>
           <a:p>
             <a:r>
-              <a:rPr kumimoji="0" lang="en-US" smtClean="0"/>
+              <a:rPr kumimoji="0" lang="en-US"/>
               <a:t>Click to edit Master title style</a:t>
             </a:r>
-            <a:endParaRPr kumimoji="0" lang="en-US"/>
           </a:p>
         </p:txBody>
       </p:sp>
@@ -2614,13 +2552,11 @@
         <p:spPr/>
         <p:txBody>
           <a:bodyPr/>
-          <a:lstStyle>
-            <a:extLst/>
-          </a:lstStyle>
+          <a:lstStyle/>
           <a:p>
             <a:fld id="{1307A57B-AAC4-4EAB-A0AB-797B0E63ACEB}" type="datetimeFigureOut">
               <a:rPr lang="en-US" smtClean="0"/>
-              <a:t>04-Nov-18</a:t>
+              <a:t>11/6/2018</a:t>
             </a:fld>
             <a:endParaRPr lang="en-US"/>
           </a:p>
@@ -2639,9 +2575,7 @@
         <p:spPr/>
         <p:txBody>
           <a:bodyPr/>
-          <a:lstStyle>
-            <a:extLst/>
-          </a:lstStyle>
+          <a:lstStyle/>
           <a:p>
             <a:endParaRPr lang="en-US"/>
           </a:p>
@@ -2660,9 +2594,7 @@
         <p:spPr/>
         <p:txBody>
           <a:bodyPr/>
-          <a:lstStyle>
-            <a:extLst/>
-          </a:lstStyle>
+          <a:lstStyle/>
           <a:p>
             <a:fld id="{674A736C-4B38-47B6-B2F4-2C945E041579}" type="slidenum">
               <a:rPr lang="en-US" smtClean="0"/>
@@ -2739,10 +2671,9 @@
           </a:lstStyle>
           <a:p>
             <a:r>
-              <a:rPr kumimoji="0" lang="en-US" smtClean="0"/>
+              <a:rPr kumimoji="0" lang="en-US"/>
               <a:t>Click to edit Master title style</a:t>
             </a:r>
-            <a:endParaRPr kumimoji="0" lang="en-US"/>
           </a:p>
         </p:txBody>
       </p:sp>
@@ -2790,7 +2721,7 @@
           <a:p>
             <a:pPr lvl="0" eaLnBrk="1" latinLnBrk="0" hangingPunct="1"/>
             <a:r>
-              <a:rPr kumimoji="0" lang="en-US" smtClean="0"/>
+              <a:rPr kumimoji="0" lang="en-US"/>
               <a:t>Click to edit Master text styles</a:t>
             </a:r>
           </a:p>
@@ -2835,35 +2766,35 @@
           <a:p>
             <a:pPr lvl="0" eaLnBrk="1" latinLnBrk="0" hangingPunct="1"/>
             <a:r>
-              <a:rPr lang="en-US" smtClean="0"/>
+              <a:rPr lang="en-US"/>
               <a:t>Click to edit Master text styles</a:t>
             </a:r>
           </a:p>
           <a:p>
             <a:pPr lvl="1" eaLnBrk="1" latinLnBrk="0" hangingPunct="1"/>
             <a:r>
-              <a:rPr lang="en-US" smtClean="0"/>
+              <a:rPr lang="en-US"/>
               <a:t>Second level</a:t>
             </a:r>
           </a:p>
           <a:p>
             <a:pPr lvl="2" eaLnBrk="1" latinLnBrk="0" hangingPunct="1"/>
             <a:r>
-              <a:rPr lang="en-US" smtClean="0"/>
+              <a:rPr lang="en-US"/>
               <a:t>Third level</a:t>
             </a:r>
           </a:p>
           <a:p>
             <a:pPr lvl="3" eaLnBrk="1" latinLnBrk="0" hangingPunct="1"/>
             <a:r>
-              <a:rPr lang="en-US" smtClean="0"/>
+              <a:rPr lang="en-US"/>
               <a:t>Fourth level</a:t>
             </a:r>
           </a:p>
           <a:p>
             <a:pPr lvl="4" eaLnBrk="1" latinLnBrk="0" hangingPunct="1"/>
             <a:r>
-              <a:rPr lang="en-US" smtClean="0"/>
+              <a:rPr lang="en-US"/>
               <a:t>Fifth level</a:t>
             </a:r>
             <a:endParaRPr kumimoji="0" lang="en-US"/>
@@ -2888,13 +2819,11 @@
         </p:spPr>
         <p:txBody>
           <a:bodyPr/>
-          <a:lstStyle>
-            <a:extLst/>
-          </a:lstStyle>
+          <a:lstStyle/>
           <a:p>
             <a:fld id="{1307A57B-AAC4-4EAB-A0AB-797B0E63ACEB}" type="datetimeFigureOut">
               <a:rPr lang="en-US" smtClean="0"/>
-              <a:t>04-Nov-18</a:t>
+              <a:t>11/6/2018</a:t>
             </a:fld>
             <a:endParaRPr lang="en-US"/>
           </a:p>
@@ -2913,9 +2842,7 @@
         <p:spPr/>
         <p:txBody>
           <a:bodyPr/>
-          <a:lstStyle>
-            <a:extLst/>
-          </a:lstStyle>
+          <a:lstStyle/>
           <a:p>
             <a:endParaRPr lang="en-US"/>
           </a:p>
@@ -2934,9 +2861,7 @@
         <p:spPr/>
         <p:txBody>
           <a:bodyPr/>
-          <a:lstStyle>
-            <a:extLst/>
-          </a:lstStyle>
+          <a:lstStyle/>
           <a:p>
             <a:fld id="{674A736C-4B38-47B6-B2F4-2C945E041579}" type="slidenum">
               <a:rPr lang="en-US" smtClean="0"/>
@@ -3017,7 +2942,7 @@
           <a:p>
             <a:pPr lvl="0" eaLnBrk="1" latinLnBrk="0" hangingPunct="1"/>
             <a:r>
-              <a:rPr kumimoji="0" lang="en-US" smtClean="0"/>
+              <a:rPr kumimoji="0" lang="en-US"/>
               <a:t>Click to edit Master text styles</a:t>
             </a:r>
           </a:p>
@@ -3066,7 +2991,7 @@
           </a:lstStyle>
           <a:p>
             <a:r>
-              <a:rPr kumimoji="0" lang="en-US" smtClean="0"/>
+              <a:rPr kumimoji="0" lang="en-US"/>
               <a:t>Click icon to add picture</a:t>
             </a:r>
             <a:endParaRPr kumimoji="0" lang="en-US" dirty="0"/>
@@ -3099,7 +3024,7 @@
           <a:p>
             <a:fld id="{1307A57B-AAC4-4EAB-A0AB-797B0E63ACEB}" type="datetimeFigureOut">
               <a:rPr lang="en-US" smtClean="0"/>
-              <a:t>04-Nov-18</a:t>
+              <a:t>11/6/2018</a:t>
             </a:fld>
             <a:endParaRPr lang="en-US"/>
           </a:p>
@@ -3211,10 +3136,9 @@
           </a:lstStyle>
           <a:p>
             <a:r>
-              <a:rPr kumimoji="0" lang="en-US" smtClean="0"/>
+              <a:rPr kumimoji="0" lang="en-US"/>
               <a:t>Click to edit Master title style</a:t>
             </a:r>
-            <a:endParaRPr kumimoji="0" lang="en-US"/>
           </a:p>
         </p:txBody>
       </p:sp>
@@ -3294,9 +3218,7 @@
         </p:spPr>
         <p:txBody>
           <a:bodyPr vert="horz" wrap="square" lIns="91440" tIns="45720" rIns="91440" bIns="45720" anchor="t" compatLnSpc="1"/>
-          <a:lstStyle>
-            <a:extLst/>
-          </a:lstStyle>
+          <a:lstStyle/>
           <a:p>
             <a:endParaRPr kumimoji="0" lang="en-US"/>
           </a:p>
@@ -3376,9 +3298,7 @@
         </p:spPr>
         <p:txBody>
           <a:bodyPr vert="horz" wrap="square" lIns="91440" tIns="45720" rIns="91440" bIns="45720" anchor="t" compatLnSpc="1"/>
-          <a:lstStyle>
-            <a:extLst/>
-          </a:lstStyle>
+          <a:lstStyle/>
           <a:p>
             <a:endParaRPr kumimoji="0" lang="en-US"/>
           </a:p>
@@ -3486,9 +3406,7 @@
         </p:style>
         <p:txBody>
           <a:bodyPr vert="horz" wrap="square" lIns="91440" tIns="45720" rIns="91440" bIns="45720" anchor="ctr" compatLnSpc="1"/>
-          <a:lstStyle>
-            <a:extLst/>
-          </a:lstStyle>
+          <a:lstStyle/>
           <a:p>
             <a:pPr algn="ctr" eaLnBrk="1" latinLnBrk="0" hangingPunct="1"/>
             <a:endParaRPr kumimoji="0" lang="en-US"/>
@@ -3619,9 +3537,7 @@
         </p:style>
         <p:txBody>
           <a:bodyPr anchor="ctr"/>
-          <a:lstStyle>
-            <a:extLst/>
-          </a:lstStyle>
+          <a:lstStyle/>
           <a:p>
             <a:pPr algn="l" eaLnBrk="1" latinLnBrk="0" hangingPunct="1"/>
             <a:endParaRPr kumimoji="0" lang="en-US"/>
@@ -3699,9 +3615,7 @@
         </p:style>
         <p:txBody>
           <a:bodyPr anchor="ctr"/>
-          <a:lstStyle>
-            <a:extLst/>
-          </a:lstStyle>
+          <a:lstStyle/>
           <a:p>
             <a:pPr algn="l" eaLnBrk="1" latinLnBrk="0" hangingPunct="1"/>
             <a:endParaRPr kumimoji="0" lang="en-US"/>
@@ -3814,9 +3728,7 @@
         </p:spPr>
         <p:txBody>
           <a:bodyPr vert="horz" wrap="square" lIns="91440" tIns="45720" rIns="91440" bIns="45720" anchor="t" compatLnSpc="1"/>
-          <a:lstStyle>
-            <a:extLst/>
-          </a:lstStyle>
+          <a:lstStyle/>
           <a:p>
             <a:endParaRPr kumimoji="0" lang="en-US"/>
           </a:p>
@@ -3896,9 +3808,7 @@
         </p:spPr>
         <p:txBody>
           <a:bodyPr vert="horz" wrap="square" lIns="91440" tIns="45720" rIns="91440" bIns="45720" anchor="t" compatLnSpc="1"/>
-          <a:lstStyle>
-            <a:extLst/>
-          </a:lstStyle>
+          <a:lstStyle/>
           <a:p>
             <a:endParaRPr kumimoji="0" lang="en-US"/>
           </a:p>
@@ -4006,9 +3916,7 @@
         </p:style>
         <p:txBody>
           <a:bodyPr vert="horz" wrap="square" lIns="91440" tIns="45720" rIns="91440" bIns="45720" anchor="ctr" compatLnSpc="1"/>
-          <a:lstStyle>
-            <a:extLst/>
-          </a:lstStyle>
+          <a:lstStyle/>
           <a:p>
             <a:pPr algn="ctr" eaLnBrk="1" latinLnBrk="0" hangingPunct="1"/>
             <a:endParaRPr kumimoji="0" lang="en-US"/>
@@ -4098,15 +4006,12 @@
               <a:bevelT w="25400" h="25400"/>
             </a:sp3d>
           </a:bodyPr>
-          <a:lstStyle>
-            <a:extLst/>
-          </a:lstStyle>
+          <a:lstStyle/>
           <a:p>
             <a:r>
-              <a:rPr kumimoji="0" lang="en-US" smtClean="0"/>
+              <a:rPr kumimoji="0" lang="en-US"/>
               <a:t>Click to edit Master title style</a:t>
             </a:r>
-            <a:endParaRPr kumimoji="0" lang="en-US"/>
           </a:p>
         </p:txBody>
       </p:sp>
@@ -4133,44 +4038,41 @@
           <a:bodyPr vert="horz">
             <a:normAutofit/>
           </a:bodyPr>
-          <a:lstStyle>
-            <a:extLst/>
-          </a:lstStyle>
+          <a:lstStyle/>
           <a:p>
             <a:pPr lvl="0" eaLnBrk="1" latinLnBrk="0" hangingPunct="1"/>
             <a:r>
-              <a:rPr kumimoji="0" lang="en-US" smtClean="0"/>
+              <a:rPr kumimoji="0" lang="en-US"/>
               <a:t>Click to edit Master text styles</a:t>
             </a:r>
           </a:p>
           <a:p>
             <a:pPr lvl="1" eaLnBrk="1" latinLnBrk="0" hangingPunct="1"/>
             <a:r>
-              <a:rPr kumimoji="0" lang="en-US" smtClean="0"/>
+              <a:rPr kumimoji="0" lang="en-US"/>
               <a:t>Second level</a:t>
             </a:r>
           </a:p>
           <a:p>
             <a:pPr lvl="2" eaLnBrk="1" latinLnBrk="0" hangingPunct="1"/>
             <a:r>
-              <a:rPr kumimoji="0" lang="en-US" smtClean="0"/>
+              <a:rPr kumimoji="0" lang="en-US"/>
               <a:t>Third level</a:t>
             </a:r>
           </a:p>
           <a:p>
             <a:pPr lvl="3" eaLnBrk="1" latinLnBrk="0" hangingPunct="1"/>
             <a:r>
-              <a:rPr kumimoji="0" lang="en-US" smtClean="0"/>
+              <a:rPr kumimoji="0" lang="en-US"/>
               <a:t>Fourth level</a:t>
             </a:r>
           </a:p>
           <a:p>
             <a:pPr lvl="4" eaLnBrk="1" latinLnBrk="0" hangingPunct="1"/>
             <a:r>
-              <a:rPr kumimoji="0" lang="en-US" smtClean="0"/>
+              <a:rPr kumimoji="0" lang="en-US"/>
               <a:t>Fifth level</a:t>
             </a:r>
-            <a:endParaRPr kumimoji="0" lang="en-US"/>
           </a:p>
         </p:txBody>
       </p:sp>
@@ -4208,7 +4110,7 @@
           <a:p>
             <a:fld id="{1307A57B-AAC4-4EAB-A0AB-797B0E63ACEB}" type="datetimeFigureOut">
               <a:rPr lang="en-US" smtClean="0"/>
-              <a:t>04-Nov-18</a:t>
+              <a:t>11/6/2018</a:t>
             </a:fld>
             <a:endParaRPr lang="en-US"/>
           </a:p>
@@ -4631,14 +4533,13 @@
           <a:lstStyle/>
           <a:p>
             <a:r>
-              <a:rPr lang="en-US" dirty="0" err="1" smtClean="0"/>
+              <a:rPr lang="en-US" dirty="0" err="1"/>
               <a:t>Presentasi</a:t>
             </a:r>
             <a:r>
-              <a:rPr lang="en-US" dirty="0" smtClean="0"/>
+              <a:rPr lang="en-US" dirty="0"/>
               <a:t> 4</a:t>
             </a:r>
-            <a:endParaRPr lang="en-US" dirty="0"/>
           </a:p>
         </p:txBody>
       </p:sp>
@@ -4658,10 +4559,9 @@
           <a:lstStyle/>
           <a:p>
             <a:r>
-              <a:rPr lang="en-US" dirty="0" smtClean="0"/>
+              <a:rPr lang="en-US" dirty="0"/>
               <a:t>Working With Geometry</a:t>
             </a:r>
-            <a:endParaRPr lang="en-US" dirty="0"/>
           </a:p>
         </p:txBody>
       </p:sp>
@@ -4695,6 +4595,84 @@
           <a:chExt cx="0" cy="0"/>
         </a:xfrm>
       </p:grpSpPr>
+      <p:pic>
+        <p:nvPicPr>
+          <p:cNvPr id="4" name="Content Placeholder 3"/>
+          <p:cNvPicPr>
+            <a:picLocks noGrp="1" noChangeAspect="1"/>
+          </p:cNvPicPr>
+          <p:nvPr>
+            <p:ph idx="1"/>
+          </p:nvPr>
+        </p:nvPicPr>
+        <p:blipFill>
+          <a:blip r:embed="rId2">
+            <a:extLst>
+              <a:ext uri="{28A0092B-C50C-407E-A947-70E740481C1C}">
+                <a14:useLocalDpi xmlns:a14="http://schemas.microsoft.com/office/drawing/2010/main" val="0"/>
+              </a:ext>
+            </a:extLst>
+          </a:blip>
+          <a:stretch>
+            <a:fillRect/>
+          </a:stretch>
+        </p:blipFill>
+        <p:spPr>
+          <a:xfrm>
+            <a:off x="304800" y="1066800"/>
+            <a:ext cx="8619629" cy="5181600"/>
+          </a:xfrm>
+        </p:spPr>
+      </p:pic>
+      <p:sp>
+        <p:nvSpPr>
+          <p:cNvPr id="2" name="Title 1"/>
+          <p:cNvSpPr>
+            <a:spLocks noGrp="1"/>
+          </p:cNvSpPr>
+          <p:nvPr>
+            <p:ph type="title"/>
+          </p:nvPr>
+        </p:nvSpPr>
+        <p:spPr/>
+        <p:txBody>
+          <a:bodyPr/>
+          <a:lstStyle/>
+          <a:p>
+            <a:endParaRPr lang="en-US"/>
+          </a:p>
+        </p:txBody>
+      </p:sp>
+    </p:spTree>
+    <p:extLst>
+      <p:ext uri="{BB962C8B-B14F-4D97-AF65-F5344CB8AC3E}">
+        <p14:creationId xmlns:p14="http://schemas.microsoft.com/office/powerpoint/2010/main" val="3651320044"/>
+      </p:ext>
+    </p:extLst>
+  </p:cSld>
+  <p:clrMapOvr>
+    <a:masterClrMapping/>
+  </p:clrMapOvr>
+</p:sld>
+</file>
+
+<file path=ppt/slides/slide11.xml><?xml version="1.0" encoding="utf-8"?>
+<p:sld xmlns:a="http://schemas.openxmlformats.org/drawingml/2006/main" xmlns:r="http://schemas.openxmlformats.org/officeDocument/2006/relationships" xmlns:p="http://schemas.openxmlformats.org/presentationml/2006/main">
+  <p:cSld>
+    <p:spTree>
+      <p:nvGrpSpPr>
+        <p:cNvPr id="1" name=""/>
+        <p:cNvGrpSpPr/>
+        <p:nvPr/>
+      </p:nvGrpSpPr>
+      <p:grpSpPr>
+        <a:xfrm>
+          <a:off x="0" y="0"/>
+          <a:ext cx="0" cy="0"/>
+          <a:chOff x="0" y="0"/>
+          <a:chExt cx="0" cy="0"/>
+        </a:xfrm>
+      </p:grpSpPr>
       <p:sp>
         <p:nvSpPr>
           <p:cNvPr id="3" name="Content Placeholder 2"/>
@@ -4711,15 +4689,15 @@
           <a:lstStyle/>
           <a:p>
             <a:r>
-              <a:rPr lang="en-US" dirty="0" smtClean="0"/>
+              <a:rPr lang="en-US" dirty="0"/>
               <a:t>With </a:t>
             </a:r>
             <a:r>
-              <a:rPr lang="en-US" dirty="0" err="1" smtClean="0"/>
+              <a:rPr lang="en-US" dirty="0" err="1"/>
               <a:t>THREE.ShapeGeometry</a:t>
             </a:r>
             <a:r>
-              <a:rPr lang="en-US" dirty="0" smtClean="0"/>
+              <a:rPr lang="en-US" dirty="0"/>
               <a:t>, you have a couple of functions you can call to create your own shapes.</a:t>
             </a:r>
           </a:p>
@@ -4744,7 +4722,7 @@
           <a:lstStyle/>
           <a:p>
             <a:r>
-              <a:rPr lang="en-US" dirty="0" err="1" smtClean="0"/>
+              <a:rPr lang="en-US" dirty="0" err="1"/>
               <a:t>THREE.ShapeGeometry</a:t>
             </a:r>
             <a:endParaRPr lang="en-US" dirty="0"/>
@@ -4794,7 +4772,7 @@
 </p:sld>
 </file>
 
-<file path=ppt/slides/slide11.xml><?xml version="1.0" encoding="utf-8"?>
+<file path=ppt/slides/slide12.xml><?xml version="1.0" encoding="utf-8"?>
 <p:sld xmlns:a="http://schemas.openxmlformats.org/drawingml/2006/main" xmlns:r="http://schemas.openxmlformats.org/officeDocument/2006/relationships" xmlns:p="http://schemas.openxmlformats.org/presentationml/2006/main">
   <p:cSld>
     <p:spTree>
@@ -4834,11 +4812,11 @@
           <a:lstStyle/>
           <a:p>
             <a:r>
-              <a:rPr lang="en-US" dirty="0" err="1" smtClean="0"/>
+              <a:rPr lang="en-US" dirty="0" err="1"/>
               <a:t>THREE.BoxGeometry</a:t>
             </a:r>
             <a:r>
-              <a:rPr lang="en-US" dirty="0" smtClean="0"/>
+              <a:rPr lang="en-US" dirty="0"/>
               <a:t> is a very simple 3D geometry that allows you to create a box by specifying its width, height, and depth.</a:t>
             </a:r>
           </a:p>
@@ -4846,16 +4824,16 @@
             <a:endParaRPr lang="en-US" dirty="0"/>
           </a:p>
           <a:p>
-            <a:endParaRPr lang="en-US" dirty="0" smtClean="0"/>
-          </a:p>
-          <a:p>
             <a:endParaRPr lang="en-US" dirty="0"/>
           </a:p>
           <a:p>
-            <a:endParaRPr lang="en-US" dirty="0" smtClean="0"/>
-          </a:p>
-          <a:p>
-            <a:endParaRPr lang="en-US" dirty="0" smtClean="0"/>
+            <a:endParaRPr lang="en-US" dirty="0"/>
+          </a:p>
+          <a:p>
+            <a:endParaRPr lang="en-US" dirty="0"/>
+          </a:p>
+          <a:p>
+            <a:endParaRPr lang="en-US" dirty="0"/>
           </a:p>
           <a:p>
             <a:pPr marL="0" indent="0">
@@ -4865,15 +4843,15 @@
           </a:p>
           <a:p>
             <a:r>
-              <a:rPr lang="en-US" dirty="0" smtClean="0"/>
+              <a:rPr lang="en-US" dirty="0"/>
               <a:t>new </a:t>
             </a:r>
             <a:r>
-              <a:rPr lang="en-US" dirty="0" err="1" smtClean="0"/>
+              <a:rPr lang="en-US" dirty="0" err="1"/>
               <a:t>THREE.BoxGeometry</a:t>
             </a:r>
             <a:r>
-              <a:rPr lang="en-US" dirty="0" smtClean="0"/>
+              <a:rPr lang="en-US" dirty="0"/>
               <a:t>(10,10,10);</a:t>
             </a:r>
           </a:p>
@@ -4898,7 +4876,7 @@
           <a:lstStyle/>
           <a:p>
             <a:r>
-              <a:rPr lang="en-US" dirty="0" err="1" smtClean="0"/>
+              <a:rPr lang="en-US" dirty="0" err="1"/>
               <a:t>THREE.BoxGeometry</a:t>
             </a:r>
             <a:endParaRPr lang="en-US" dirty="0"/>
@@ -4928,9 +4906,27 @@
             <a:tbl>
               <a:tblPr/>
               <a:tblGrid>
-                <a:gridCol w="1905000"/>
-                <a:gridCol w="1905000"/>
-                <a:gridCol w="4038600"/>
+                <a:gridCol w="1905000">
+                  <a:extLst>
+                    <a:ext uri="{9D8B030D-6E8A-4147-A177-3AD203B41FA5}">
+                      <a16:colId xmlns:a16="http://schemas.microsoft.com/office/drawing/2014/main" val="20000"/>
+                    </a:ext>
+                  </a:extLst>
+                </a:gridCol>
+                <a:gridCol w="1905000">
+                  <a:extLst>
+                    <a:ext uri="{9D8B030D-6E8A-4147-A177-3AD203B41FA5}">
+                      <a16:colId xmlns:a16="http://schemas.microsoft.com/office/drawing/2014/main" val="20001"/>
+                    </a:ext>
+                  </a:extLst>
+                </a:gridCol>
+                <a:gridCol w="4038600">
+                  <a:extLst>
+                    <a:ext uri="{9D8B030D-6E8A-4147-A177-3AD203B41FA5}">
+                      <a16:colId xmlns:a16="http://schemas.microsoft.com/office/drawing/2014/main" val="20002"/>
+                    </a:ext>
+                  </a:extLst>
+                </a:gridCol>
               </a:tblGrid>
               <a:tr h="0">
                 <a:tc>
@@ -5113,6 +5109,11 @@
                     </a:lnB>
                   </a:tcPr>
                 </a:tc>
+                <a:extLst>
+                  <a:ext uri="{0D108BD9-81ED-4DB2-BD59-A6C34878D82A}">
+                    <a16:rowId xmlns:a16="http://schemas.microsoft.com/office/drawing/2014/main" val="10000"/>
+                  </a:ext>
+                </a:extLst>
               </a:tr>
               <a:tr h="0">
                 <a:tc>
@@ -5334,6 +5335,11 @@
                     </a:lnB>
                   </a:tcPr>
                 </a:tc>
+                <a:extLst>
+                  <a:ext uri="{0D108BD9-81ED-4DB2-BD59-A6C34878D82A}">
+                    <a16:rowId xmlns:a16="http://schemas.microsoft.com/office/drawing/2014/main" val="10001"/>
+                  </a:ext>
+                </a:extLst>
               </a:tr>
               <a:tr h="0">
                 <a:tc>
@@ -5555,6 +5561,11 @@
                     </a:lnB>
                   </a:tcPr>
                 </a:tc>
+                <a:extLst>
+                  <a:ext uri="{0D108BD9-81ED-4DB2-BD59-A6C34878D82A}">
+                    <a16:rowId xmlns:a16="http://schemas.microsoft.com/office/drawing/2014/main" val="10002"/>
+                  </a:ext>
+                </a:extLst>
               </a:tr>
               <a:tr h="0">
                 <a:tc>
@@ -5776,6 +5787,11 @@
                     </a:lnB>
                   </a:tcPr>
                 </a:tc>
+                <a:extLst>
+                  <a:ext uri="{0D108BD9-81ED-4DB2-BD59-A6C34878D82A}">
+                    <a16:rowId xmlns:a16="http://schemas.microsoft.com/office/drawing/2014/main" val="10003"/>
+                  </a:ext>
+                </a:extLst>
               </a:tr>
               <a:tr h="0">
                 <a:tc>
@@ -5997,6 +6013,11 @@
                     </a:lnB>
                   </a:tcPr>
                 </a:tc>
+                <a:extLst>
+                  <a:ext uri="{0D108BD9-81ED-4DB2-BD59-A6C34878D82A}">
+                    <a16:rowId xmlns:a16="http://schemas.microsoft.com/office/drawing/2014/main" val="10004"/>
+                  </a:ext>
+                </a:extLst>
               </a:tr>
               <a:tr h="0">
                 <a:tc>
@@ -6218,6 +6239,11 @@
                     </a:lnB>
                   </a:tcPr>
                 </a:tc>
+                <a:extLst>
+                  <a:ext uri="{0D108BD9-81ED-4DB2-BD59-A6C34878D82A}">
+                    <a16:rowId xmlns:a16="http://schemas.microsoft.com/office/drawing/2014/main" val="10005"/>
+                  </a:ext>
+                </a:extLst>
               </a:tr>
               <a:tr h="0">
                 <a:tc>
@@ -6439,6 +6465,11 @@
                     </a:lnB>
                   </a:tcPr>
                 </a:tc>
+                <a:extLst>
+                  <a:ext uri="{0D108BD9-81ED-4DB2-BD59-A6C34878D82A}">
+                    <a16:rowId xmlns:a16="http://schemas.microsoft.com/office/drawing/2014/main" val="10006"/>
+                  </a:ext>
+                </a:extLst>
               </a:tr>
             </a:tbl>
           </a:graphicData>
@@ -6519,22 +6550,8 @@
               <a:buNone/>
               <a:tabLst/>
             </a:pPr>
-            <a:r>
-              <a:rPr kumimoji="0" lang="en-US" sz="1800" b="0" i="0" u="none" strike="noStrike" cap="none" normalizeH="0" baseline="0" smtClean="0">
-                <a:ln>
-                  <a:noFill/>
-                </a:ln>
-                <a:solidFill>
-                  <a:schemeClr val="tx1"/>
-                </a:solidFill>
-                <a:effectLst/>
-                <a:latin typeface="Arial" pitchFamily="34" charset="0"/>
-                <a:cs typeface="Arial" pitchFamily="34" charset="0"/>
-              </a:rPr>
-              <a:t/>
-            </a:r>
             <a:br>
-              <a:rPr kumimoji="0" lang="en-US" sz="1800" b="0" i="0" u="none" strike="noStrike" cap="none" normalizeH="0" baseline="0" smtClean="0">
+              <a:rPr kumimoji="0" lang="en-US" sz="1800" b="0" i="0" u="none" strike="noStrike" cap="none" normalizeH="0" baseline="0">
                 <a:ln>
                   <a:noFill/>
                 </a:ln>
@@ -6546,7 +6563,7 @@
                 <a:cs typeface="Arial" pitchFamily="34" charset="0"/>
               </a:rPr>
             </a:br>
-            <a:endParaRPr kumimoji="0" lang="en-US" sz="1800" b="0" i="0" u="none" strike="noStrike" cap="none" normalizeH="0" baseline="0" smtClean="0">
+            <a:endParaRPr kumimoji="0" lang="en-US" sz="1800" b="0" i="0" u="none" strike="noStrike" cap="none" normalizeH="0" baseline="0">
               <a:ln>
                 <a:noFill/>
               </a:ln>
@@ -6573,7 +6590,7 @@
 </p:sld>
 </file>
 
-<file path=ppt/slides/slide12.xml><?xml version="1.0" encoding="utf-8"?>
+<file path=ppt/slides/slide13.xml><?xml version="1.0" encoding="utf-8"?>
 <p:sld xmlns:a="http://schemas.openxmlformats.org/drawingml/2006/main" xmlns:r="http://schemas.openxmlformats.org/officeDocument/2006/relationships" xmlns:p="http://schemas.openxmlformats.org/presentationml/2006/main">
   <p:cSld>
     <p:spTree>
@@ -6637,18 +6654,17 @@
           <a:lstStyle/>
           <a:p>
             <a:r>
-              <a:rPr lang="en-US" dirty="0" smtClean="0"/>
+              <a:rPr lang="en-US" dirty="0"/>
               <a:t>new </a:t>
             </a:r>
             <a:r>
-              <a:rPr lang="en-US" dirty="0" err="1" smtClean="0"/>
+              <a:rPr lang="en-US" dirty="0" err="1"/>
               <a:t>THREE.BoxGeometry</a:t>
             </a:r>
             <a:r>
-              <a:rPr lang="en-US" dirty="0" smtClean="0"/>
+              <a:rPr lang="en-US" dirty="0"/>
               <a:t>(15,15,15);</a:t>
             </a:r>
-            <a:endParaRPr lang="en-US" dirty="0"/>
           </a:p>
         </p:txBody>
       </p:sp>
@@ -6665,7 +6681,7 @@
 </p:sld>
 </file>
 
-<file path=ppt/slides/slide13.xml><?xml version="1.0" encoding="utf-8"?>
+<file path=ppt/slides/slide14.xml><?xml version="1.0" encoding="utf-8"?>
 <p:sld xmlns:a="http://schemas.openxmlformats.org/drawingml/2006/main" xmlns:r="http://schemas.openxmlformats.org/officeDocument/2006/relationships" xmlns:p="http://schemas.openxmlformats.org/presentationml/2006/main">
   <p:cSld>
     <p:spTree>
@@ -6703,15 +6719,15 @@
           <a:lstStyle/>
           <a:p>
             <a:r>
-              <a:rPr lang="en-US" dirty="0" smtClean="0"/>
+              <a:rPr lang="en-US" dirty="0"/>
               <a:t>With </a:t>
             </a:r>
             <a:r>
-              <a:rPr lang="en-US" dirty="0" err="1" smtClean="0"/>
+              <a:rPr lang="en-US" dirty="0" err="1"/>
               <a:t>SphereGeometry</a:t>
             </a:r>
             <a:r>
-              <a:rPr lang="en-US" dirty="0" smtClean="0"/>
+              <a:rPr lang="en-US" dirty="0"/>
               <a:t>, you can create a three-dimensional sphere.</a:t>
             </a:r>
           </a:p>
@@ -6741,7 +6757,7 @@
           <a:lstStyle/>
           <a:p>
             <a:r>
-              <a:rPr lang="en-US" dirty="0" err="1" smtClean="0"/>
+              <a:rPr lang="en-US" dirty="0" err="1"/>
               <a:t>THREE.SphereGeometry</a:t>
             </a:r>
             <a:endParaRPr lang="en-US" dirty="0"/>
@@ -6757,32 +6773,50 @@
           <p:nvPr>
             <p:extLst>
               <p:ext uri="{D42A27DB-BD31-4B8C-83A1-F6EECF244321}">
-                <p14:modId xmlns:p14="http://schemas.microsoft.com/office/powerpoint/2010/main" val="1205134540"/>
+                <p14:modId xmlns:p14="http://schemas.microsoft.com/office/powerpoint/2010/main" val="2105627090"/>
               </p:ext>
             </p:extLst>
           </p:nvPr>
         </p:nvGraphicFramePr>
         <p:xfrm>
-          <a:off x="685800" y="1849102"/>
-          <a:ext cx="8153400" cy="5212560"/>
+          <a:off x="762001" y="1676400"/>
+          <a:ext cx="7467598" cy="4926787"/>
         </p:xfrm>
         <a:graphic>
           <a:graphicData uri="http://schemas.openxmlformats.org/drawingml/2006/table">
             <a:tbl>
               <a:tblPr/>
               <a:tblGrid>
-                <a:gridCol w="1218154"/>
-                <a:gridCol w="928276"/>
-                <a:gridCol w="6006970"/>
+                <a:gridCol w="1115692">
+                  <a:extLst>
+                    <a:ext uri="{9D8B030D-6E8A-4147-A177-3AD203B41FA5}">
+                      <a16:colId xmlns:a16="http://schemas.microsoft.com/office/drawing/2014/main" val="20000"/>
+                    </a:ext>
+                  </a:extLst>
+                </a:gridCol>
+                <a:gridCol w="1017907">
+                  <a:extLst>
+                    <a:ext uri="{9D8B030D-6E8A-4147-A177-3AD203B41FA5}">
+                      <a16:colId xmlns:a16="http://schemas.microsoft.com/office/drawing/2014/main" val="20001"/>
+                    </a:ext>
+                  </a:extLst>
+                </a:gridCol>
+                <a:gridCol w="5333999">
+                  <a:extLst>
+                    <a:ext uri="{9D8B030D-6E8A-4147-A177-3AD203B41FA5}">
+                      <a16:colId xmlns:a16="http://schemas.microsoft.com/office/drawing/2014/main" val="20002"/>
+                    </a:ext>
+                  </a:extLst>
+                </a:gridCol>
               </a:tblGrid>
-              <a:tr h="224007">
+              <a:tr h="417072">
                 <a:tc>
                   <a:txBody>
                     <a:bodyPr/>
                     <a:lstStyle/>
                     <a:p>
                       <a:r>
-                        <a:rPr lang="en-US" sz="1200" b="1" i="0" dirty="0">
+                        <a:rPr lang="en-US" sz="1100" b="1" i="0" dirty="0">
                           <a:solidFill>
                             <a:srgbClr val="000000"/>
                           </a:solidFill>
@@ -6791,13 +6825,13 @@
                         </a:rPr>
                         <a:t>Property </a:t>
                       </a:r>
-                      <a:endParaRPr lang="en-US" sz="1200" dirty="0">
+                      <a:endParaRPr lang="en-US" sz="1100" dirty="0">
                         <a:effectLst/>
                         <a:latin typeface="+mj-lt"/>
                       </a:endParaRPr>
                     </a:p>
                   </a:txBody>
-                  <a:tcPr marL="76280" marR="76280" marT="38140" marB="38140" anchor="ctr">
+                  <a:tcPr marL="69864" marR="69864" marT="34932" marB="34932" anchor="ctr">
                     <a:lnL w="6350" cap="flat" cmpd="sng" algn="ctr">
                       <a:solidFill>
                         <a:srgbClr val="000000"/>
@@ -6842,7 +6876,7 @@
                     <a:lstStyle/>
                     <a:p>
                       <a:r>
-                        <a:rPr lang="en-US" sz="1200" b="1" i="0">
+                        <a:rPr lang="en-US" sz="1100" b="1" i="0">
                           <a:solidFill>
                             <a:srgbClr val="000000"/>
                           </a:solidFill>
@@ -6851,13 +6885,13 @@
                         </a:rPr>
                         <a:t>Mandatory </a:t>
                       </a:r>
-                      <a:endParaRPr lang="en-US" sz="1200">
+                      <a:endParaRPr lang="en-US" sz="1100">
                         <a:effectLst/>
                         <a:latin typeface="+mj-lt"/>
                       </a:endParaRPr>
                     </a:p>
                   </a:txBody>
-                  <a:tcPr marL="76280" marR="76280" marT="38140" marB="38140" anchor="ctr">
+                  <a:tcPr marL="69864" marR="69864" marT="34932" marB="34932" anchor="ctr">
                     <a:lnL w="6350" cap="flat" cmpd="sng" algn="ctr">
                       <a:solidFill>
                         <a:srgbClr val="000000"/>
@@ -6902,7 +6936,7 @@
                     <a:lstStyle/>
                     <a:p>
                       <a:r>
-                        <a:rPr lang="en-US" sz="1200" b="1" i="0" dirty="0" smtClean="0">
+                        <a:rPr lang="en-US" sz="1100" b="1" i="0" dirty="0">
                           <a:solidFill>
                             <a:srgbClr val="000000"/>
                           </a:solidFill>
@@ -6913,7 +6947,7 @@
                       </a:r>
                     </a:p>
                   </a:txBody>
-                  <a:tcPr marL="76280" marR="76280" marT="38140" marB="38140" anchor="ctr">
+                  <a:tcPr marL="69864" marR="69864" marT="34932" marB="34932" anchor="ctr">
                     <a:lnL w="6350" cap="flat" cmpd="sng" algn="ctr">
                       <a:solidFill>
                         <a:srgbClr val="000000"/>
@@ -6952,15 +6986,20 @@
                     </a:lnB>
                   </a:tcPr>
                 </a:tc>
+                <a:extLst>
+                  <a:ext uri="{0D108BD9-81ED-4DB2-BD59-A6C34878D82A}">
+                    <a16:rowId xmlns:a16="http://schemas.microsoft.com/office/drawing/2014/main" val="10000"/>
+                  </a:ext>
+                </a:extLst>
               </a:tr>
-              <a:tr h="224007">
+              <a:tr h="517760">
                 <a:tc>
                   <a:txBody>
                     <a:bodyPr/>
                     <a:lstStyle/>
                     <a:p>
                       <a:r>
-                        <a:rPr lang="en-US" sz="1000" b="0" i="0" dirty="0">
+                        <a:rPr lang="en-US" sz="900" b="0" i="0" dirty="0">
                           <a:solidFill>
                             <a:srgbClr val="000000"/>
                           </a:solidFill>
@@ -6969,12 +7008,12 @@
                         </a:rPr>
                         <a:t>radius </a:t>
                       </a:r>
-                      <a:endParaRPr lang="en-US" dirty="0">
+                      <a:endParaRPr lang="en-US" sz="1600" dirty="0">
                         <a:effectLst/>
                       </a:endParaRPr>
                     </a:p>
                   </a:txBody>
-                  <a:tcPr anchor="ctr">
+                  <a:tcPr marL="83748" marR="83748" marT="41875" marB="41875" anchor="ctr">
                     <a:lnL w="6350" cap="flat" cmpd="sng" algn="ctr">
                       <a:solidFill>
                         <a:srgbClr val="000000"/>
@@ -7019,7 +7058,7 @@
                     <a:lstStyle/>
                     <a:p>
                       <a:r>
-                        <a:rPr lang="en-US" sz="1000" b="0" i="0">
+                        <a:rPr lang="en-US" sz="900" b="0" i="0">
                           <a:solidFill>
                             <a:srgbClr val="000000"/>
                           </a:solidFill>
@@ -7028,12 +7067,12 @@
                         </a:rPr>
                         <a:t>No </a:t>
                       </a:r>
-                      <a:endParaRPr lang="en-US">
+                      <a:endParaRPr lang="en-US" sz="1600">
                         <a:effectLst/>
                       </a:endParaRPr>
                     </a:p>
                   </a:txBody>
-                  <a:tcPr anchor="ctr">
+                  <a:tcPr marL="83748" marR="83748" marT="41875" marB="41875" anchor="ctr">
                     <a:lnL w="6350" cap="flat" cmpd="sng" algn="ctr">
                       <a:solidFill>
                         <a:srgbClr val="000000"/>
@@ -7078,7 +7117,7 @@
                     <a:lstStyle/>
                     <a:p>
                       <a:r>
-                        <a:rPr lang="en-US" sz="1000" b="0" i="0" dirty="0">
+                        <a:rPr lang="en-US" sz="900" b="0" i="0" dirty="0">
                           <a:solidFill>
                             <a:srgbClr val="000000"/>
                           </a:solidFill>
@@ -7088,7 +7127,7 @@
                         <a:t>This is used to set the radius for the sphere. This</a:t>
                       </a:r>
                       <a:br>
-                        <a:rPr lang="en-US" sz="1000" b="0" i="0" dirty="0">
+                        <a:rPr lang="en-US" sz="900" b="0" i="0" dirty="0">
                           <a:solidFill>
                             <a:srgbClr val="000000"/>
                           </a:solidFill>
@@ -7097,7 +7136,7 @@
                         </a:rPr>
                       </a:br>
                       <a:r>
-                        <a:rPr lang="en-US" sz="1000" b="0" i="0" dirty="0">
+                        <a:rPr lang="en-US" sz="900" b="0" i="0" dirty="0">
                           <a:solidFill>
                             <a:srgbClr val="000000"/>
                           </a:solidFill>
@@ -7107,7 +7146,7 @@
                         <a:t>defines how large the resulting mesh will be. The</a:t>
                       </a:r>
                       <a:br>
-                        <a:rPr lang="en-US" sz="1000" b="0" i="0" dirty="0">
+                        <a:rPr lang="en-US" sz="900" b="0" i="0" dirty="0">
                           <a:solidFill>
                             <a:srgbClr val="000000"/>
                           </a:solidFill>
@@ -7116,7 +7155,7 @@
                         </a:rPr>
                       </a:br>
                       <a:r>
-                        <a:rPr lang="en-US" sz="1000" b="0" i="0" dirty="0">
+                        <a:rPr lang="en-US" sz="900" b="0" i="0" dirty="0">
                           <a:solidFill>
                             <a:srgbClr val="000000"/>
                           </a:solidFill>
@@ -7126,7 +7165,7 @@
                         <a:t>default value is </a:t>
                       </a:r>
                       <a:r>
-                        <a:rPr lang="en-US" sz="1000" b="0" i="0" dirty="0">
+                        <a:rPr lang="en-US" sz="900" b="0" i="0" dirty="0">
                           <a:solidFill>
                             <a:srgbClr val="000000"/>
                           </a:solidFill>
@@ -7136,7 +7175,7 @@
                         <a:t>50</a:t>
                       </a:r>
                       <a:r>
-                        <a:rPr lang="en-US" sz="1000" b="0" i="0" dirty="0">
+                        <a:rPr lang="en-US" sz="900" b="0" i="0" dirty="0">
                           <a:solidFill>
                             <a:srgbClr val="000000"/>
                           </a:solidFill>
@@ -7145,12 +7184,12 @@
                         </a:rPr>
                         <a:t>.</a:t>
                       </a:r>
-                      <a:endParaRPr lang="en-US" dirty="0">
+                      <a:endParaRPr lang="en-US" sz="1600" dirty="0">
                         <a:effectLst/>
                       </a:endParaRPr>
                     </a:p>
                   </a:txBody>
-                  <a:tcPr anchor="ctr">
+                  <a:tcPr marL="83748" marR="83748" marT="41875" marB="41875" anchor="ctr">
                     <a:lnL w="6350" cap="flat" cmpd="sng" algn="ctr">
                       <a:solidFill>
                         <a:srgbClr val="000000"/>
@@ -7189,15 +7228,20 @@
                     </a:lnB>
                   </a:tcPr>
                 </a:tc>
+                <a:extLst>
+                  <a:ext uri="{0D108BD9-81ED-4DB2-BD59-A6C34878D82A}">
+                    <a16:rowId xmlns:a16="http://schemas.microsoft.com/office/drawing/2014/main" val="10001"/>
+                  </a:ext>
+                </a:extLst>
               </a:tr>
-              <a:tr h="224007">
+              <a:tr h="517760">
                 <a:tc>
                   <a:txBody>
                     <a:bodyPr/>
                     <a:lstStyle/>
                     <a:p>
                       <a:r>
-                        <a:rPr lang="en-US" sz="1000" b="0" i="0" dirty="0" err="1">
+                        <a:rPr lang="en-US" sz="900" b="0" i="0" dirty="0" err="1">
                           <a:solidFill>
                             <a:srgbClr val="000000"/>
                           </a:solidFill>
@@ -7207,7 +7251,7 @@
                         <a:t>widthSegments</a:t>
                       </a:r>
                       <a:r>
-                        <a:rPr lang="en-US" sz="1000" b="0" i="0" dirty="0">
+                        <a:rPr lang="en-US" sz="900" b="0" i="0" dirty="0">
                           <a:solidFill>
                             <a:srgbClr val="000000"/>
                           </a:solidFill>
@@ -7216,12 +7260,12 @@
                         </a:rPr>
                         <a:t> </a:t>
                       </a:r>
-                      <a:endParaRPr lang="en-US" dirty="0">
+                      <a:endParaRPr lang="en-US" sz="1600" dirty="0">
                         <a:effectLst/>
                       </a:endParaRPr>
                     </a:p>
                   </a:txBody>
-                  <a:tcPr anchor="ctr">
+                  <a:tcPr marL="83748" marR="83748" marT="41875" marB="41875" anchor="ctr">
                     <a:lnL w="6350" cap="flat" cmpd="sng" algn="ctr">
                       <a:solidFill>
                         <a:srgbClr val="000000"/>
@@ -7266,7 +7310,7 @@
                     <a:lstStyle/>
                     <a:p>
                       <a:r>
-                        <a:rPr lang="en-US" sz="1000" b="0" i="0">
+                        <a:rPr lang="en-US" sz="900" b="0" i="0">
                           <a:solidFill>
                             <a:srgbClr val="000000"/>
                           </a:solidFill>
@@ -7275,12 +7319,12 @@
                         </a:rPr>
                         <a:t>No </a:t>
                       </a:r>
-                      <a:endParaRPr lang="en-US">
+                      <a:endParaRPr lang="en-US" sz="1600">
                         <a:effectLst/>
                       </a:endParaRPr>
                     </a:p>
                   </a:txBody>
-                  <a:tcPr anchor="ctr">
+                  <a:tcPr marL="83748" marR="83748" marT="41875" marB="41875" anchor="ctr">
                     <a:lnL w="6350" cap="flat" cmpd="sng" algn="ctr">
                       <a:solidFill>
                         <a:srgbClr val="000000"/>
@@ -7325,7 +7369,7 @@
                     <a:lstStyle/>
                     <a:p>
                       <a:r>
-                        <a:rPr lang="en-US" sz="1000" b="0" i="0" dirty="0">
+                        <a:rPr lang="en-US" sz="900" b="0" i="0" dirty="0">
                           <a:solidFill>
                             <a:srgbClr val="000000"/>
                           </a:solidFill>
@@ -7335,7 +7379,7 @@
                         <a:t>This is the number of segments to be used vertically.</a:t>
                       </a:r>
                       <a:br>
-                        <a:rPr lang="en-US" sz="1000" b="0" i="0" dirty="0">
+                        <a:rPr lang="en-US" sz="900" b="0" i="0" dirty="0">
                           <a:solidFill>
                             <a:srgbClr val="000000"/>
                           </a:solidFill>
@@ -7344,7 +7388,7 @@
                         </a:rPr>
                       </a:br>
                       <a:r>
-                        <a:rPr lang="en-US" sz="1000" b="0" i="0" dirty="0">
+                        <a:rPr lang="en-US" sz="900" b="0" i="0" dirty="0">
                           <a:solidFill>
                             <a:srgbClr val="000000"/>
                           </a:solidFill>
@@ -7354,7 +7398,7 @@
                         <a:t>More segments means a smoother surface. The</a:t>
                       </a:r>
                       <a:br>
-                        <a:rPr lang="en-US" sz="1000" b="0" i="0" dirty="0">
+                        <a:rPr lang="en-US" sz="900" b="0" i="0" dirty="0">
                           <a:solidFill>
                             <a:srgbClr val="000000"/>
                           </a:solidFill>
@@ -7363,7 +7407,7 @@
                         </a:rPr>
                       </a:br>
                       <a:r>
-                        <a:rPr lang="en-US" sz="1000" b="0" i="0" dirty="0">
+                        <a:rPr lang="en-US" sz="900" b="0" i="0" dirty="0">
                           <a:solidFill>
                             <a:srgbClr val="000000"/>
                           </a:solidFill>
@@ -7373,7 +7417,7 @@
                         <a:t>default value is </a:t>
                       </a:r>
                       <a:r>
-                        <a:rPr lang="en-US" sz="1000" b="0" i="0" dirty="0">
+                        <a:rPr lang="en-US" sz="900" b="0" i="0" dirty="0">
                           <a:solidFill>
                             <a:srgbClr val="000000"/>
                           </a:solidFill>
@@ -7383,7 +7427,7 @@
                         <a:t>8 </a:t>
                       </a:r>
                       <a:r>
-                        <a:rPr lang="en-US" sz="1000" b="0" i="0" dirty="0">
+                        <a:rPr lang="en-US" sz="900" b="0" i="0" dirty="0">
                           <a:solidFill>
                             <a:srgbClr val="000000"/>
                           </a:solidFill>
@@ -7393,7 +7437,7 @@
                         <a:t>and the minimum value is </a:t>
                       </a:r>
                       <a:r>
-                        <a:rPr lang="en-US" sz="1000" b="0" i="0" dirty="0">
+                        <a:rPr lang="en-US" sz="900" b="0" i="0" dirty="0">
                           <a:solidFill>
                             <a:srgbClr val="000000"/>
                           </a:solidFill>
@@ -7403,7 +7447,7 @@
                         <a:t>3</a:t>
                       </a:r>
                       <a:r>
-                        <a:rPr lang="en-US" sz="1000" b="0" i="0" dirty="0">
+                        <a:rPr lang="en-US" sz="900" b="0" i="0" dirty="0">
                           <a:solidFill>
                             <a:srgbClr val="000000"/>
                           </a:solidFill>
@@ -7412,12 +7456,12 @@
                         </a:rPr>
                         <a:t>.</a:t>
                       </a:r>
-                      <a:endParaRPr lang="en-US" dirty="0">
+                      <a:endParaRPr lang="en-US" sz="1600" dirty="0">
                         <a:effectLst/>
                       </a:endParaRPr>
                     </a:p>
                   </a:txBody>
-                  <a:tcPr anchor="ctr">
+                  <a:tcPr marL="83748" marR="83748" marT="41875" marB="41875" anchor="ctr">
                     <a:lnL w="6350" cap="flat" cmpd="sng" algn="ctr">
                       <a:solidFill>
                         <a:srgbClr val="000000"/>
@@ -7456,15 +7500,20 @@
                     </a:lnB>
                   </a:tcPr>
                 </a:tc>
+                <a:extLst>
+                  <a:ext uri="{0D108BD9-81ED-4DB2-BD59-A6C34878D82A}">
+                    <a16:rowId xmlns:a16="http://schemas.microsoft.com/office/drawing/2014/main" val="10002"/>
+                  </a:ext>
+                </a:extLst>
               </a:tr>
-              <a:tr h="698228">
+              <a:tr h="764281">
                 <a:tc>
                   <a:txBody>
                     <a:bodyPr/>
                     <a:lstStyle/>
                     <a:p>
                       <a:r>
-                        <a:rPr lang="en-US" sz="1200" b="0" i="0" dirty="0" err="1">
+                        <a:rPr lang="en-US" sz="1100" b="0" i="0" dirty="0" err="1">
                           <a:solidFill>
                             <a:srgbClr val="000000"/>
                           </a:solidFill>
@@ -7474,7 +7523,7 @@
                         <a:t>heightSegments</a:t>
                       </a:r>
                       <a:r>
-                        <a:rPr lang="en-US" sz="1200" b="0" i="0" dirty="0">
+                        <a:rPr lang="en-US" sz="1100" b="0" i="0" dirty="0">
                           <a:solidFill>
                             <a:srgbClr val="000000"/>
                           </a:solidFill>
@@ -7483,13 +7532,13 @@
                         </a:rPr>
                         <a:t> </a:t>
                       </a:r>
-                      <a:endParaRPr lang="en-US" sz="1200" dirty="0">
+                      <a:endParaRPr lang="en-US" sz="1100" dirty="0">
                         <a:effectLst/>
                         <a:latin typeface="+mj-lt"/>
                       </a:endParaRPr>
                     </a:p>
                   </a:txBody>
-                  <a:tcPr marL="76280" marR="76280" marT="38140" marB="38140" anchor="ctr">
+                  <a:tcPr marL="69864" marR="69864" marT="34932" marB="34932" anchor="ctr">
                     <a:lnL w="6350" cap="flat" cmpd="sng" algn="ctr">
                       <a:solidFill>
                         <a:srgbClr val="000000"/>
@@ -7534,7 +7583,7 @@
                     <a:lstStyle/>
                     <a:p>
                       <a:r>
-                        <a:rPr lang="en-US" sz="1200" b="0" i="0">
+                        <a:rPr lang="en-US" sz="1100" b="0" i="0">
                           <a:solidFill>
                             <a:srgbClr val="000000"/>
                           </a:solidFill>
@@ -7543,13 +7592,13 @@
                         </a:rPr>
                         <a:t>No </a:t>
                       </a:r>
-                      <a:endParaRPr lang="en-US" sz="1200">
+                      <a:endParaRPr lang="en-US" sz="1100">
                         <a:effectLst/>
                         <a:latin typeface="+mj-lt"/>
                       </a:endParaRPr>
                     </a:p>
                   </a:txBody>
-                  <a:tcPr marL="76280" marR="76280" marT="38140" marB="38140" anchor="ctr">
+                  <a:tcPr marL="69864" marR="69864" marT="34932" marB="34932" anchor="ctr">
                     <a:lnL w="6350" cap="flat" cmpd="sng" algn="ctr">
                       <a:solidFill>
                         <a:srgbClr val="000000"/>
@@ -7594,7 +7643,7 @@
                     <a:lstStyle/>
                     <a:p>
                       <a:r>
-                        <a:rPr lang="en-US" sz="1200" b="0" i="0" dirty="0">
+                        <a:rPr lang="en-US" sz="1100" b="0" i="0" dirty="0">
                           <a:solidFill>
                             <a:srgbClr val="000000"/>
                           </a:solidFill>
@@ -7604,7 +7653,7 @@
                         <a:t>This is the number of segments to be used</a:t>
                       </a:r>
                       <a:br>
-                        <a:rPr lang="en-US" sz="1200" b="0" i="0" dirty="0">
+                        <a:rPr lang="en-US" sz="1100" b="0" i="0" dirty="0">
                           <a:solidFill>
                             <a:srgbClr val="000000"/>
                           </a:solidFill>
@@ -7613,7 +7662,7 @@
                         </a:rPr>
                       </a:br>
                       <a:r>
-                        <a:rPr lang="en-US" sz="1200" b="0" i="0" dirty="0">
+                        <a:rPr lang="en-US" sz="1100" b="0" i="0" dirty="0">
                           <a:solidFill>
                             <a:srgbClr val="000000"/>
                           </a:solidFill>
@@ -7623,7 +7672,7 @@
                         <a:t>horizontally. The more the segments, the smoother</a:t>
                       </a:r>
                       <a:br>
-                        <a:rPr lang="en-US" sz="1200" b="0" i="0" dirty="0">
+                        <a:rPr lang="en-US" sz="1100" b="0" i="0" dirty="0">
                           <a:solidFill>
                             <a:srgbClr val="000000"/>
                           </a:solidFill>
@@ -7632,7 +7681,7 @@
                         </a:rPr>
                       </a:br>
                       <a:r>
-                        <a:rPr lang="en-US" sz="1200" b="0" i="0" dirty="0">
+                        <a:rPr lang="en-US" sz="1100" b="0" i="0" dirty="0">
                           <a:solidFill>
                             <a:srgbClr val="000000"/>
                           </a:solidFill>
@@ -7642,7 +7691,7 @@
                         <a:t>the surface of the sphere. The default value is 6 and</a:t>
                       </a:r>
                       <a:br>
-                        <a:rPr lang="en-US" sz="1200" b="0" i="0" dirty="0">
+                        <a:rPr lang="en-US" sz="1100" b="0" i="0" dirty="0">
                           <a:solidFill>
                             <a:srgbClr val="000000"/>
                           </a:solidFill>
@@ -7651,7 +7700,7 @@
                         </a:rPr>
                       </a:br>
                       <a:r>
-                        <a:rPr lang="en-US" sz="1200" b="0" i="0" dirty="0">
+                        <a:rPr lang="en-US" sz="1100" b="0" i="0" dirty="0">
                           <a:solidFill>
                             <a:srgbClr val="000000"/>
                           </a:solidFill>
@@ -7660,13 +7709,13 @@
                         </a:rPr>
                         <a:t>the minimum value is 2.</a:t>
                       </a:r>
-                      <a:endParaRPr lang="en-US" sz="1200" dirty="0">
+                      <a:endParaRPr lang="en-US" sz="1100" dirty="0">
                         <a:effectLst/>
                         <a:latin typeface="+mj-lt"/>
                       </a:endParaRPr>
                     </a:p>
                   </a:txBody>
-                  <a:tcPr marL="76280" marR="76280" marT="38140" marB="38140" anchor="ctr">
+                  <a:tcPr marL="69864" marR="69864" marT="34932" marB="34932" anchor="ctr">
                     <a:lnL w="6350" cap="flat" cmpd="sng" algn="ctr">
                       <a:solidFill>
                         <a:srgbClr val="000000"/>
@@ -7705,15 +7754,20 @@
                     </a:lnB>
                   </a:tcPr>
                 </a:tc>
+                <a:extLst>
+                  <a:ext uri="{0D108BD9-81ED-4DB2-BD59-A6C34878D82A}">
+                    <a16:rowId xmlns:a16="http://schemas.microsoft.com/office/drawing/2014/main" val="10003"/>
+                  </a:ext>
+                </a:extLst>
               </a:tr>
-              <a:tr h="540154">
+              <a:tr h="590676">
                 <a:tc>
                   <a:txBody>
                     <a:bodyPr/>
                     <a:lstStyle/>
                     <a:p>
                       <a:r>
-                        <a:rPr lang="en-US" sz="1200" b="0" i="0">
+                        <a:rPr lang="en-US" sz="1100" b="0" i="0">
                           <a:solidFill>
                             <a:srgbClr val="000000"/>
                           </a:solidFill>
@@ -7722,13 +7776,13 @@
                         </a:rPr>
                         <a:t>phiStart </a:t>
                       </a:r>
-                      <a:endParaRPr lang="en-US" sz="1200">
+                      <a:endParaRPr lang="en-US" sz="1100">
                         <a:effectLst/>
                         <a:latin typeface="+mj-lt"/>
                       </a:endParaRPr>
                     </a:p>
                   </a:txBody>
-                  <a:tcPr marL="76280" marR="76280" marT="38140" marB="38140" anchor="ctr">
+                  <a:tcPr marL="69864" marR="69864" marT="34932" marB="34932" anchor="ctr">
                     <a:lnL w="6350" cap="flat" cmpd="sng" algn="ctr">
                       <a:solidFill>
                         <a:srgbClr val="000000"/>
@@ -7773,7 +7827,7 @@
                     <a:lstStyle/>
                     <a:p>
                       <a:r>
-                        <a:rPr lang="en-US" sz="1200" b="0" i="0">
+                        <a:rPr lang="en-US" sz="1100" b="0" i="0">
                           <a:solidFill>
                             <a:srgbClr val="000000"/>
                           </a:solidFill>
@@ -7782,13 +7836,13 @@
                         </a:rPr>
                         <a:t>No </a:t>
                       </a:r>
-                      <a:endParaRPr lang="en-US" sz="1200">
+                      <a:endParaRPr lang="en-US" sz="1100">
                         <a:effectLst/>
                         <a:latin typeface="+mj-lt"/>
                       </a:endParaRPr>
                     </a:p>
                   </a:txBody>
-                  <a:tcPr marL="76280" marR="76280" marT="38140" marB="38140" anchor="ctr">
+                  <a:tcPr marL="69864" marR="69864" marT="34932" marB="34932" anchor="ctr">
                     <a:lnL w="6350" cap="flat" cmpd="sng" algn="ctr">
                       <a:solidFill>
                         <a:srgbClr val="000000"/>
@@ -7833,7 +7887,7 @@
                     <a:lstStyle/>
                     <a:p>
                       <a:r>
-                        <a:rPr lang="en-US" sz="1200" b="0" i="0">
+                        <a:rPr lang="en-US" sz="1100" b="0" i="0">
                           <a:solidFill>
                             <a:srgbClr val="000000"/>
                           </a:solidFill>
@@ -7843,7 +7897,7 @@
                         <a:t>This determines where to start drawing the sphere</a:t>
                       </a:r>
                       <a:br>
-                        <a:rPr lang="en-US" sz="1200" b="0" i="0">
+                        <a:rPr lang="en-US" sz="1100" b="0" i="0">
                           <a:solidFill>
                             <a:srgbClr val="000000"/>
                           </a:solidFill>
@@ -7852,7 +7906,7 @@
                         </a:rPr>
                       </a:br>
                       <a:r>
-                        <a:rPr lang="en-US" sz="1200" b="0" i="0">
+                        <a:rPr lang="en-US" sz="1100" b="0" i="0">
                           <a:solidFill>
                             <a:srgbClr val="000000"/>
                           </a:solidFill>
@@ -7862,7 +7916,7 @@
                         <a:t>along its </a:t>
                       </a:r>
                       <a:r>
-                        <a:rPr lang="en-US" sz="1200" b="0" i="1">
+                        <a:rPr lang="en-US" sz="1100" b="0" i="1">
                           <a:solidFill>
                             <a:srgbClr val="000000"/>
                           </a:solidFill>
@@ -7872,7 +7926,7 @@
                         <a:t>x </a:t>
                       </a:r>
                       <a:r>
-                        <a:rPr lang="en-US" sz="1200" b="0" i="0">
+                        <a:rPr lang="en-US" sz="1100" b="0" i="0">
                           <a:solidFill>
                             <a:srgbClr val="000000"/>
                           </a:solidFill>
@@ -7882,7 +7936,7 @@
                         <a:t>axis. This can range from 0 to 2 * PI.</a:t>
                       </a:r>
                       <a:br>
-                        <a:rPr lang="en-US" sz="1200" b="0" i="0">
+                        <a:rPr lang="en-US" sz="1100" b="0" i="0">
                           <a:solidFill>
                             <a:srgbClr val="000000"/>
                           </a:solidFill>
@@ -7891,7 +7945,7 @@
                         </a:rPr>
                       </a:br>
                       <a:r>
-                        <a:rPr lang="en-US" sz="1200" b="0" i="0">
+                        <a:rPr lang="en-US" sz="1100" b="0" i="0">
                           <a:solidFill>
                             <a:srgbClr val="000000"/>
                           </a:solidFill>
@@ -7900,13 +7954,13 @@
                         </a:rPr>
                         <a:t>The default value is 0.</a:t>
                       </a:r>
-                      <a:endParaRPr lang="en-US" sz="1200">
+                      <a:endParaRPr lang="en-US" sz="1100">
                         <a:effectLst/>
                         <a:latin typeface="+mj-lt"/>
                       </a:endParaRPr>
                     </a:p>
                   </a:txBody>
-                  <a:tcPr marL="76280" marR="76280" marT="38140" marB="38140" anchor="ctr">
+                  <a:tcPr marL="69864" marR="69864" marT="34932" marB="34932" anchor="ctr">
                     <a:lnL w="6350" cap="flat" cmpd="sng" algn="ctr">
                       <a:solidFill>
                         <a:srgbClr val="000000"/>
@@ -7945,15 +7999,20 @@
                     </a:lnB>
                   </a:tcPr>
                 </a:tc>
+                <a:extLst>
+                  <a:ext uri="{0D108BD9-81ED-4DB2-BD59-A6C34878D82A}">
+                    <a16:rowId xmlns:a16="http://schemas.microsoft.com/office/drawing/2014/main" val="10004"/>
+                  </a:ext>
+                </a:extLst>
               </a:tr>
-              <a:tr h="698228">
+              <a:tr h="764281">
                 <a:tc>
                   <a:txBody>
                     <a:bodyPr/>
                     <a:lstStyle/>
                     <a:p>
                       <a:r>
-                        <a:rPr lang="en-US" sz="1200" b="0" i="0">
+                        <a:rPr lang="en-US" sz="1100" b="0" i="0">
                           <a:solidFill>
                             <a:srgbClr val="000000"/>
                           </a:solidFill>
@@ -7962,13 +8021,13 @@
                         </a:rPr>
                         <a:t>phiLength </a:t>
                       </a:r>
-                      <a:endParaRPr lang="en-US" sz="1200">
+                      <a:endParaRPr lang="en-US" sz="1100">
                         <a:effectLst/>
                         <a:latin typeface="+mj-lt"/>
                       </a:endParaRPr>
                     </a:p>
                   </a:txBody>
-                  <a:tcPr marL="76280" marR="76280" marT="38140" marB="38140" anchor="ctr">
+                  <a:tcPr marL="69864" marR="69864" marT="34932" marB="34932" anchor="ctr">
                     <a:lnL w="6350" cap="flat" cmpd="sng" algn="ctr">
                       <a:solidFill>
                         <a:srgbClr val="000000"/>
@@ -8013,7 +8072,7 @@
                     <a:lstStyle/>
                     <a:p>
                       <a:r>
-                        <a:rPr lang="en-US" sz="1200" b="0" i="0">
+                        <a:rPr lang="en-US" sz="1100" b="0" i="0">
                           <a:solidFill>
                             <a:srgbClr val="000000"/>
                           </a:solidFill>
@@ -8022,13 +8081,13 @@
                         </a:rPr>
                         <a:t>No </a:t>
                       </a:r>
-                      <a:endParaRPr lang="en-US" sz="1200">
+                      <a:endParaRPr lang="en-US" sz="1100">
                         <a:effectLst/>
                         <a:latin typeface="+mj-lt"/>
                       </a:endParaRPr>
                     </a:p>
                   </a:txBody>
-                  <a:tcPr marL="76280" marR="76280" marT="38140" marB="38140" anchor="ctr">
+                  <a:tcPr marL="69864" marR="69864" marT="34932" marB="34932" anchor="ctr">
                     <a:lnL w="6350" cap="flat" cmpd="sng" algn="ctr">
                       <a:solidFill>
                         <a:srgbClr val="000000"/>
@@ -8073,7 +8132,7 @@
                     <a:lstStyle/>
                     <a:p>
                       <a:r>
-                        <a:rPr lang="en-US" sz="1200" b="0" i="0">
+                        <a:rPr lang="en-US" sz="1100" b="0" i="0">
                           <a:solidFill>
                             <a:srgbClr val="000000"/>
                           </a:solidFill>
@@ -8083,7 +8142,7 @@
                         <a:t>This determines how far from phiStart the sphere</a:t>
                       </a:r>
                       <a:br>
-                        <a:rPr lang="en-US" sz="1200" b="0" i="0">
+                        <a:rPr lang="en-US" sz="1100" b="0" i="0">
                           <a:solidFill>
                             <a:srgbClr val="000000"/>
                           </a:solidFill>
@@ -8092,7 +8151,7 @@
                         </a:rPr>
                       </a:br>
                       <a:r>
-                        <a:rPr lang="en-US" sz="1200" b="0" i="0">
+                        <a:rPr lang="en-US" sz="1100" b="0" i="0">
                           <a:solidFill>
                             <a:srgbClr val="000000"/>
                           </a:solidFill>
@@ -8102,7 +8161,7 @@
                         <a:t>is be drawn. 2 * PI will draw a full sphere and</a:t>
                       </a:r>
                       <a:br>
-                        <a:rPr lang="en-US" sz="1200" b="0" i="0">
+                        <a:rPr lang="en-US" sz="1100" b="0" i="0">
                           <a:solidFill>
                             <a:srgbClr val="000000"/>
                           </a:solidFill>
@@ -8111,7 +8170,7 @@
                         </a:rPr>
                       </a:br>
                       <a:r>
-                        <a:rPr lang="en-US" sz="1200" b="0" i="0">
+                        <a:rPr lang="en-US" sz="1100" b="0" i="0">
                           <a:solidFill>
                             <a:srgbClr val="000000"/>
                           </a:solidFill>
@@ -8121,7 +8180,7 @@
                         <a:t>0.5 * PI will draw an open quarter sphere. The</a:t>
                       </a:r>
                       <a:br>
-                        <a:rPr lang="en-US" sz="1200" b="0" i="0">
+                        <a:rPr lang="en-US" sz="1100" b="0" i="0">
                           <a:solidFill>
                             <a:srgbClr val="000000"/>
                           </a:solidFill>
@@ -8130,7 +8189,7 @@
                         </a:rPr>
                       </a:br>
                       <a:r>
-                        <a:rPr lang="en-US" sz="1200" b="0" i="0">
+                        <a:rPr lang="en-US" sz="1100" b="0" i="0">
                           <a:solidFill>
                             <a:srgbClr val="000000"/>
                           </a:solidFill>
@@ -8139,13 +8198,13 @@
                         </a:rPr>
                         <a:t>default value is 2 * PI.</a:t>
                       </a:r>
-                      <a:endParaRPr lang="en-US" sz="1200">
+                      <a:endParaRPr lang="en-US" sz="1100">
                         <a:effectLst/>
                         <a:latin typeface="+mj-lt"/>
                       </a:endParaRPr>
                     </a:p>
                   </a:txBody>
-                  <a:tcPr marL="76280" marR="76280" marT="38140" marB="38140" anchor="ctr">
+                  <a:tcPr marL="69864" marR="69864" marT="34932" marB="34932" anchor="ctr">
                     <a:lnL w="6350" cap="flat" cmpd="sng" algn="ctr">
                       <a:solidFill>
                         <a:srgbClr val="000000"/>
@@ -8184,15 +8243,20 @@
                     </a:lnB>
                   </a:tcPr>
                 </a:tc>
+                <a:extLst>
+                  <a:ext uri="{0D108BD9-81ED-4DB2-BD59-A6C34878D82A}">
+                    <a16:rowId xmlns:a16="http://schemas.microsoft.com/office/drawing/2014/main" val="10005"/>
+                  </a:ext>
+                </a:extLst>
               </a:tr>
-              <a:tr h="540154">
+              <a:tr h="590676">
                 <a:tc>
                   <a:txBody>
                     <a:bodyPr/>
                     <a:lstStyle/>
                     <a:p>
                       <a:r>
-                        <a:rPr lang="en-US" sz="1200" b="0" i="0">
+                        <a:rPr lang="en-US" sz="1100" b="0" i="0">
                           <a:solidFill>
                             <a:srgbClr val="000000"/>
                           </a:solidFill>
@@ -8201,13 +8265,13 @@
                         </a:rPr>
                         <a:t>thetaStart </a:t>
                       </a:r>
-                      <a:endParaRPr lang="en-US" sz="1200">
+                      <a:endParaRPr lang="en-US" sz="1100">
                         <a:effectLst/>
                         <a:latin typeface="+mj-lt"/>
                       </a:endParaRPr>
                     </a:p>
                   </a:txBody>
-                  <a:tcPr marL="76280" marR="76280" marT="38140" marB="38140" anchor="ctr">
+                  <a:tcPr marL="69864" marR="69864" marT="34932" marB="34932" anchor="ctr">
                     <a:lnL w="6350" cap="flat" cmpd="sng" algn="ctr">
                       <a:solidFill>
                         <a:srgbClr val="000000"/>
@@ -8252,7 +8316,7 @@
                     <a:lstStyle/>
                     <a:p>
                       <a:r>
-                        <a:rPr lang="en-US" sz="1200" b="0" i="0">
+                        <a:rPr lang="en-US" sz="1100" b="0" i="0">
                           <a:solidFill>
                             <a:srgbClr val="000000"/>
                           </a:solidFill>
@@ -8261,13 +8325,13 @@
                         </a:rPr>
                         <a:t>No </a:t>
                       </a:r>
-                      <a:endParaRPr lang="en-US" sz="1200">
+                      <a:endParaRPr lang="en-US" sz="1100">
                         <a:effectLst/>
                         <a:latin typeface="+mj-lt"/>
                       </a:endParaRPr>
                     </a:p>
                   </a:txBody>
-                  <a:tcPr marL="76280" marR="76280" marT="38140" marB="38140" anchor="ctr">
+                  <a:tcPr marL="69864" marR="69864" marT="34932" marB="34932" anchor="ctr">
                     <a:lnL w="6350" cap="flat" cmpd="sng" algn="ctr">
                       <a:solidFill>
                         <a:srgbClr val="000000"/>
@@ -8312,7 +8376,7 @@
                     <a:lstStyle/>
                     <a:p>
                       <a:r>
-                        <a:rPr lang="en-US" sz="1200" b="0" i="0">
+                        <a:rPr lang="en-US" sz="1100" b="0" i="0">
                           <a:solidFill>
                             <a:srgbClr val="000000"/>
                           </a:solidFill>
@@ -8322,7 +8386,7 @@
                         <a:t>This determines where to start drawing the sphere</a:t>
                       </a:r>
                       <a:br>
-                        <a:rPr lang="en-US" sz="1200" b="0" i="0">
+                        <a:rPr lang="en-US" sz="1100" b="0" i="0">
                           <a:solidFill>
                             <a:srgbClr val="000000"/>
                           </a:solidFill>
@@ -8331,7 +8395,7 @@
                         </a:rPr>
                       </a:br>
                       <a:r>
-                        <a:rPr lang="en-US" sz="1200" b="0" i="0">
+                        <a:rPr lang="en-US" sz="1100" b="0" i="0">
                           <a:solidFill>
                             <a:srgbClr val="000000"/>
                           </a:solidFill>
@@ -8341,7 +8405,7 @@
                         <a:t>along its </a:t>
                       </a:r>
                       <a:r>
-                        <a:rPr lang="en-US" sz="1200" b="0" i="1">
+                        <a:rPr lang="en-US" sz="1100" b="0" i="1">
                           <a:solidFill>
                             <a:srgbClr val="000000"/>
                           </a:solidFill>
@@ -8351,7 +8415,7 @@
                         <a:t>x</a:t>
                       </a:r>
                       <a:r>
-                        <a:rPr lang="en-US" sz="1200" b="0" i="0">
+                        <a:rPr lang="en-US" sz="1100" b="0" i="0">
                           <a:solidFill>
                             <a:srgbClr val="000000"/>
                           </a:solidFill>
@@ -8361,7 +8425,7 @@
                         <a:t>-axis. This can range from 0 to PI, and the</a:t>
                       </a:r>
                       <a:br>
-                        <a:rPr lang="en-US" sz="1200" b="0" i="0">
+                        <a:rPr lang="en-US" sz="1100" b="0" i="0">
                           <a:solidFill>
                             <a:srgbClr val="000000"/>
                           </a:solidFill>
@@ -8370,7 +8434,7 @@
                         </a:rPr>
                       </a:br>
                       <a:r>
-                        <a:rPr lang="en-US" sz="1200" b="0" i="0">
+                        <a:rPr lang="en-US" sz="1100" b="0" i="0">
                           <a:solidFill>
                             <a:srgbClr val="000000"/>
                           </a:solidFill>
@@ -8379,13 +8443,13 @@
                         </a:rPr>
                         <a:t>default value is 0.</a:t>
                       </a:r>
-                      <a:endParaRPr lang="en-US" sz="1200">
+                      <a:endParaRPr lang="en-US" sz="1100">
                         <a:effectLst/>
                         <a:latin typeface="+mj-lt"/>
                       </a:endParaRPr>
                     </a:p>
                   </a:txBody>
-                  <a:tcPr marL="76280" marR="76280" marT="38140" marB="38140" anchor="ctr">
+                  <a:tcPr marL="69864" marR="69864" marT="34932" marB="34932" anchor="ctr">
                     <a:lnL w="6350" cap="flat" cmpd="sng" algn="ctr">
                       <a:solidFill>
                         <a:srgbClr val="000000"/>
@@ -8424,15 +8488,20 @@
                     </a:lnB>
                   </a:tcPr>
                 </a:tc>
+                <a:extLst>
+                  <a:ext uri="{0D108BD9-81ED-4DB2-BD59-A6C34878D82A}">
+                    <a16:rowId xmlns:a16="http://schemas.microsoft.com/office/drawing/2014/main" val="10006"/>
+                  </a:ext>
+                </a:extLst>
               </a:tr>
-              <a:tr h="698228">
+              <a:tr h="764281">
                 <a:tc>
                   <a:txBody>
                     <a:bodyPr/>
                     <a:lstStyle/>
                     <a:p>
                       <a:r>
-                        <a:rPr lang="en-US" sz="1200" b="0" i="0">
+                        <a:rPr lang="en-US" sz="1100" b="0" i="0">
                           <a:solidFill>
                             <a:srgbClr val="000000"/>
                           </a:solidFill>
@@ -8441,13 +8510,13 @@
                         </a:rPr>
                         <a:t>thetaLength </a:t>
                       </a:r>
-                      <a:endParaRPr lang="en-US" sz="1200">
+                      <a:endParaRPr lang="en-US" sz="1100">
                         <a:effectLst/>
                         <a:latin typeface="+mj-lt"/>
                       </a:endParaRPr>
                     </a:p>
                   </a:txBody>
-                  <a:tcPr marL="76280" marR="76280" marT="38140" marB="38140" anchor="ctr">
+                  <a:tcPr marL="69864" marR="69864" marT="34932" marB="34932" anchor="ctr">
                     <a:lnL w="6350" cap="flat" cmpd="sng" algn="ctr">
                       <a:solidFill>
                         <a:srgbClr val="000000"/>
@@ -8492,7 +8561,7 @@
                     <a:lstStyle/>
                     <a:p>
                       <a:r>
-                        <a:rPr lang="en-US" sz="1200" b="0" i="0" dirty="0">
+                        <a:rPr lang="en-US" sz="1100" b="0" i="0" dirty="0">
                           <a:solidFill>
                             <a:srgbClr val="000000"/>
                           </a:solidFill>
@@ -8501,13 +8570,13 @@
                         </a:rPr>
                         <a:t>No </a:t>
                       </a:r>
-                      <a:endParaRPr lang="en-US" sz="1200" dirty="0">
+                      <a:endParaRPr lang="en-US" sz="1100" dirty="0">
                         <a:effectLst/>
                         <a:latin typeface="+mj-lt"/>
                       </a:endParaRPr>
                     </a:p>
                   </a:txBody>
-                  <a:tcPr marL="76280" marR="76280" marT="38140" marB="38140" anchor="ctr">
+                  <a:tcPr marL="69864" marR="69864" marT="34932" marB="34932" anchor="ctr">
                     <a:lnL w="6350" cap="flat" cmpd="sng" algn="ctr">
                       <a:solidFill>
                         <a:srgbClr val="000000"/>
@@ -8552,7 +8621,7 @@
                     <a:lstStyle/>
                     <a:p>
                       <a:r>
-                        <a:rPr lang="en-US" sz="1200" b="0" i="0" dirty="0">
+                        <a:rPr lang="en-US" sz="1100" b="0" i="0" dirty="0">
                           <a:solidFill>
                             <a:srgbClr val="000000"/>
                           </a:solidFill>
@@ -8562,7 +8631,7 @@
                         <a:t>This determines how far from </a:t>
                       </a:r>
                       <a:r>
-                        <a:rPr lang="en-US" sz="1200" b="0" i="0" dirty="0" err="1">
+                        <a:rPr lang="en-US" sz="1100" b="0" i="0" dirty="0" err="1">
                           <a:solidFill>
                             <a:srgbClr val="000000"/>
                           </a:solidFill>
@@ -8572,7 +8641,7 @@
                         <a:t>phiStart</a:t>
                       </a:r>
                       <a:r>
-                        <a:rPr lang="en-US" sz="1200" b="0" i="0" dirty="0">
+                        <a:rPr lang="en-US" sz="1100" b="0" i="0" dirty="0">
                           <a:solidFill>
                             <a:srgbClr val="000000"/>
                           </a:solidFill>
@@ -8582,7 +8651,7 @@
                         <a:t> the sphere</a:t>
                       </a:r>
                       <a:br>
-                        <a:rPr lang="en-US" sz="1200" b="0" i="0" dirty="0">
+                        <a:rPr lang="en-US" sz="1100" b="0" i="0" dirty="0">
                           <a:solidFill>
                             <a:srgbClr val="000000"/>
                           </a:solidFill>
@@ -8591,7 +8660,7 @@
                         </a:rPr>
                       </a:br>
                       <a:r>
-                        <a:rPr lang="en-US" sz="1200" b="0" i="0" dirty="0">
+                        <a:rPr lang="en-US" sz="1100" b="0" i="0" dirty="0">
                           <a:solidFill>
                             <a:srgbClr val="000000"/>
                           </a:solidFill>
@@ -8601,7 +8670,7 @@
                         <a:t>is drawn. The PI value is a full sphere, whereas 0.5</a:t>
                       </a:r>
                       <a:br>
-                        <a:rPr lang="en-US" sz="1200" b="0" i="0" dirty="0">
+                        <a:rPr lang="en-US" sz="1100" b="0" i="0" dirty="0">
                           <a:solidFill>
                             <a:srgbClr val="000000"/>
                           </a:solidFill>
@@ -8610,7 +8679,7 @@
                         </a:rPr>
                       </a:br>
                       <a:r>
-                        <a:rPr lang="en-US" sz="1200" b="0" i="0" dirty="0">
+                        <a:rPr lang="en-US" sz="1100" b="0" i="0" dirty="0">
                           <a:solidFill>
                             <a:srgbClr val="000000"/>
                           </a:solidFill>
@@ -8620,7 +8689,7 @@
                         <a:t>* PI will draw only the top half of the sphere. The</a:t>
                       </a:r>
                       <a:br>
-                        <a:rPr lang="en-US" sz="1200" b="0" i="0" dirty="0">
+                        <a:rPr lang="en-US" sz="1100" b="0" i="0" dirty="0">
                           <a:solidFill>
                             <a:srgbClr val="000000"/>
                           </a:solidFill>
@@ -8629,7 +8698,7 @@
                         </a:rPr>
                       </a:br>
                       <a:r>
-                        <a:rPr lang="en-US" sz="1200" b="0" i="0" dirty="0">
+                        <a:rPr lang="en-US" sz="1100" b="0" i="0" dirty="0">
                           <a:solidFill>
                             <a:srgbClr val="000000"/>
                           </a:solidFill>
@@ -8638,13 +8707,13 @@
                         </a:rPr>
                         <a:t>default value is PI.</a:t>
                       </a:r>
-                      <a:endParaRPr lang="en-US" sz="1200" dirty="0">
+                      <a:endParaRPr lang="en-US" sz="1100" dirty="0">
                         <a:effectLst/>
                         <a:latin typeface="+mj-lt"/>
                       </a:endParaRPr>
                     </a:p>
                   </a:txBody>
-                  <a:tcPr marL="76280" marR="76280" marT="38140" marB="38140" anchor="ctr">
+                  <a:tcPr marL="69864" marR="69864" marT="34932" marB="34932" anchor="ctr">
                     <a:lnL w="6350" cap="flat" cmpd="sng" algn="ctr">
                       <a:solidFill>
                         <a:srgbClr val="000000"/>
@@ -8683,6 +8752,11 @@
                     </a:lnB>
                   </a:tcPr>
                 </a:tc>
+                <a:extLst>
+                  <a:ext uri="{0D108BD9-81ED-4DB2-BD59-A6C34878D82A}">
+                    <a16:rowId xmlns:a16="http://schemas.microsoft.com/office/drawing/2014/main" val="10007"/>
+                  </a:ext>
+                </a:extLst>
               </a:tr>
             </a:tbl>
           </a:graphicData>
@@ -8763,22 +8837,8 @@
               <a:buNone/>
               <a:tabLst/>
             </a:pPr>
-            <a:r>
-              <a:rPr kumimoji="0" lang="en-US" sz="1800" b="0" i="0" u="none" strike="noStrike" cap="none" normalizeH="0" baseline="0" smtClean="0">
-                <a:ln>
-                  <a:noFill/>
-                </a:ln>
-                <a:solidFill>
-                  <a:schemeClr val="tx1"/>
-                </a:solidFill>
-                <a:effectLst/>
-                <a:latin typeface="Arial" pitchFamily="34" charset="0"/>
-                <a:cs typeface="Arial" pitchFamily="34" charset="0"/>
-              </a:rPr>
-              <a:t/>
-            </a:r>
             <a:br>
-              <a:rPr kumimoji="0" lang="en-US" sz="1800" b="0" i="0" u="none" strike="noStrike" cap="none" normalizeH="0" baseline="0" smtClean="0">
+              <a:rPr kumimoji="0" lang="en-US" sz="1800" b="0" i="0" u="none" strike="noStrike" cap="none" normalizeH="0" baseline="0">
                 <a:ln>
                   <a:noFill/>
                 </a:ln>
@@ -8790,7 +8850,7 @@
                 <a:cs typeface="Arial" pitchFamily="34" charset="0"/>
               </a:rPr>
             </a:br>
-            <a:endParaRPr kumimoji="0" lang="en-US" sz="1800" b="0" i="0" u="none" strike="noStrike" cap="none" normalizeH="0" baseline="0" smtClean="0">
+            <a:endParaRPr kumimoji="0" lang="en-US" sz="1800" b="0" i="0" u="none" strike="noStrike" cap="none" normalizeH="0" baseline="0">
               <a:ln>
                 <a:noFill/>
               </a:ln>
@@ -8817,7 +8877,7 @@
 </p:sld>
 </file>
 
-<file path=ppt/slides/slide14.xml><?xml version="1.0" encoding="utf-8"?>
+<file path=ppt/slides/slide15.xml><?xml version="1.0" encoding="utf-8"?>
 <p:sld xmlns:a="http://schemas.openxmlformats.org/drawingml/2006/main" xmlns:r="http://schemas.openxmlformats.org/officeDocument/2006/relationships" xmlns:p="http://schemas.openxmlformats.org/presentationml/2006/main">
   <p:cSld>
     <p:spTree>
@@ -8895,7 +8955,7 @@
 </p:sld>
 </file>
 
-<file path=ppt/slides/slide15.xml><?xml version="1.0" encoding="utf-8"?>
+<file path=ppt/slides/slide16.xml><?xml version="1.0" encoding="utf-8"?>
 <p:sld xmlns:a="http://schemas.openxmlformats.org/drawingml/2006/main" xmlns:r="http://schemas.openxmlformats.org/officeDocument/2006/relationships" xmlns:p="http://schemas.openxmlformats.org/presentationml/2006/main">
   <p:cSld>
     <p:spTree>
@@ -8928,7 +8988,7 @@
           <a:lstStyle/>
           <a:p>
             <a:r>
-              <a:rPr lang="en-US" dirty="0" smtClean="0"/>
+              <a:rPr lang="en-US" dirty="0"/>
               <a:t>With this geometry, we can create cylinders and cylinder-like objects.</a:t>
             </a:r>
           </a:p>
@@ -8950,7 +9010,7 @@
           <a:lstStyle/>
           <a:p>
             <a:r>
-              <a:rPr lang="en-US" dirty="0" err="1" smtClean="0"/>
+              <a:rPr lang="en-US" dirty="0" err="1"/>
               <a:t>THREE.CylinderGeometry</a:t>
             </a:r>
             <a:endParaRPr lang="en-US" dirty="0"/>
@@ -8980,9 +9040,27 @@
             <a:tbl>
               <a:tblPr/>
               <a:tblGrid>
-                <a:gridCol w="2030802"/>
-                <a:gridCol w="2030802"/>
-                <a:gridCol w="4548996"/>
+                <a:gridCol w="2030802">
+                  <a:extLst>
+                    <a:ext uri="{9D8B030D-6E8A-4147-A177-3AD203B41FA5}">
+                      <a16:colId xmlns:a16="http://schemas.microsoft.com/office/drawing/2014/main" val="20000"/>
+                    </a:ext>
+                  </a:extLst>
+                </a:gridCol>
+                <a:gridCol w="2030802">
+                  <a:extLst>
+                    <a:ext uri="{9D8B030D-6E8A-4147-A177-3AD203B41FA5}">
+                      <a16:colId xmlns:a16="http://schemas.microsoft.com/office/drawing/2014/main" val="20001"/>
+                    </a:ext>
+                  </a:extLst>
+                </a:gridCol>
+                <a:gridCol w="4548996">
+                  <a:extLst>
+                    <a:ext uri="{9D8B030D-6E8A-4147-A177-3AD203B41FA5}">
+                      <a16:colId xmlns:a16="http://schemas.microsoft.com/office/drawing/2014/main" val="20002"/>
+                    </a:ext>
+                  </a:extLst>
+                </a:gridCol>
               </a:tblGrid>
               <a:tr h="0">
                 <a:tc>
@@ -9165,6 +9243,11 @@
                     </a:lnB>
                   </a:tcPr>
                 </a:tc>
+                <a:extLst>
+                  <a:ext uri="{0D108BD9-81ED-4DB2-BD59-A6C34878D82A}">
+                    <a16:rowId xmlns:a16="http://schemas.microsoft.com/office/drawing/2014/main" val="10000"/>
+                  </a:ext>
+                </a:extLst>
               </a:tr>
               <a:tr h="0">
                 <a:tc>
@@ -9366,6 +9449,11 @@
                     </a:lnB>
                   </a:tcPr>
                 </a:tc>
+                <a:extLst>
+                  <a:ext uri="{0D108BD9-81ED-4DB2-BD59-A6C34878D82A}">
+                    <a16:rowId xmlns:a16="http://schemas.microsoft.com/office/drawing/2014/main" val="10001"/>
+                  </a:ext>
+                </a:extLst>
               </a:tr>
               <a:tr h="0">
                 <a:tc>
@@ -9577,6 +9665,11 @@
                     </a:lnB>
                   </a:tcPr>
                 </a:tc>
+                <a:extLst>
+                  <a:ext uri="{0D108BD9-81ED-4DB2-BD59-A6C34878D82A}">
+                    <a16:rowId xmlns:a16="http://schemas.microsoft.com/office/drawing/2014/main" val="10002"/>
+                  </a:ext>
+                </a:extLst>
               </a:tr>
               <a:tr h="0">
                 <a:tc>
@@ -9778,6 +9871,11 @@
                     </a:lnB>
                   </a:tcPr>
                 </a:tc>
+                <a:extLst>
+                  <a:ext uri="{0D108BD9-81ED-4DB2-BD59-A6C34878D82A}">
+                    <a16:rowId xmlns:a16="http://schemas.microsoft.com/office/drawing/2014/main" val="10003"/>
+                  </a:ext>
+                </a:extLst>
               </a:tr>
               <a:tr h="0">
                 <a:tc>
@@ -10008,6 +10106,11 @@
                     </a:lnB>
                   </a:tcPr>
                 </a:tc>
+                <a:extLst>
+                  <a:ext uri="{0D108BD9-81ED-4DB2-BD59-A6C34878D82A}">
+                    <a16:rowId xmlns:a16="http://schemas.microsoft.com/office/drawing/2014/main" val="10004"/>
+                  </a:ext>
+                </a:extLst>
               </a:tr>
               <a:tr h="0">
                 <a:tc>
@@ -10238,6 +10341,11 @@
                     </a:lnB>
                   </a:tcPr>
                 </a:tc>
+                <a:extLst>
+                  <a:ext uri="{0D108BD9-81ED-4DB2-BD59-A6C34878D82A}">
+                    <a16:rowId xmlns:a16="http://schemas.microsoft.com/office/drawing/2014/main" val="10005"/>
+                  </a:ext>
+                </a:extLst>
               </a:tr>
               <a:tr h="0">
                 <a:tc>
@@ -10468,6 +10576,11 @@
                     </a:lnB>
                   </a:tcPr>
                 </a:tc>
+                <a:extLst>
+                  <a:ext uri="{0D108BD9-81ED-4DB2-BD59-A6C34878D82A}">
+                    <a16:rowId xmlns:a16="http://schemas.microsoft.com/office/drawing/2014/main" val="10006"/>
+                  </a:ext>
+                </a:extLst>
               </a:tr>
             </a:tbl>
           </a:graphicData>
@@ -10486,7 +10599,7 @@
 </p:sld>
 </file>
 
-<file path=ppt/slides/slide16.xml><?xml version="1.0" encoding="utf-8"?>
+<file path=ppt/slides/slide17.xml><?xml version="1.0" encoding="utf-8"?>
 <p:sld xmlns:a="http://schemas.openxmlformats.org/drawingml/2006/main" xmlns:r="http://schemas.openxmlformats.org/officeDocument/2006/relationships" xmlns:p="http://schemas.openxmlformats.org/presentationml/2006/main">
   <p:cSld>
     <p:spTree>
@@ -10564,7 +10677,7 @@
 </p:sld>
 </file>
 
-<file path=ppt/slides/slide17.xml><?xml version="1.0" encoding="utf-8"?>
+<file path=ppt/slides/slide18.xml><?xml version="1.0" encoding="utf-8"?>
 <p:sld xmlns:a="http://schemas.openxmlformats.org/drawingml/2006/main" xmlns:r="http://schemas.openxmlformats.org/officeDocument/2006/relationships" xmlns:p="http://schemas.openxmlformats.org/presentationml/2006/main">
   <p:cSld>
     <p:spTree>
@@ -10597,7 +10710,7 @@
           <a:lstStyle/>
           <a:p>
             <a:r>
-              <a:rPr lang="en-US" dirty="0" smtClean="0"/>
+              <a:rPr lang="en-US" dirty="0"/>
               <a:t>A torus is a simple shape that looks like a donut. </a:t>
             </a:r>
           </a:p>
@@ -10622,7 +10735,7 @@
           <a:lstStyle/>
           <a:p>
             <a:r>
-              <a:rPr lang="en-US" dirty="0" err="1" smtClean="0"/>
+              <a:rPr lang="en-US" dirty="0" err="1"/>
               <a:t>THREE.TorusGeometry</a:t>
             </a:r>
             <a:endParaRPr lang="en-US" dirty="0"/>
@@ -10652,9 +10765,27 @@
             <a:tbl>
               <a:tblPr/>
               <a:tblGrid>
-                <a:gridCol w="1206188"/>
-                <a:gridCol w="888688"/>
-                <a:gridCol w="6090793"/>
+                <a:gridCol w="1206188">
+                  <a:extLst>
+                    <a:ext uri="{9D8B030D-6E8A-4147-A177-3AD203B41FA5}">
+                      <a16:colId xmlns:a16="http://schemas.microsoft.com/office/drawing/2014/main" val="20000"/>
+                    </a:ext>
+                  </a:extLst>
+                </a:gridCol>
+                <a:gridCol w="888688">
+                  <a:extLst>
+                    <a:ext uri="{9D8B030D-6E8A-4147-A177-3AD203B41FA5}">
+                      <a16:colId xmlns:a16="http://schemas.microsoft.com/office/drawing/2014/main" val="20001"/>
+                    </a:ext>
+                  </a:extLst>
+                </a:gridCol>
+                <a:gridCol w="6090793">
+                  <a:extLst>
+                    <a:ext uri="{9D8B030D-6E8A-4147-A177-3AD203B41FA5}">
+                      <a16:colId xmlns:a16="http://schemas.microsoft.com/office/drawing/2014/main" val="20002"/>
+                    </a:ext>
+                  </a:extLst>
+                </a:gridCol>
               </a:tblGrid>
               <a:tr h="235989">
                 <a:tc>
@@ -10837,6 +10968,11 @@
                     </a:lnB>
                   </a:tcPr>
                 </a:tc>
+                <a:extLst>
+                  <a:ext uri="{0D108BD9-81ED-4DB2-BD59-A6C34878D82A}">
+                    <a16:rowId xmlns:a16="http://schemas.microsoft.com/office/drawing/2014/main" val="10000"/>
+                  </a:ext>
+                </a:extLst>
               </a:tr>
               <a:tr h="477585">
                 <a:tc>
@@ -10975,7 +11111,7 @@
                         <a:t>This sets the size of the complete torus. </a:t>
                       </a:r>
                       <a:r>
-                        <a:rPr lang="en-US" sz="1100" b="0" i="0" dirty="0" err="1" smtClean="0">
+                        <a:rPr lang="en-US" sz="1100" b="0" i="0" dirty="0" err="1">
                           <a:solidFill>
                             <a:srgbClr val="000000"/>
                           </a:solidFill>
@@ -10985,7 +11121,7 @@
                         <a:t>Thedefau</a:t>
                       </a:r>
                       <a:r>
-                        <a:rPr lang="en-US" sz="1100" b="0" i="0" dirty="0" smtClean="0">
+                        <a:rPr lang="en-US" sz="1100" b="0" i="0" dirty="0">
                           <a:solidFill>
                             <a:srgbClr val="000000"/>
                           </a:solidFill>
@@ -10995,7 +11131,7 @@
                         <a:t> </a:t>
                       </a:r>
                       <a:r>
-                        <a:rPr lang="en-US" sz="1100" b="0" i="0" dirty="0" err="1" smtClean="0">
+                        <a:rPr lang="en-US" sz="1100" b="0" i="0" dirty="0" err="1">
                           <a:solidFill>
                             <a:srgbClr val="000000"/>
                           </a:solidFill>
@@ -11005,16 +11141,6 @@
                         <a:t>lt</a:t>
                       </a:r>
                       <a:r>
-                        <a:rPr lang="en-US" sz="1100" b="0" i="0" dirty="0" smtClean="0">
-                          <a:solidFill>
-                            <a:srgbClr val="000000"/>
-                          </a:solidFill>
-                          <a:effectLst/>
-                          <a:latin typeface="+mj-lt"/>
-                        </a:rPr>
-                        <a:t> </a:t>
-                      </a:r>
-                      <a:r>
                         <a:rPr lang="en-US" sz="1100" b="0" i="0" dirty="0">
                           <a:solidFill>
                             <a:srgbClr val="000000"/>
@@ -11022,7 +11148,7 @@
                           <a:effectLst/>
                           <a:latin typeface="+mj-lt"/>
                         </a:rPr>
-                        <a:t>value is 100.</a:t>
+                        <a:t> value is 100.</a:t>
                       </a:r>
                       <a:endParaRPr lang="en-US" sz="1100" dirty="0">
                         <a:effectLst/>
@@ -11069,6 +11195,11 @@
                     </a:lnB>
                   </a:tcPr>
                 </a:tc>
+                <a:extLst>
+                  <a:ext uri="{0D108BD9-81ED-4DB2-BD59-A6C34878D82A}">
+                    <a16:rowId xmlns:a16="http://schemas.microsoft.com/office/drawing/2014/main" val="10001"/>
+                  </a:ext>
+                </a:extLst>
               </a:tr>
               <a:tr h="610248">
                 <a:tc>
@@ -11204,27 +11335,7 @@
                           <a:effectLst/>
                           <a:latin typeface="+mj-lt"/>
                         </a:rPr>
-                        <a:t>This sets the radius of the tube (the actual donut</a:t>
-                      </a:r>
-                      <a:r>
-                        <a:rPr lang="en-US" sz="1100" b="0" i="0" dirty="0" smtClean="0">
-                          <a:solidFill>
-                            <a:srgbClr val="000000"/>
-                          </a:solidFill>
-                          <a:effectLst/>
-                          <a:latin typeface="+mj-lt"/>
-                        </a:rPr>
-                        <a:t>). The </a:t>
-                      </a:r>
-                      <a:r>
-                        <a:rPr lang="en-US" sz="1100" b="0" i="0" dirty="0">
-                          <a:solidFill>
-                            <a:srgbClr val="000000"/>
-                          </a:solidFill>
-                          <a:effectLst/>
-                          <a:latin typeface="+mj-lt"/>
-                        </a:rPr>
-                        <a:t>default value for this attribute is 40.</a:t>
+                        <a:t>This sets the radius of the tube (the actual donut). The default value for this attribute is 40.</a:t>
                       </a:r>
                       <a:endParaRPr lang="en-US" sz="1100" dirty="0">
                         <a:effectLst/>
@@ -11271,6 +11382,11 @@
                     </a:lnB>
                   </a:tcPr>
                 </a:tc>
+                <a:extLst>
+                  <a:ext uri="{0D108BD9-81ED-4DB2-BD59-A6C34878D82A}">
+                    <a16:rowId xmlns:a16="http://schemas.microsoft.com/office/drawing/2014/main" val="10002"/>
+                  </a:ext>
+                </a:extLst>
               </a:tr>
               <a:tr h="1008236">
                 <a:tc>
@@ -11416,17 +11532,17 @@
                           <a:effectLst/>
                           <a:latin typeface="+mj-lt"/>
                         </a:rPr>
-                        <a:t>This determines the number of segments to </a:t>
-                      </a:r>
-                      <a:r>
-                        <a:rPr lang="en-US" sz="1100" b="0" i="0" dirty="0" smtClean="0">
-                          <a:solidFill>
-                            <a:srgbClr val="000000"/>
-                          </a:solidFill>
-                          <a:effectLst/>
-                          <a:latin typeface="+mj-lt"/>
-                        </a:rPr>
-                        <a:t>be used </a:t>
+                        <a:t>This determines the number of segments to be used along the length of the torus. The default</a:t>
+                      </a:r>
+                      <a:r>
+                        <a:rPr lang="en-US" sz="1100" b="0" i="0" baseline="0" dirty="0">
+                          <a:solidFill>
+                            <a:srgbClr val="000000"/>
+                          </a:solidFill>
+                          <a:effectLst/>
+                          <a:latin typeface="+mj-lt"/>
+                        </a:rPr>
+                        <a:t> </a:t>
                       </a:r>
                       <a:r>
                         <a:rPr lang="en-US" sz="1100" b="0" i="0" dirty="0">
@@ -11436,67 +11552,7 @@
                           <a:effectLst/>
                           <a:latin typeface="+mj-lt"/>
                         </a:rPr>
-                        <a:t>along the length of the torus. The </a:t>
-                      </a:r>
-                      <a:r>
-                        <a:rPr lang="en-US" sz="1100" b="0" i="0" dirty="0" smtClean="0">
-                          <a:solidFill>
-                            <a:srgbClr val="000000"/>
-                          </a:solidFill>
-                          <a:effectLst/>
-                          <a:latin typeface="+mj-lt"/>
-                        </a:rPr>
-                        <a:t>default</a:t>
-                      </a:r>
-                      <a:r>
-                        <a:rPr lang="en-US" sz="1100" b="0" i="0" baseline="0" dirty="0" smtClean="0">
-                          <a:solidFill>
-                            <a:srgbClr val="000000"/>
-                          </a:solidFill>
-                          <a:effectLst/>
-                          <a:latin typeface="+mj-lt"/>
-                        </a:rPr>
-                        <a:t> </a:t>
-                      </a:r>
-                      <a:r>
-                        <a:rPr lang="en-US" sz="1100" b="0" i="0" dirty="0" smtClean="0">
-                          <a:solidFill>
-                            <a:srgbClr val="000000"/>
-                          </a:solidFill>
-                          <a:effectLst/>
-                          <a:latin typeface="+mj-lt"/>
-                        </a:rPr>
-                        <a:t>value </a:t>
-                      </a:r>
-                      <a:r>
-                        <a:rPr lang="en-US" sz="1100" b="0" i="0" dirty="0">
-                          <a:solidFill>
-                            <a:srgbClr val="000000"/>
-                          </a:solidFill>
-                          <a:effectLst/>
-                          <a:latin typeface="+mj-lt"/>
-                        </a:rPr>
-                        <a:t>is 8. See the effect of changing this value </a:t>
-                      </a:r>
-                      <a:r>
-                        <a:rPr lang="en-US" sz="1100" b="0" i="0" dirty="0" smtClean="0">
-                          <a:solidFill>
-                            <a:srgbClr val="000000"/>
-                          </a:solidFill>
-                          <a:effectLst/>
-                          <a:latin typeface="+mj-lt"/>
-                        </a:rPr>
-                        <a:t>in the </a:t>
-                      </a:r>
-                      <a:r>
-                        <a:rPr lang="en-US" sz="1100" b="0" i="0" dirty="0">
-                          <a:solidFill>
-                            <a:srgbClr val="000000"/>
-                          </a:solidFill>
-                          <a:effectLst/>
-                          <a:latin typeface="+mj-lt"/>
-                        </a:rPr>
-                        <a:t>demo.</a:t>
+                        <a:t>value is 8. See the effect of changing this value in the demo.</a:t>
                       </a:r>
                       <a:endParaRPr lang="en-US" sz="1100" dirty="0">
                         <a:effectLst/>
@@ -11543,6 +11599,11 @@
                     </a:lnB>
                   </a:tcPr>
                 </a:tc>
+                <a:extLst>
+                  <a:ext uri="{0D108BD9-81ED-4DB2-BD59-A6C34878D82A}">
+                    <a16:rowId xmlns:a16="http://schemas.microsoft.com/office/drawing/2014/main" val="10003"/>
+                  </a:ext>
+                </a:extLst>
               </a:tr>
               <a:tr h="1008236">
                 <a:tc>
@@ -11678,17 +11739,17 @@
                           <a:effectLst/>
                           <a:latin typeface="+mj-lt"/>
                         </a:rPr>
-                        <a:t>This determines the number of segments to </a:t>
-                      </a:r>
-                      <a:r>
-                        <a:rPr lang="en-US" sz="1100" b="0" i="0" dirty="0" smtClean="0">
-                          <a:solidFill>
-                            <a:srgbClr val="000000"/>
-                          </a:solidFill>
-                          <a:effectLst/>
-                          <a:latin typeface="+mj-lt"/>
-                        </a:rPr>
-                        <a:t>be used </a:t>
+                        <a:t>This determines the number of segments to be used along the width of the torus. The default</a:t>
+                      </a:r>
+                      <a:r>
+                        <a:rPr lang="en-US" sz="1100" b="0" i="0" baseline="0" dirty="0">
+                          <a:solidFill>
+                            <a:srgbClr val="000000"/>
+                          </a:solidFill>
+                          <a:effectLst/>
+                          <a:latin typeface="+mj-lt"/>
+                        </a:rPr>
+                        <a:t> </a:t>
                       </a:r>
                       <a:r>
                         <a:rPr lang="en-US" sz="1100" b="0" i="0" dirty="0">
@@ -11698,20 +11759,10 @@
                           <a:effectLst/>
                           <a:latin typeface="+mj-lt"/>
                         </a:rPr>
-                        <a:t>along the width of the torus. The </a:t>
-                      </a:r>
-                      <a:r>
-                        <a:rPr lang="en-US" sz="1100" b="0" i="0" dirty="0" smtClean="0">
-                          <a:solidFill>
-                            <a:srgbClr val="000000"/>
-                          </a:solidFill>
-                          <a:effectLst/>
-                          <a:latin typeface="+mj-lt"/>
-                        </a:rPr>
-                        <a:t>default</a:t>
-                      </a:r>
-                      <a:r>
-                        <a:rPr lang="en-US" sz="1100" b="0" i="0" baseline="0" dirty="0" smtClean="0">
+                        <a:t>value is 6.</a:t>
+                      </a:r>
+                      <a:r>
+                        <a:rPr lang="en-US" sz="1100" b="0" i="0" baseline="0" dirty="0">
                           <a:solidFill>
                             <a:srgbClr val="000000"/>
                           </a:solidFill>
@@ -11721,16 +11772,6 @@
                         <a:t> </a:t>
                       </a:r>
                       <a:r>
-                        <a:rPr lang="en-US" sz="1100" b="0" i="0" dirty="0" smtClean="0">
-                          <a:solidFill>
-                            <a:srgbClr val="000000"/>
-                          </a:solidFill>
-                          <a:effectLst/>
-                          <a:latin typeface="+mj-lt"/>
-                        </a:rPr>
-                        <a:t>value </a:t>
-                      </a:r>
-                      <a:r>
                         <a:rPr lang="en-US" sz="1100" b="0" i="0" dirty="0">
                           <a:solidFill>
                             <a:srgbClr val="000000"/>
@@ -11738,67 +11779,7 @@
                           <a:effectLst/>
                           <a:latin typeface="+mj-lt"/>
                         </a:rPr>
-                        <a:t>is </a:t>
-                      </a:r>
-                      <a:r>
-                        <a:rPr lang="en-US" sz="1100" b="0" i="0" dirty="0" smtClean="0">
-                          <a:solidFill>
-                            <a:srgbClr val="000000"/>
-                          </a:solidFill>
-                          <a:effectLst/>
-                          <a:latin typeface="+mj-lt"/>
-                        </a:rPr>
-                        <a:t>6.</a:t>
-                      </a:r>
-                      <a:r>
-                        <a:rPr lang="en-US" sz="1100" b="0" i="0" baseline="0" dirty="0" smtClean="0">
-                          <a:solidFill>
-                            <a:srgbClr val="000000"/>
-                          </a:solidFill>
-                          <a:effectLst/>
-                          <a:latin typeface="+mj-lt"/>
-                        </a:rPr>
-                        <a:t> </a:t>
-                      </a:r>
-                      <a:r>
-                        <a:rPr lang="en-US" sz="1100" b="0" i="0" dirty="0" smtClean="0">
-                          <a:solidFill>
-                            <a:srgbClr val="000000"/>
-                          </a:solidFill>
-                          <a:effectLst/>
-                          <a:latin typeface="+mj-lt"/>
-                        </a:rPr>
-                        <a:t>See </a:t>
-                      </a:r>
-                      <a:r>
-                        <a:rPr lang="en-US" sz="1100" b="0" i="0" dirty="0">
-                          <a:solidFill>
-                            <a:srgbClr val="000000"/>
-                          </a:solidFill>
-                          <a:effectLst/>
-                          <a:latin typeface="+mj-lt"/>
-                        </a:rPr>
-                        <a:t>the effect of changing this value </a:t>
-                      </a:r>
-                      <a:r>
-                        <a:rPr lang="en-US" sz="1100" b="0" i="0" dirty="0" smtClean="0">
-                          <a:solidFill>
-                            <a:srgbClr val="000000"/>
-                          </a:solidFill>
-                          <a:effectLst/>
-                          <a:latin typeface="+mj-lt"/>
-                        </a:rPr>
-                        <a:t>in the </a:t>
-                      </a:r>
-                      <a:r>
-                        <a:rPr lang="en-US" sz="1100" b="0" i="0" dirty="0">
-                          <a:solidFill>
-                            <a:srgbClr val="000000"/>
-                          </a:solidFill>
-                          <a:effectLst/>
-                          <a:latin typeface="+mj-lt"/>
-                        </a:rPr>
-                        <a:t>demo.</a:t>
+                        <a:t>See the effect of changing this value in the demo.</a:t>
                       </a:r>
                       <a:endParaRPr lang="en-US" sz="1100" dirty="0">
                         <a:effectLst/>
@@ -11845,6 +11826,11 @@
                     </a:lnB>
                   </a:tcPr>
                 </a:tc>
+                <a:extLst>
+                  <a:ext uri="{0D108BD9-81ED-4DB2-BD59-A6C34878D82A}">
+                    <a16:rowId xmlns:a16="http://schemas.microsoft.com/office/drawing/2014/main" val="10004"/>
+                  </a:ext>
+                </a:extLst>
               </a:tr>
               <a:tr h="832559">
                 <a:tc>
@@ -11980,47 +11966,7 @@
                           <a:effectLst/>
                           <a:latin typeface="+mj-lt"/>
                         </a:rPr>
-                        <a:t>With this property, you can control whether </a:t>
-                      </a:r>
-                      <a:r>
-                        <a:rPr lang="en-US" sz="1100" b="0" i="0" dirty="0" smtClean="0">
-                          <a:solidFill>
-                            <a:srgbClr val="000000"/>
-                          </a:solidFill>
-                          <a:effectLst/>
-                          <a:latin typeface="+mj-lt"/>
-                        </a:rPr>
-                        <a:t>the torus </a:t>
-                      </a:r>
-                      <a:r>
-                        <a:rPr lang="en-US" sz="1100" b="0" i="0" dirty="0">
-                          <a:solidFill>
-                            <a:srgbClr val="000000"/>
-                          </a:solidFill>
-                          <a:effectLst/>
-                          <a:latin typeface="+mj-lt"/>
-                        </a:rPr>
-                        <a:t>is drawn full circle. The default of this </a:t>
-                      </a:r>
-                      <a:r>
-                        <a:rPr lang="en-US" sz="1100" b="0" i="0" dirty="0" smtClean="0">
-                          <a:solidFill>
-                            <a:srgbClr val="000000"/>
-                          </a:solidFill>
-                          <a:effectLst/>
-                          <a:latin typeface="+mj-lt"/>
-                        </a:rPr>
-                        <a:t>value is </a:t>
-                      </a:r>
-                      <a:r>
-                        <a:rPr lang="en-US" sz="1100" b="0" i="0" dirty="0">
-                          <a:solidFill>
-                            <a:srgbClr val="000000"/>
-                          </a:solidFill>
-                          <a:effectLst/>
-                          <a:latin typeface="+mj-lt"/>
-                        </a:rPr>
-                        <a:t>2 * PI (a full circle).</a:t>
+                        <a:t>With this property, you can control whether the torus is drawn full circle. The default of this value is 2 * PI (a full circle).</a:t>
                       </a:r>
                       <a:endParaRPr lang="en-US" sz="1100" dirty="0">
                         <a:effectLst/>
@@ -12067,6 +12013,11 @@
                     </a:lnB>
                   </a:tcPr>
                 </a:tc>
+                <a:extLst>
+                  <a:ext uri="{0D108BD9-81ED-4DB2-BD59-A6C34878D82A}">
+                    <a16:rowId xmlns:a16="http://schemas.microsoft.com/office/drawing/2014/main" val="10005"/>
+                  </a:ext>
+                </a:extLst>
               </a:tr>
             </a:tbl>
           </a:graphicData>
@@ -12147,22 +12098,8 @@
               <a:buNone/>
               <a:tabLst/>
             </a:pPr>
-            <a:r>
-              <a:rPr kumimoji="0" lang="en-US" sz="1800" b="0" i="0" u="none" strike="noStrike" cap="none" normalizeH="0" baseline="0" smtClean="0">
-                <a:ln>
-                  <a:noFill/>
-                </a:ln>
-                <a:solidFill>
-                  <a:schemeClr val="tx1"/>
-                </a:solidFill>
-                <a:effectLst/>
-                <a:latin typeface="Arial" pitchFamily="34" charset="0"/>
-                <a:cs typeface="Arial" pitchFamily="34" charset="0"/>
-              </a:rPr>
-              <a:t/>
-            </a:r>
             <a:br>
-              <a:rPr kumimoji="0" lang="en-US" sz="1800" b="0" i="0" u="none" strike="noStrike" cap="none" normalizeH="0" baseline="0" smtClean="0">
+              <a:rPr kumimoji="0" lang="en-US" sz="1800" b="0" i="0" u="none" strike="noStrike" cap="none" normalizeH="0" baseline="0">
                 <a:ln>
                   <a:noFill/>
                 </a:ln>
@@ -12174,7 +12111,7 @@
                 <a:cs typeface="Arial" pitchFamily="34" charset="0"/>
               </a:rPr>
             </a:br>
-            <a:endParaRPr kumimoji="0" lang="en-US" sz="1800" b="0" i="0" u="none" strike="noStrike" cap="none" normalizeH="0" baseline="0" smtClean="0">
+            <a:endParaRPr kumimoji="0" lang="en-US" sz="1800" b="0" i="0" u="none" strike="noStrike" cap="none" normalizeH="0" baseline="0">
               <a:ln>
                 <a:noFill/>
               </a:ln>
@@ -12201,7 +12138,7 @@
 </p:sld>
 </file>
 
-<file path=ppt/slides/slide18.xml><?xml version="1.0" encoding="utf-8"?>
+<file path=ppt/slides/slide19.xml><?xml version="1.0" encoding="utf-8"?>
 <p:sld xmlns:a="http://schemas.openxmlformats.org/drawingml/2006/main" xmlns:r="http://schemas.openxmlformats.org/officeDocument/2006/relationships" xmlns:p="http://schemas.openxmlformats.org/presentationml/2006/main">
   <p:cSld>
     <p:spTree>
@@ -12279,7 +12216,132 @@
 </p:sld>
 </file>
 
-<file path=ppt/slides/slide19.xml><?xml version="1.0" encoding="utf-8"?>
+<file path=ppt/slides/slide2.xml><?xml version="1.0" encoding="utf-8"?>
+<p:sld xmlns:a="http://schemas.openxmlformats.org/drawingml/2006/main" xmlns:r="http://schemas.openxmlformats.org/officeDocument/2006/relationships" xmlns:p="http://schemas.openxmlformats.org/presentationml/2006/main">
+  <p:cSld>
+    <p:spTree>
+      <p:nvGrpSpPr>
+        <p:cNvPr id="1" name=""/>
+        <p:cNvGrpSpPr/>
+        <p:nvPr/>
+      </p:nvGrpSpPr>
+      <p:grpSpPr>
+        <a:xfrm>
+          <a:off x="0" y="0"/>
+          <a:ext cx="0" cy="0"/>
+          <a:chOff x="0" y="0"/>
+          <a:chExt cx="0" cy="0"/>
+        </a:xfrm>
+      </p:grpSpPr>
+      <p:sp>
+        <p:nvSpPr>
+          <p:cNvPr id="3" name="Content Placeholder 2"/>
+          <p:cNvSpPr>
+            <a:spLocks noGrp="1"/>
+          </p:cNvSpPr>
+          <p:nvPr>
+            <p:ph idx="1"/>
+          </p:nvPr>
+        </p:nvSpPr>
+        <p:spPr/>
+        <p:txBody>
+          <a:bodyPr>
+            <a:normAutofit/>
+          </a:bodyPr>
+          <a:lstStyle/>
+          <a:p>
+            <a:r>
+              <a:rPr lang="en-US" dirty="0"/>
+              <a:t>Two-Dimensional Geometries</a:t>
+            </a:r>
+          </a:p>
+          <a:p>
+            <a:pPr lvl="1"/>
+            <a:r>
+              <a:rPr lang="en-US" dirty="0" err="1"/>
+              <a:t>THREE.PlaneGeometry</a:t>
+            </a:r>
+            <a:endParaRPr lang="en-US" dirty="0"/>
+          </a:p>
+          <a:p>
+            <a:pPr lvl="1"/>
+            <a:r>
+              <a:rPr lang="en-US" dirty="0" err="1"/>
+              <a:t>THREE.CircleGeometry</a:t>
+            </a:r>
+            <a:endParaRPr lang="en-US" dirty="0"/>
+          </a:p>
+          <a:p>
+            <a:pPr lvl="1"/>
+            <a:r>
+              <a:rPr lang="en-US" dirty="0" err="1"/>
+              <a:t>THREE.RingGeometry</a:t>
+            </a:r>
+            <a:endParaRPr lang="en-US" dirty="0"/>
+          </a:p>
+          <a:p>
+            <a:pPr lvl="1"/>
+            <a:r>
+              <a:rPr lang="en-US" dirty="0" err="1"/>
+              <a:t>THREE.ShapeGeometry</a:t>
+            </a:r>
+            <a:endParaRPr lang="en-US" dirty="0"/>
+          </a:p>
+        </p:txBody>
+      </p:sp>
+      <p:sp>
+        <p:nvSpPr>
+          <p:cNvPr id="2" name="Title 1"/>
+          <p:cNvSpPr>
+            <a:spLocks noGrp="1"/>
+          </p:cNvSpPr>
+          <p:nvPr>
+            <p:ph type="title"/>
+          </p:nvPr>
+        </p:nvSpPr>
+        <p:spPr/>
+        <p:txBody>
+          <a:bodyPr/>
+          <a:lstStyle/>
+          <a:p>
+            <a:r>
+              <a:rPr lang="en-US" dirty="0" err="1"/>
+              <a:t>Geometri</a:t>
+            </a:r>
+            <a:r>
+              <a:rPr lang="en-US" dirty="0"/>
+              <a:t> yang </a:t>
+            </a:r>
+            <a:r>
+              <a:rPr lang="en-US" dirty="0" err="1"/>
+              <a:t>akan</a:t>
+            </a:r>
+            <a:r>
+              <a:rPr lang="en-US" dirty="0"/>
+              <a:t> </a:t>
+            </a:r>
+            <a:r>
+              <a:rPr lang="en-US" dirty="0" err="1"/>
+              <a:t>dibahas</a:t>
+            </a:r>
+            <a:endParaRPr lang="en-US" dirty="0"/>
+          </a:p>
+        </p:txBody>
+      </p:sp>
+    </p:spTree>
+    <p:extLst>
+      <p:ext uri="{BB962C8B-B14F-4D97-AF65-F5344CB8AC3E}">
+        <p14:creationId xmlns:p14="http://schemas.microsoft.com/office/powerpoint/2010/main" val="2290455213"/>
+      </p:ext>
+    </p:extLst>
+  </p:cSld>
+  <p:clrMapOvr>
+    <a:masterClrMapping/>
+  </p:clrMapOvr>
+</p:sld>
+</file>
+
+<file path=ppt/slides/slide20.xml><?xml version="1.0" encoding="utf-8"?>
 <p:sld xmlns:a="http://schemas.openxmlformats.org/drawingml/2006/main" xmlns:r="http://schemas.openxmlformats.org/officeDocument/2006/relationships" xmlns:p="http://schemas.openxmlformats.org/presentationml/2006/main">
   <p:cSld>
     <p:spTree>
@@ -12312,7 +12374,7 @@
           <a:lstStyle/>
           <a:p>
             <a:r>
-              <a:rPr lang="en-US" dirty="0" smtClean="0"/>
+              <a:rPr lang="en-US" dirty="0"/>
               <a:t> A torus knot is a special kind of knot that looks like a tube that winds around itself a couple of times.</a:t>
             </a:r>
           </a:p>
@@ -12337,7 +12399,7 @@
           <a:lstStyle/>
           <a:p>
             <a:r>
-              <a:rPr lang="en-US" dirty="0" err="1" smtClean="0"/>
+              <a:rPr lang="en-US" dirty="0" err="1"/>
               <a:t>THREE.TorusKnotGeometry</a:t>
             </a:r>
             <a:endParaRPr lang="en-US" dirty="0"/>
@@ -12367,9 +12429,27 @@
             <a:tbl>
               <a:tblPr/>
               <a:tblGrid>
-                <a:gridCol w="810436"/>
-                <a:gridCol w="620588"/>
-                <a:gridCol w="6722375"/>
+                <a:gridCol w="810436">
+                  <a:extLst>
+                    <a:ext uri="{9D8B030D-6E8A-4147-A177-3AD203B41FA5}">
+                      <a16:colId xmlns:a16="http://schemas.microsoft.com/office/drawing/2014/main" val="20000"/>
+                    </a:ext>
+                  </a:extLst>
+                </a:gridCol>
+                <a:gridCol w="620588">
+                  <a:extLst>
+                    <a:ext uri="{9D8B030D-6E8A-4147-A177-3AD203B41FA5}">
+                      <a16:colId xmlns:a16="http://schemas.microsoft.com/office/drawing/2014/main" val="20001"/>
+                    </a:ext>
+                  </a:extLst>
+                </a:gridCol>
+                <a:gridCol w="6722375">
+                  <a:extLst>
+                    <a:ext uri="{9D8B030D-6E8A-4147-A177-3AD203B41FA5}">
+                      <a16:colId xmlns:a16="http://schemas.microsoft.com/office/drawing/2014/main" val="20002"/>
+                    </a:ext>
+                  </a:extLst>
+                </a:gridCol>
               </a:tblGrid>
               <a:tr h="425229">
                 <a:tc>
@@ -12552,6 +12632,11 @@
                     </a:lnB>
                   </a:tcPr>
                 </a:tc>
+                <a:extLst>
+                  <a:ext uri="{0D108BD9-81ED-4DB2-BD59-A6C34878D82A}">
+                    <a16:rowId xmlns:a16="http://schemas.microsoft.com/office/drawing/2014/main" val="10000"/>
+                  </a:ext>
+                </a:extLst>
               </a:tr>
               <a:tr h="397192">
                 <a:tc>
@@ -12687,27 +12772,7 @@
                           <a:effectLst/>
                           <a:latin typeface="+mj-lt"/>
                         </a:rPr>
-                        <a:t>This sets the size of the complete torus. </a:t>
-                      </a:r>
-                      <a:r>
-                        <a:rPr lang="en-US" sz="1200" b="0" i="0" dirty="0" smtClean="0">
-                          <a:solidFill>
-                            <a:srgbClr val="000000"/>
-                          </a:solidFill>
-                          <a:effectLst/>
-                          <a:latin typeface="+mj-lt"/>
-                        </a:rPr>
-                        <a:t>The default </a:t>
-                      </a:r>
-                      <a:r>
-                        <a:rPr lang="en-US" sz="1200" b="0" i="0" dirty="0">
-                          <a:solidFill>
-                            <a:srgbClr val="000000"/>
-                          </a:solidFill>
-                          <a:effectLst/>
-                          <a:latin typeface="+mj-lt"/>
-                        </a:rPr>
-                        <a:t>value is 100.</a:t>
+                        <a:t>This sets the size of the complete torus. The default value is 100.</a:t>
                       </a:r>
                       <a:endParaRPr lang="en-US" sz="1200" dirty="0">
                         <a:effectLst/>
@@ -12754,6 +12819,11 @@
                     </a:lnB>
                   </a:tcPr>
                 </a:tc>
+                <a:extLst>
+                  <a:ext uri="{0D108BD9-81ED-4DB2-BD59-A6C34878D82A}">
+                    <a16:rowId xmlns:a16="http://schemas.microsoft.com/office/drawing/2014/main" val="10001"/>
+                  </a:ext>
+                </a:extLst>
               </a:tr>
               <a:tr h="444465">
                 <a:tc>
@@ -12889,27 +12959,7 @@
                           <a:effectLst/>
                           <a:latin typeface="+mj-lt"/>
                         </a:rPr>
-                        <a:t>This sets the radius of the tube (the </a:t>
-                      </a:r>
-                      <a:r>
-                        <a:rPr lang="en-US" sz="1200" b="0" i="0" dirty="0" smtClean="0">
-                          <a:solidFill>
-                            <a:srgbClr val="000000"/>
-                          </a:solidFill>
-                          <a:effectLst/>
-                          <a:latin typeface="+mj-lt"/>
-                        </a:rPr>
-                        <a:t>actual donut</a:t>
-                      </a:r>
-                      <a:r>
-                        <a:rPr lang="en-US" sz="1200" b="0" i="0" dirty="0">
-                          <a:solidFill>
-                            <a:srgbClr val="000000"/>
-                          </a:solidFill>
-                          <a:effectLst/>
-                          <a:latin typeface="+mj-lt"/>
-                        </a:rPr>
-                        <a:t>). The default value for this attribute is 40.</a:t>
+                        <a:t>This sets the radius of the tube (the actual donut). The default value for this attribute is 40.</a:t>
                       </a:r>
                       <a:endParaRPr lang="en-US" sz="1200" dirty="0">
                         <a:effectLst/>
@@ -12956,6 +13006,11 @@
                     </a:lnB>
                   </a:tcPr>
                 </a:tc>
+                <a:extLst>
+                  <a:ext uri="{0D108BD9-81ED-4DB2-BD59-A6C34878D82A}">
+                    <a16:rowId xmlns:a16="http://schemas.microsoft.com/office/drawing/2014/main" val="10002"/>
+                  </a:ext>
+                </a:extLst>
               </a:tr>
               <a:tr h="734334">
                 <a:tc>
@@ -13091,27 +13146,7 @@
                           <a:effectLst/>
                           <a:latin typeface="+mj-lt"/>
                         </a:rPr>
-                        <a:t>This determines the number of segments to </a:t>
-                      </a:r>
-                      <a:r>
-                        <a:rPr lang="en-US" sz="1200" b="0" i="0" dirty="0" smtClean="0">
-                          <a:solidFill>
-                            <a:srgbClr val="000000"/>
-                          </a:solidFill>
-                          <a:effectLst/>
-                          <a:latin typeface="+mj-lt"/>
-                        </a:rPr>
-                        <a:t>be used </a:t>
-                      </a:r>
-                      <a:r>
-                        <a:rPr lang="en-US" sz="1200" b="0" i="0" dirty="0">
-                          <a:solidFill>
-                            <a:srgbClr val="000000"/>
-                          </a:solidFill>
-                          <a:effectLst/>
-                          <a:latin typeface="+mj-lt"/>
-                        </a:rPr>
-                        <a:t>along the length of the torus knot. The</a:t>
+                        <a:t>This determines the number of segments to be used along the length of the torus knot. The</a:t>
                       </a:r>
                       <a:br>
                         <a:rPr lang="en-US" sz="1200" b="0" i="0" dirty="0">
@@ -13130,27 +13165,7 @@
                           <a:effectLst/>
                           <a:latin typeface="+mj-lt"/>
                         </a:rPr>
-                        <a:t>default value is 64. See the effect of </a:t>
-                      </a:r>
-                      <a:r>
-                        <a:rPr lang="en-US" sz="1200" b="0" i="0" dirty="0" smtClean="0">
-                          <a:solidFill>
-                            <a:srgbClr val="000000"/>
-                          </a:solidFill>
-                          <a:effectLst/>
-                          <a:latin typeface="+mj-lt"/>
-                        </a:rPr>
-                        <a:t>changing this </a:t>
-                      </a:r>
-                      <a:r>
-                        <a:rPr lang="en-US" sz="1200" b="0" i="0" dirty="0">
-                          <a:solidFill>
-                            <a:srgbClr val="000000"/>
-                          </a:solidFill>
-                          <a:effectLst/>
-                          <a:latin typeface="+mj-lt"/>
-                        </a:rPr>
-                        <a:t>value in the demo.</a:t>
+                        <a:t>default value is 64. See the effect of changing this value in the demo.</a:t>
                       </a:r>
                       <a:endParaRPr lang="en-US" sz="1200" dirty="0">
                         <a:effectLst/>
@@ -13197,6 +13212,11 @@
                     </a:lnB>
                   </a:tcPr>
                 </a:tc>
+                <a:extLst>
+                  <a:ext uri="{0D108BD9-81ED-4DB2-BD59-A6C34878D82A}">
+                    <a16:rowId xmlns:a16="http://schemas.microsoft.com/office/drawing/2014/main" val="10003"/>
+                  </a:ext>
+                </a:extLst>
               </a:tr>
               <a:tr h="734334">
                 <a:tc>
@@ -13332,27 +13352,7 @@
                           <a:effectLst/>
                           <a:latin typeface="+mj-lt"/>
                         </a:rPr>
-                        <a:t>This determines the number of segments </a:t>
-                      </a:r>
-                      <a:r>
-                        <a:rPr lang="en-US" sz="1200" b="0" i="0" dirty="0" smtClean="0">
-                          <a:solidFill>
-                            <a:srgbClr val="000000"/>
-                          </a:solidFill>
-                          <a:effectLst/>
-                          <a:latin typeface="+mj-lt"/>
-                        </a:rPr>
-                        <a:t>to be </a:t>
-                      </a:r>
-                      <a:r>
-                        <a:rPr lang="en-US" sz="1200" b="0" i="0" dirty="0">
-                          <a:solidFill>
-                            <a:srgbClr val="000000"/>
-                          </a:solidFill>
-                          <a:effectLst/>
-                          <a:latin typeface="+mj-lt"/>
-                        </a:rPr>
-                        <a:t>used along the width of the torus knot. The</a:t>
+                        <a:t>This determines the number of segments to be used along the width of the torus knot. The</a:t>
                       </a:r>
                       <a:br>
                         <a:rPr lang="en-US" sz="1200" b="0" i="0" dirty="0">
@@ -13371,27 +13371,7 @@
                           <a:effectLst/>
                           <a:latin typeface="+mj-lt"/>
                         </a:rPr>
-                        <a:t>default value is 8. See the effect of changing </a:t>
-                      </a:r>
-                      <a:r>
-                        <a:rPr lang="en-US" sz="1200" b="0" i="0" dirty="0" smtClean="0">
-                          <a:solidFill>
-                            <a:srgbClr val="000000"/>
-                          </a:solidFill>
-                          <a:effectLst/>
-                          <a:latin typeface="+mj-lt"/>
-                        </a:rPr>
-                        <a:t>this value </a:t>
-                      </a:r>
-                      <a:r>
-                        <a:rPr lang="en-US" sz="1200" b="0" i="0" dirty="0">
-                          <a:solidFill>
-                            <a:srgbClr val="000000"/>
-                          </a:solidFill>
-                          <a:effectLst/>
-                          <a:latin typeface="+mj-lt"/>
-                        </a:rPr>
-                        <a:t>in the demo.</a:t>
+                        <a:t>default value is 8. See the effect of changing this value in the demo.</a:t>
                       </a:r>
                       <a:endParaRPr lang="en-US" sz="1200" dirty="0">
                         <a:effectLst/>
@@ -13438,6 +13418,11 @@
                     </a:lnB>
                   </a:tcPr>
                 </a:tc>
+                <a:extLst>
+                  <a:ext uri="{0D108BD9-81ED-4DB2-BD59-A6C34878D82A}">
+                    <a16:rowId xmlns:a16="http://schemas.microsoft.com/office/drawing/2014/main" val="10004"/>
+                  </a:ext>
+                </a:extLst>
               </a:tr>
               <a:tr h="397192">
                 <a:tc>
@@ -13573,27 +13558,7 @@
                           <a:effectLst/>
                           <a:latin typeface="+mj-lt"/>
                         </a:rPr>
-                        <a:t>This defines the shape of the knot, and </a:t>
-                      </a:r>
-                      <a:r>
-                        <a:rPr lang="en-US" sz="1200" b="0" i="0" dirty="0" smtClean="0">
-                          <a:solidFill>
-                            <a:srgbClr val="000000"/>
-                          </a:solidFill>
-                          <a:effectLst/>
-                          <a:latin typeface="+mj-lt"/>
-                        </a:rPr>
-                        <a:t>the default </a:t>
-                      </a:r>
-                      <a:r>
-                        <a:rPr lang="en-US" sz="1200" b="0" i="0" dirty="0">
-                          <a:solidFill>
-                            <a:srgbClr val="000000"/>
-                          </a:solidFill>
-                          <a:effectLst/>
-                          <a:latin typeface="+mj-lt"/>
-                        </a:rPr>
-                        <a:t>value is 2.</a:t>
+                        <a:t>This defines the shape of the knot, and the default value is 2.</a:t>
                       </a:r>
                       <a:endParaRPr lang="en-US" sz="1200" dirty="0">
                         <a:effectLst/>
@@ -13640,6 +13605,11 @@
                     </a:lnB>
                   </a:tcPr>
                 </a:tc>
+                <a:extLst>
+                  <a:ext uri="{0D108BD9-81ED-4DB2-BD59-A6C34878D82A}">
+                    <a16:rowId xmlns:a16="http://schemas.microsoft.com/office/drawing/2014/main" val="10005"/>
+                  </a:ext>
+                </a:extLst>
               </a:tr>
               <a:tr h="397192">
                 <a:tc>
@@ -13775,27 +13745,7 @@
                           <a:effectLst/>
                           <a:latin typeface="+mj-lt"/>
                         </a:rPr>
-                        <a:t>This defines the shape of the knot, and </a:t>
-                      </a:r>
-                      <a:r>
-                        <a:rPr lang="en-US" sz="1200" b="0" i="0" dirty="0" smtClean="0">
-                          <a:solidFill>
-                            <a:srgbClr val="000000"/>
-                          </a:solidFill>
-                          <a:effectLst/>
-                          <a:latin typeface="+mj-lt"/>
-                        </a:rPr>
-                        <a:t>the default </a:t>
-                      </a:r>
-                      <a:r>
-                        <a:rPr lang="en-US" sz="1200" b="0" i="0" dirty="0">
-                          <a:solidFill>
-                            <a:srgbClr val="000000"/>
-                          </a:solidFill>
-                          <a:effectLst/>
-                          <a:latin typeface="+mj-lt"/>
-                        </a:rPr>
-                        <a:t>value is 3.</a:t>
+                        <a:t>This defines the shape of the knot, and the default value is 3.</a:t>
                       </a:r>
                       <a:endParaRPr lang="en-US" sz="1200" dirty="0">
                         <a:effectLst/>
@@ -13842,6 +13792,11 @@
                     </a:lnB>
                   </a:tcPr>
                 </a:tc>
+                <a:extLst>
+                  <a:ext uri="{0D108BD9-81ED-4DB2-BD59-A6C34878D82A}">
+                    <a16:rowId xmlns:a16="http://schemas.microsoft.com/office/drawing/2014/main" val="10006"/>
+                  </a:ext>
+                </a:extLst>
               </a:tr>
               <a:tr h="425229">
                 <a:tc>
@@ -13977,27 +13932,7 @@
                           <a:effectLst/>
                           <a:latin typeface="+mj-lt"/>
                         </a:rPr>
-                        <a:t>With this property, you can stretch out the </a:t>
-                      </a:r>
-                      <a:r>
-                        <a:rPr lang="en-US" sz="1200" b="0" i="0" dirty="0" smtClean="0">
-                          <a:solidFill>
-                            <a:srgbClr val="000000"/>
-                          </a:solidFill>
-                          <a:effectLst/>
-                          <a:latin typeface="+mj-lt"/>
-                        </a:rPr>
-                        <a:t>torus knot</a:t>
-                      </a:r>
-                      <a:r>
-                        <a:rPr lang="en-US" sz="1200" b="0" i="0" dirty="0">
-                          <a:solidFill>
-                            <a:srgbClr val="000000"/>
-                          </a:solidFill>
-                          <a:effectLst/>
-                          <a:latin typeface="+mj-lt"/>
-                        </a:rPr>
-                        <a:t>. The default value is 1.</a:t>
+                        <a:t>With this property, you can stretch out the torus knot. The default value is 1.</a:t>
                       </a:r>
                       <a:endParaRPr lang="en-US" sz="1200" dirty="0">
                         <a:effectLst/>
@@ -14044,6 +13979,11 @@
                     </a:lnB>
                   </a:tcPr>
                 </a:tc>
+                <a:extLst>
+                  <a:ext uri="{0D108BD9-81ED-4DB2-BD59-A6C34878D82A}">
+                    <a16:rowId xmlns:a16="http://schemas.microsoft.com/office/drawing/2014/main" val="10007"/>
+                  </a:ext>
+                </a:extLst>
               </a:tr>
             </a:tbl>
           </a:graphicData>
@@ -14124,22 +14064,8 @@
               <a:buNone/>
               <a:tabLst/>
             </a:pPr>
-            <a:r>
-              <a:rPr kumimoji="0" lang="en-US" sz="1800" b="0" i="0" u="none" strike="noStrike" cap="none" normalizeH="0" baseline="0" smtClean="0">
-                <a:ln>
-                  <a:noFill/>
-                </a:ln>
-                <a:solidFill>
-                  <a:schemeClr val="tx1"/>
-                </a:solidFill>
-                <a:effectLst/>
-                <a:latin typeface="Arial" pitchFamily="34" charset="0"/>
-                <a:cs typeface="Arial" pitchFamily="34" charset="0"/>
-              </a:rPr>
-              <a:t/>
-            </a:r>
             <a:br>
-              <a:rPr kumimoji="0" lang="en-US" sz="1800" b="0" i="0" u="none" strike="noStrike" cap="none" normalizeH="0" baseline="0" smtClean="0">
+              <a:rPr kumimoji="0" lang="en-US" sz="1800" b="0" i="0" u="none" strike="noStrike" cap="none" normalizeH="0" baseline="0">
                 <a:ln>
                   <a:noFill/>
                 </a:ln>
@@ -14151,7 +14077,7 @@
                 <a:cs typeface="Arial" pitchFamily="34" charset="0"/>
               </a:rPr>
             </a:br>
-            <a:endParaRPr kumimoji="0" lang="en-US" sz="1800" b="0" i="0" u="none" strike="noStrike" cap="none" normalizeH="0" baseline="0" smtClean="0">
+            <a:endParaRPr kumimoji="0" lang="en-US" sz="1800" b="0" i="0" u="none" strike="noStrike" cap="none" normalizeH="0" baseline="0">
               <a:ln>
                 <a:noFill/>
               </a:ln>
@@ -14178,132 +14104,7 @@
 </p:sld>
 </file>
 
-<file path=ppt/slides/slide2.xml><?xml version="1.0" encoding="utf-8"?>
-<p:sld xmlns:a="http://schemas.openxmlformats.org/drawingml/2006/main" xmlns:r="http://schemas.openxmlformats.org/officeDocument/2006/relationships" xmlns:p="http://schemas.openxmlformats.org/presentationml/2006/main">
-  <p:cSld>
-    <p:spTree>
-      <p:nvGrpSpPr>
-        <p:cNvPr id="1" name=""/>
-        <p:cNvGrpSpPr/>
-        <p:nvPr/>
-      </p:nvGrpSpPr>
-      <p:grpSpPr>
-        <a:xfrm>
-          <a:off x="0" y="0"/>
-          <a:ext cx="0" cy="0"/>
-          <a:chOff x="0" y="0"/>
-          <a:chExt cx="0" cy="0"/>
-        </a:xfrm>
-      </p:grpSpPr>
-      <p:sp>
-        <p:nvSpPr>
-          <p:cNvPr id="3" name="Content Placeholder 2"/>
-          <p:cNvSpPr>
-            <a:spLocks noGrp="1"/>
-          </p:cNvSpPr>
-          <p:nvPr>
-            <p:ph idx="1"/>
-          </p:nvPr>
-        </p:nvSpPr>
-        <p:spPr/>
-        <p:txBody>
-          <a:bodyPr>
-            <a:normAutofit/>
-          </a:bodyPr>
-          <a:lstStyle/>
-          <a:p>
-            <a:r>
-              <a:rPr lang="en-US" dirty="0" smtClean="0"/>
-              <a:t>Two-Dimensional Geometries</a:t>
-            </a:r>
-          </a:p>
-          <a:p>
-            <a:pPr lvl="1"/>
-            <a:r>
-              <a:rPr lang="en-US" dirty="0" err="1" smtClean="0"/>
-              <a:t>THREE.PlaneGeometry</a:t>
-            </a:r>
-            <a:endParaRPr lang="en-US" dirty="0" smtClean="0"/>
-          </a:p>
-          <a:p>
-            <a:pPr lvl="1"/>
-            <a:r>
-              <a:rPr lang="en-US" dirty="0" err="1" smtClean="0"/>
-              <a:t>THREE.CircleGeometry</a:t>
-            </a:r>
-            <a:endParaRPr lang="en-US" dirty="0" smtClean="0"/>
-          </a:p>
-          <a:p>
-            <a:pPr lvl="1"/>
-            <a:r>
-              <a:rPr lang="en-US" dirty="0" err="1" smtClean="0"/>
-              <a:t>THREE.RingGeometry</a:t>
-            </a:r>
-            <a:endParaRPr lang="en-US" dirty="0" smtClean="0"/>
-          </a:p>
-          <a:p>
-            <a:pPr lvl="1"/>
-            <a:r>
-              <a:rPr lang="en-US" dirty="0" err="1" smtClean="0"/>
-              <a:t>THREE.ShapeGeometry</a:t>
-            </a:r>
-            <a:endParaRPr lang="en-US" dirty="0" smtClean="0"/>
-          </a:p>
-        </p:txBody>
-      </p:sp>
-      <p:sp>
-        <p:nvSpPr>
-          <p:cNvPr id="2" name="Title 1"/>
-          <p:cNvSpPr>
-            <a:spLocks noGrp="1"/>
-          </p:cNvSpPr>
-          <p:nvPr>
-            <p:ph type="title"/>
-          </p:nvPr>
-        </p:nvSpPr>
-        <p:spPr/>
-        <p:txBody>
-          <a:bodyPr/>
-          <a:lstStyle/>
-          <a:p>
-            <a:r>
-              <a:rPr lang="en-US" dirty="0" err="1" smtClean="0"/>
-              <a:t>Geometri</a:t>
-            </a:r>
-            <a:r>
-              <a:rPr lang="en-US" dirty="0" smtClean="0"/>
-              <a:t> yang </a:t>
-            </a:r>
-            <a:r>
-              <a:rPr lang="en-US" dirty="0" err="1" smtClean="0"/>
-              <a:t>akan</a:t>
-            </a:r>
-            <a:r>
-              <a:rPr lang="en-US" dirty="0" smtClean="0"/>
-              <a:t> </a:t>
-            </a:r>
-            <a:r>
-              <a:rPr lang="en-US" dirty="0" err="1" smtClean="0"/>
-              <a:t>dibahas</a:t>
-            </a:r>
-            <a:endParaRPr lang="en-US" dirty="0"/>
-          </a:p>
-        </p:txBody>
-      </p:sp>
-    </p:spTree>
-    <p:extLst>
-      <p:ext uri="{BB962C8B-B14F-4D97-AF65-F5344CB8AC3E}">
-        <p14:creationId xmlns:p14="http://schemas.microsoft.com/office/powerpoint/2010/main" val="2290455213"/>
-      </p:ext>
-    </p:extLst>
-  </p:cSld>
-  <p:clrMapOvr>
-    <a:masterClrMapping/>
-  </p:clrMapOvr>
-</p:sld>
-</file>
-
-<file path=ppt/slides/slide20.xml><?xml version="1.0" encoding="utf-8"?>
+<file path=ppt/slides/slide21.xml><?xml version="1.0" encoding="utf-8"?>
 <p:sld xmlns:a="http://schemas.openxmlformats.org/drawingml/2006/main" xmlns:r="http://schemas.openxmlformats.org/officeDocument/2006/relationships" xmlns:p="http://schemas.openxmlformats.org/presentationml/2006/main">
   <p:cSld>
     <p:spTree>
@@ -14381,7 +14182,7 @@
 </p:sld>
 </file>
 
-<file path=ppt/slides/slide21.xml><?xml version="1.0" encoding="utf-8"?>
+<file path=ppt/slides/slide22.xml><?xml version="1.0" encoding="utf-8"?>
 <p:sld xmlns:a="http://schemas.openxmlformats.org/drawingml/2006/main" xmlns:r="http://schemas.openxmlformats.org/officeDocument/2006/relationships" xmlns:p="http://schemas.openxmlformats.org/presentationml/2006/main">
   <p:cSld>
     <p:spTree>
@@ -14416,43 +14217,42 @@
           <a:lstStyle/>
           <a:p>
             <a:r>
-              <a:rPr lang="en-US" dirty="0" smtClean="0"/>
+              <a:rPr lang="en-US" dirty="0"/>
               <a:t>A polyhedron is a geometry that has only ﬂat faces and straight edges.</a:t>
             </a:r>
           </a:p>
           <a:p>
             <a:r>
-              <a:rPr lang="en-US" dirty="0" smtClean="0"/>
+              <a:rPr lang="en-US" dirty="0"/>
               <a:t>Most often, though, you won't use this geometry directly. Three.js provides a number of </a:t>
             </a:r>
             <a:r>
-              <a:rPr lang="en-US" dirty="0" err="1" smtClean="0"/>
+              <a:rPr lang="en-US" dirty="0" err="1"/>
               <a:t>specifc</a:t>
             </a:r>
             <a:r>
-              <a:rPr lang="en-US" dirty="0" smtClean="0"/>
+              <a:rPr lang="en-US" dirty="0"/>
               <a:t> polyhedrons you can use directly without having to specify the vertices and the faces of </a:t>
             </a:r>
             <a:r>
-              <a:rPr lang="en-US" dirty="0" err="1" smtClean="0"/>
+              <a:rPr lang="en-US" dirty="0" err="1"/>
               <a:t>THREE.PolyhedronGeometry</a:t>
             </a:r>
-            <a:endParaRPr lang="en-US" dirty="0" smtClean="0"/>
+            <a:endParaRPr lang="en-US" dirty="0"/>
           </a:p>
           <a:p>
             <a:r>
-              <a:rPr lang="en-US" dirty="0" smtClean="0"/>
+              <a:rPr lang="en-US" dirty="0"/>
               <a:t>If you do want to use </a:t>
             </a:r>
             <a:r>
-              <a:rPr lang="en-US" dirty="0" err="1" smtClean="0"/>
+              <a:rPr lang="en-US" dirty="0" err="1"/>
               <a:t>THREE.PolyhedronGeometry</a:t>
             </a:r>
             <a:r>
-              <a:rPr lang="en-US" dirty="0" smtClean="0"/>
+              <a:rPr lang="en-US" dirty="0"/>
               <a:t> directly, you have to specify the vertices and the faces</a:t>
             </a:r>
-            <a:endParaRPr lang="en-US" dirty="0"/>
           </a:p>
         </p:txBody>
       </p:sp>
@@ -14472,7 +14272,7 @@
           <a:lstStyle/>
           <a:p>
             <a:r>
-              <a:rPr lang="en-US" dirty="0" err="1" smtClean="0"/>
+              <a:rPr lang="en-US" dirty="0" err="1"/>
               <a:t>THREE.PolyhedronGeometries</a:t>
             </a:r>
             <a:endParaRPr lang="en-US" dirty="0"/>
@@ -14492,7 +14292,7 @@
 </p:sld>
 </file>
 
-<file path=ppt/slides/slide22.xml><?xml version="1.0" encoding="utf-8"?>
+<file path=ppt/slides/slide23.xml><?xml version="1.0" encoding="utf-8"?>
 <p:sld xmlns:a="http://schemas.openxmlformats.org/drawingml/2006/main" xmlns:r="http://schemas.openxmlformats.org/officeDocument/2006/relationships" xmlns:p="http://schemas.openxmlformats.org/presentationml/2006/main">
   <p:cSld>
     <p:spTree>
@@ -14533,9 +14333,27 @@
             <a:tbl>
               <a:tblPr/>
               <a:tblGrid>
-                <a:gridCol w="907796"/>
-                <a:gridCol w="1085152"/>
-                <a:gridCol w="6073140"/>
+                <a:gridCol w="907796">
+                  <a:extLst>
+                    <a:ext uri="{9D8B030D-6E8A-4147-A177-3AD203B41FA5}">
+                      <a16:colId xmlns:a16="http://schemas.microsoft.com/office/drawing/2014/main" val="20000"/>
+                    </a:ext>
+                  </a:extLst>
+                </a:gridCol>
+                <a:gridCol w="1085152">
+                  <a:extLst>
+                    <a:ext uri="{9D8B030D-6E8A-4147-A177-3AD203B41FA5}">
+                      <a16:colId xmlns:a16="http://schemas.microsoft.com/office/drawing/2014/main" val="20001"/>
+                    </a:ext>
+                  </a:extLst>
+                </a:gridCol>
+                <a:gridCol w="6073140">
+                  <a:extLst>
+                    <a:ext uri="{9D8B030D-6E8A-4147-A177-3AD203B41FA5}">
+                      <a16:colId xmlns:a16="http://schemas.microsoft.com/office/drawing/2014/main" val="20002"/>
+                    </a:ext>
+                  </a:extLst>
+                </a:gridCol>
               </a:tblGrid>
               <a:tr h="299258">
                 <a:tc>
@@ -14718,6 +14536,11 @@
                     </a:lnB>
                   </a:tcPr>
                 </a:tc>
+                <a:extLst>
+                  <a:ext uri="{0D108BD9-81ED-4DB2-BD59-A6C34878D82A}">
+                    <a16:rowId xmlns:a16="http://schemas.microsoft.com/office/drawing/2014/main" val="10000"/>
+                  </a:ext>
+                </a:extLst>
               </a:tr>
               <a:tr h="486294">
                 <a:tc>
@@ -14900,6 +14723,11 @@
                     </a:lnB>
                   </a:tcPr>
                 </a:tc>
+                <a:extLst>
+                  <a:ext uri="{0D108BD9-81ED-4DB2-BD59-A6C34878D82A}">
+                    <a16:rowId xmlns:a16="http://schemas.microsoft.com/office/drawing/2014/main" val="10001"/>
+                  </a:ext>
+                </a:extLst>
               </a:tr>
               <a:tr h="673331">
                 <a:tc>
@@ -15101,6 +14929,11 @@
                     </a:lnB>
                   </a:tcPr>
                 </a:tc>
+                <a:extLst>
+                  <a:ext uri="{0D108BD9-81ED-4DB2-BD59-A6C34878D82A}">
+                    <a16:rowId xmlns:a16="http://schemas.microsoft.com/office/drawing/2014/main" val="10002"/>
+                  </a:ext>
+                </a:extLst>
               </a:tr>
               <a:tr h="486294">
                 <a:tc>
@@ -15283,6 +15116,11 @@
                     </a:lnB>
                   </a:tcPr>
                 </a:tc>
+                <a:extLst>
+                  <a:ext uri="{0D108BD9-81ED-4DB2-BD59-A6C34878D82A}">
+                    <a16:rowId xmlns:a16="http://schemas.microsoft.com/office/drawing/2014/main" val="10003"/>
+                  </a:ext>
+                </a:extLst>
               </a:tr>
               <a:tr h="2169622">
                 <a:tc>
@@ -15418,107 +15256,7 @@
                           <a:effectLst/>
                           <a:latin typeface="+mn-lt"/>
                         </a:rPr>
-                        <a:t>With this property, you can add additional </a:t>
-                      </a:r>
-                      <a:r>
-                        <a:rPr lang="en-US" sz="1400" b="0" i="0" dirty="0" smtClean="0">
-                          <a:solidFill>
-                            <a:srgbClr val="000000"/>
-                          </a:solidFill>
-                          <a:effectLst/>
-                          <a:latin typeface="+mn-lt"/>
-                        </a:rPr>
-                        <a:t>detail to </a:t>
-                      </a:r>
-                      <a:r>
-                        <a:rPr lang="en-US" sz="1400" b="0" i="0" dirty="0">
-                          <a:solidFill>
-                            <a:srgbClr val="000000"/>
-                          </a:solidFill>
-                          <a:effectLst/>
-                          <a:latin typeface="+mn-lt"/>
-                        </a:rPr>
-                        <a:t>the polyhedron. If you set this to 1, each </a:t>
-                      </a:r>
-                      <a:r>
-                        <a:rPr lang="en-US" sz="1400" b="0" i="0" dirty="0" smtClean="0">
-                          <a:solidFill>
-                            <a:srgbClr val="000000"/>
-                          </a:solidFill>
-                          <a:effectLst/>
-                          <a:latin typeface="+mn-lt"/>
-                        </a:rPr>
-                        <a:t>triangle in </a:t>
-                      </a:r>
-                      <a:r>
-                        <a:rPr lang="en-US" sz="1400" b="0" i="0" dirty="0">
-                          <a:solidFill>
-                            <a:srgbClr val="000000"/>
-                          </a:solidFill>
-                          <a:effectLst/>
-                          <a:latin typeface="+mn-lt"/>
-                        </a:rPr>
-                        <a:t>the polyhedron will be split into four </a:t>
-                      </a:r>
-                      <a:r>
-                        <a:rPr lang="en-US" sz="1400" b="0" i="0" dirty="0" smtClean="0">
-                          <a:solidFill>
-                            <a:srgbClr val="000000"/>
-                          </a:solidFill>
-                          <a:effectLst/>
-                          <a:latin typeface="+mn-lt"/>
-                        </a:rPr>
-                        <a:t>smaller triangles</a:t>
-                      </a:r>
-                      <a:r>
-                        <a:rPr lang="en-US" sz="1400" b="0" i="0" dirty="0">
-                          <a:solidFill>
-                            <a:srgbClr val="000000"/>
-                          </a:solidFill>
-                          <a:effectLst/>
-                          <a:latin typeface="+mn-lt"/>
-                        </a:rPr>
-                        <a:t>. If you set this to 2, those four </a:t>
-                      </a:r>
-                      <a:r>
-                        <a:rPr lang="en-US" sz="1400" b="0" i="0" dirty="0" smtClean="0">
-                          <a:solidFill>
-                            <a:srgbClr val="000000"/>
-                          </a:solidFill>
-                          <a:effectLst/>
-                          <a:latin typeface="+mn-lt"/>
-                        </a:rPr>
-                        <a:t>smaller triangles </a:t>
-                      </a:r>
-                      <a:r>
-                        <a:rPr lang="en-US" sz="1400" b="0" i="0" dirty="0">
-                          <a:solidFill>
-                            <a:srgbClr val="000000"/>
-                          </a:solidFill>
-                          <a:effectLst/>
-                          <a:latin typeface="+mn-lt"/>
-                        </a:rPr>
-                        <a:t>will each be again split into four </a:t>
-                      </a:r>
-                      <a:r>
-                        <a:rPr lang="en-US" sz="1400" b="0" i="0" dirty="0" smtClean="0">
-                          <a:solidFill>
-                            <a:srgbClr val="000000"/>
-                          </a:solidFill>
-                          <a:effectLst/>
-                          <a:latin typeface="+mn-lt"/>
-                        </a:rPr>
-                        <a:t>smaller triangles</a:t>
-                      </a:r>
-                      <a:r>
-                        <a:rPr lang="en-US" sz="1400" b="0" i="0" dirty="0">
-                          <a:solidFill>
-                            <a:srgbClr val="000000"/>
-                          </a:solidFill>
-                          <a:effectLst/>
-                          <a:latin typeface="+mn-lt"/>
-                        </a:rPr>
-                        <a:t>, and so on.</a:t>
+                        <a:t>With this property, you can add additional detail to the polyhedron. If you set this to 1, each triangle in the polyhedron will be split into four smaller triangles. If you set this to 2, those four smaller triangles will each be again split into four smaller triangles, and so on.</a:t>
                       </a:r>
                       <a:endParaRPr lang="en-US" sz="1400" dirty="0">
                         <a:effectLst/>
@@ -15565,6 +15303,11 @@
                     </a:lnB>
                   </a:tcPr>
                 </a:tc>
+                <a:extLst>
+                  <a:ext uri="{0D108BD9-81ED-4DB2-BD59-A6C34878D82A}">
+                    <a16:rowId xmlns:a16="http://schemas.microsoft.com/office/drawing/2014/main" val="10004"/>
+                  </a:ext>
+                </a:extLst>
               </a:tr>
             </a:tbl>
           </a:graphicData>
@@ -15586,10 +15329,9 @@
           <a:lstStyle/>
           <a:p>
             <a:r>
-              <a:rPr lang="en-US" dirty="0" smtClean="0"/>
+              <a:rPr lang="en-US" dirty="0"/>
               <a:t>Polyhedron Properties</a:t>
             </a:r>
-            <a:endParaRPr lang="en-US" dirty="0"/>
           </a:p>
         </p:txBody>
       </p:sp>
@@ -15668,22 +15410,8 @@
               <a:buNone/>
               <a:tabLst/>
             </a:pPr>
-            <a:r>
-              <a:rPr kumimoji="0" lang="en-US" sz="1800" b="0" i="0" u="none" strike="noStrike" cap="none" normalizeH="0" baseline="0" smtClean="0">
-                <a:ln>
-                  <a:noFill/>
-                </a:ln>
-                <a:solidFill>
-                  <a:schemeClr val="tx1"/>
-                </a:solidFill>
-                <a:effectLst/>
-                <a:latin typeface="Arial" pitchFamily="34" charset="0"/>
-                <a:cs typeface="Arial" pitchFamily="34" charset="0"/>
-              </a:rPr>
-              <a:t/>
-            </a:r>
             <a:br>
-              <a:rPr kumimoji="0" lang="en-US" sz="1800" b="0" i="0" u="none" strike="noStrike" cap="none" normalizeH="0" baseline="0" smtClean="0">
+              <a:rPr kumimoji="0" lang="en-US" sz="1800" b="0" i="0" u="none" strike="noStrike" cap="none" normalizeH="0" baseline="0">
                 <a:ln>
                   <a:noFill/>
                 </a:ln>
@@ -15695,7 +15423,7 @@
                 <a:cs typeface="Arial" pitchFamily="34" charset="0"/>
               </a:rPr>
             </a:br>
-            <a:endParaRPr kumimoji="0" lang="en-US" sz="1800" b="0" i="0" u="none" strike="noStrike" cap="none" normalizeH="0" baseline="0" smtClean="0">
+            <a:endParaRPr kumimoji="0" lang="en-US" sz="1800" b="0" i="0" u="none" strike="noStrike" cap="none" normalizeH="0" baseline="0">
               <a:ln>
                 <a:noFill/>
               </a:ln>
@@ -15722,7 +15450,7 @@
 </p:sld>
 </file>
 
-<file path=ppt/slides/slide23.xml><?xml version="1.0" encoding="utf-8"?>
+<file path=ppt/slides/slide24.xml><?xml version="1.0" encoding="utf-8"?>
 <p:sld xmlns:a="http://schemas.openxmlformats.org/drawingml/2006/main" xmlns:r="http://schemas.openxmlformats.org/officeDocument/2006/relationships" xmlns:p="http://schemas.openxmlformats.org/presentationml/2006/main">
   <p:cSld>
     <p:spTree>
@@ -15760,14 +15488,13 @@
           <a:lstStyle/>
           <a:p>
             <a:r>
-              <a:rPr lang="en-US" dirty="0" err="1" smtClean="0"/>
+              <a:rPr lang="en-US" dirty="0" err="1"/>
               <a:t>THREE.IcosahedronGeometry</a:t>
             </a:r>
             <a:r>
-              <a:rPr lang="en-US" dirty="0" smtClean="0"/>
+              <a:rPr lang="en-US" dirty="0"/>
               <a:t> creates a polyhedron that has 20 identical triangular faces created from 12 vertices. When creating this polyhedron, all you need to specify are the radius and detail levels. </a:t>
             </a:r>
-            <a:endParaRPr lang="en-US" dirty="0"/>
           </a:p>
         </p:txBody>
       </p:sp>
@@ -15792,7 +15519,7 @@
           <a:lstStyle/>
           <a:p>
             <a:r>
-              <a:rPr lang="en-US" dirty="0" err="1" smtClean="0"/>
+              <a:rPr lang="en-US" dirty="0" err="1"/>
               <a:t>THREE.IcosahedronGeometry</a:t>
             </a:r>
             <a:endParaRPr lang="en-US" dirty="0"/>
@@ -15842,7 +15569,7 @@
 </p:sld>
 </file>
 
-<file path=ppt/slides/slide24.xml><?xml version="1.0" encoding="utf-8"?>
+<file path=ppt/slides/slide25.xml><?xml version="1.0" encoding="utf-8"?>
 <p:sld xmlns:a="http://schemas.openxmlformats.org/drawingml/2006/main" xmlns:r="http://schemas.openxmlformats.org/officeDocument/2006/relationships" xmlns:p="http://schemas.openxmlformats.org/presentationml/2006/main">
   <p:cSld>
     <p:spTree>
@@ -15888,11 +15615,7 @@
             </a:br>
             <a:r>
               <a:rPr lang="en-US" dirty="0"/>
-              <a:t>contains four triangular faces created from four vertices.</a:t>
-            </a:r>
-            <a:r>
-              <a:rPr lang="en-US" dirty="0" smtClean="0"/>
-              <a:t> </a:t>
+              <a:t>contains four triangular faces created from four vertices. </a:t>
             </a:r>
           </a:p>
           <a:p>
@@ -15921,7 +15644,7 @@
           <a:lstStyle/>
           <a:p>
             <a:r>
-              <a:rPr lang="en-US" dirty="0" err="1" smtClean="0"/>
+              <a:rPr lang="en-US" dirty="0" err="1"/>
               <a:t>THREE.TethrahedronGeometry</a:t>
             </a:r>
             <a:endParaRPr lang="en-US" dirty="0"/>
@@ -15971,7 +15694,7 @@
 </p:sld>
 </file>
 
-<file path=ppt/slides/slide25.xml><?xml version="1.0" encoding="utf-8"?>
+<file path=ppt/slides/slide26.xml><?xml version="1.0" encoding="utf-8"?>
 <p:sld xmlns:a="http://schemas.openxmlformats.org/drawingml/2006/main" xmlns:r="http://schemas.openxmlformats.org/officeDocument/2006/relationships" xmlns:p="http://schemas.openxmlformats.org/presentationml/2006/main">
   <p:cSld>
     <p:spTree>
@@ -16009,10 +15732,9 @@
           <a:lstStyle/>
           <a:p>
             <a:r>
-              <a:rPr lang="en-US" dirty="0" smtClean="0"/>
+              <a:rPr lang="en-US" dirty="0"/>
               <a:t>Three.js also provides an implementation of an octahedron. As the name implies, this polyhedron has 8 faces. These faces are created from 6 vertices.</a:t>
             </a:r>
-            <a:endParaRPr lang="en-US" dirty="0"/>
           </a:p>
         </p:txBody>
       </p:sp>
@@ -16037,7 +15759,7 @@
           <a:lstStyle/>
           <a:p>
             <a:r>
-              <a:rPr lang="en-US" dirty="0" err="1" smtClean="0"/>
+              <a:rPr lang="en-US" dirty="0" err="1"/>
               <a:t>THREE.OctahedronGeometry</a:t>
             </a:r>
             <a:endParaRPr lang="en-US" dirty="0"/>
@@ -16087,7 +15809,7 @@
 </p:sld>
 </file>
 
-<file path=ppt/slides/slide26.xml><?xml version="1.0" encoding="utf-8"?>
+<file path=ppt/slides/slide27.xml><?xml version="1.0" encoding="utf-8"?>
 <p:sld xmlns:a="http://schemas.openxmlformats.org/drawingml/2006/main" xmlns:r="http://schemas.openxmlformats.org/officeDocument/2006/relationships" xmlns:p="http://schemas.openxmlformats.org/presentationml/2006/main">
   <p:cSld>
     <p:spTree>
@@ -16120,18 +15842,17 @@
           <a:lstStyle/>
           <a:p>
             <a:r>
-              <a:rPr lang="en-US" dirty="0" smtClean="0"/>
+              <a:rPr lang="en-US" dirty="0"/>
               <a:t>The final polyhedron geometry provided by Three.js is </a:t>
             </a:r>
             <a:r>
-              <a:rPr lang="en-US" dirty="0" err="1" smtClean="0"/>
+              <a:rPr lang="en-US" dirty="0" err="1"/>
               <a:t>THREE.DodecahedronGeometry</a:t>
             </a:r>
             <a:r>
-              <a:rPr lang="en-US" dirty="0" smtClean="0"/>
+              <a:rPr lang="en-US" dirty="0"/>
               <a:t>. This polyhedron has 12 faces. </a:t>
             </a:r>
-            <a:endParaRPr lang="en-US" dirty="0"/>
           </a:p>
         </p:txBody>
       </p:sp>
@@ -16151,7 +15872,7 @@
           <a:lstStyle/>
           <a:p>
             <a:r>
-              <a:rPr lang="en-US" dirty="0" err="1" smtClean="0"/>
+              <a:rPr lang="en-US" dirty="0" err="1"/>
               <a:t>THREE.DodecahedronGeometry</a:t>
             </a:r>
             <a:endParaRPr lang="en-US" dirty="0"/>
@@ -16207,82 +15928,82 @@
           <a:p>
             <a:pPr lvl="1"/>
             <a:r>
-              <a:rPr lang="en-US" dirty="0" err="1" smtClean="0"/>
+              <a:rPr lang="en-US" dirty="0" err="1"/>
               <a:t>THREE.BoxGeometry</a:t>
             </a:r>
-            <a:endParaRPr lang="en-US" dirty="0" smtClean="0"/>
+            <a:endParaRPr lang="en-US" dirty="0"/>
           </a:p>
           <a:p>
             <a:pPr lvl="1"/>
             <a:r>
-              <a:rPr lang="en-US" dirty="0" err="1" smtClean="0"/>
+              <a:rPr lang="en-US" dirty="0" err="1"/>
               <a:t>THREE.SphereGeometry</a:t>
             </a:r>
-            <a:endParaRPr lang="en-US" dirty="0" smtClean="0"/>
+            <a:endParaRPr lang="en-US" dirty="0"/>
           </a:p>
           <a:p>
             <a:pPr lvl="1"/>
             <a:r>
-              <a:rPr lang="en-US" dirty="0" err="1" smtClean="0"/>
+              <a:rPr lang="en-US" dirty="0" err="1"/>
               <a:t>THREE.CylinderGeometry</a:t>
             </a:r>
-            <a:endParaRPr lang="en-US" dirty="0" smtClean="0"/>
+            <a:endParaRPr lang="en-US" dirty="0"/>
           </a:p>
           <a:p>
             <a:pPr lvl="1"/>
             <a:r>
-              <a:rPr lang="en-US" dirty="0" err="1" smtClean="0"/>
+              <a:rPr lang="en-US" dirty="0" err="1"/>
               <a:t>THREE.TorusGeometry</a:t>
             </a:r>
-            <a:endParaRPr lang="en-US" dirty="0" smtClean="0"/>
+            <a:endParaRPr lang="en-US" dirty="0"/>
           </a:p>
           <a:p>
             <a:pPr lvl="1"/>
             <a:r>
-              <a:rPr lang="en-US" dirty="0" err="1" smtClean="0"/>
+              <a:rPr lang="en-US" dirty="0" err="1"/>
               <a:t>THREE.TorusKnotGeometry</a:t>
             </a:r>
-            <a:endParaRPr lang="en-US" dirty="0" smtClean="0"/>
+            <a:endParaRPr lang="en-US" dirty="0"/>
           </a:p>
           <a:p>
             <a:pPr lvl="1"/>
             <a:r>
-              <a:rPr lang="en-US" dirty="0" err="1" smtClean="0"/>
+              <a:rPr lang="en-US" dirty="0" err="1"/>
               <a:t>THREE.PolyhedronGeometry</a:t>
             </a:r>
-            <a:endParaRPr lang="en-US" dirty="0" smtClean="0"/>
+            <a:endParaRPr lang="en-US" dirty="0"/>
           </a:p>
           <a:p>
             <a:pPr lvl="1"/>
             <a:r>
-              <a:rPr lang="en-US" dirty="0" err="1" smtClean="0"/>
+              <a:rPr lang="en-US" dirty="0" err="1"/>
               <a:t>THREE.IcosahedronGeometry</a:t>
             </a:r>
-            <a:endParaRPr lang="en-US" dirty="0" smtClean="0"/>
+            <a:endParaRPr lang="en-US" dirty="0"/>
           </a:p>
           <a:p>
             <a:pPr lvl="1"/>
             <a:r>
-              <a:rPr lang="en-US" dirty="0" err="1" smtClean="0"/>
+              <a:rPr lang="en-US" dirty="0" err="1"/>
               <a:t>THREE.TetrahedronGeometry</a:t>
             </a:r>
-            <a:endParaRPr lang="en-US" dirty="0" smtClean="0"/>
+            <a:endParaRPr lang="en-US" dirty="0"/>
           </a:p>
           <a:p>
             <a:pPr lvl="1"/>
             <a:r>
-              <a:rPr lang="en-US" dirty="0" err="1" smtClean="0"/>
+              <a:rPr lang="en-US" dirty="0" err="1"/>
               <a:t>THREE.OctahedronGeometry</a:t>
             </a:r>
-            <a:endParaRPr lang="en-US" dirty="0" smtClean="0"/>
+            <a:endParaRPr lang="en-US" dirty="0"/>
           </a:p>
           <a:p>
             <a:pPr lvl="1"/>
             <a:r>
-              <a:rPr lang="en-US" dirty="0" err="1" smtClean="0"/>
+              <a:rPr lang="en-US" dirty="0" err="1"/>
               <a:t>THREE.DodecahedronGeometry</a:t>
             </a:r>
-            <a:endParaRPr lang="en-US" dirty="0" smtClean="0"/>
+            <a:endParaRPr lang="en-US" dirty="0"/>
           </a:p>
           <a:p>
             <a:endParaRPr lang="en-US" dirty="0"/>
@@ -16307,10 +16028,9 @@
           <a:lstStyle/>
           <a:p>
             <a:r>
-              <a:rPr lang="en-US" dirty="0" smtClean="0"/>
+              <a:rPr lang="en-US" dirty="0"/>
               <a:t>Three-Dimensional Geometries</a:t>
             </a:r>
-            <a:endParaRPr lang="en-US" dirty="0"/>
           </a:p>
         </p:txBody>
       </p:sp>
@@ -16360,45 +16080,45 @@
           <a:lstStyle/>
           <a:p>
             <a:r>
-              <a:rPr lang="en-US" dirty="0" smtClean="0"/>
+              <a:rPr lang="en-US" dirty="0"/>
               <a:t>A </a:t>
             </a:r>
             <a:r>
-              <a:rPr lang="en-US" dirty="0" err="1" smtClean="0"/>
+              <a:rPr lang="en-US" dirty="0" err="1"/>
               <a:t>PlaneGeometry</a:t>
             </a:r>
             <a:r>
-              <a:rPr lang="en-US" dirty="0" smtClean="0"/>
+              <a:rPr lang="en-US" dirty="0"/>
               <a:t> object can be used to create a very simple two-dimensional rectangle</a:t>
             </a:r>
           </a:p>
           <a:p>
             <a:r>
-              <a:rPr lang="en-US" dirty="0" smtClean="0"/>
+              <a:rPr lang="en-US" dirty="0"/>
               <a:t>new </a:t>
             </a:r>
             <a:r>
-              <a:rPr lang="en-US" dirty="0" err="1" smtClean="0"/>
+              <a:rPr lang="en-US" dirty="0" err="1"/>
               <a:t>THREE.PlaneGeometry</a:t>
             </a:r>
             <a:r>
-              <a:rPr lang="en-US" dirty="0" smtClean="0"/>
+              <a:rPr lang="en-US" dirty="0"/>
               <a:t>(width, </a:t>
             </a:r>
             <a:r>
-              <a:rPr lang="en-US" dirty="0" err="1" smtClean="0"/>
+              <a:rPr lang="en-US" dirty="0" err="1"/>
               <a:t>height,widthSegments</a:t>
             </a:r>
             <a:r>
-              <a:rPr lang="en-US" dirty="0" smtClean="0"/>
+              <a:rPr lang="en-US" dirty="0"/>
               <a:t>, </a:t>
             </a:r>
             <a:r>
-              <a:rPr lang="en-US" dirty="0" err="1" smtClean="0"/>
+              <a:rPr lang="en-US" dirty="0" err="1"/>
               <a:t>heightSegments</a:t>
             </a:r>
             <a:r>
-              <a:rPr lang="en-US" dirty="0" smtClean="0"/>
+              <a:rPr lang="en-US" dirty="0"/>
               <a:t>);</a:t>
             </a:r>
           </a:p>
@@ -16423,7 +16143,7 @@
           <a:lstStyle/>
           <a:p>
             <a:r>
-              <a:rPr lang="en-US" dirty="0" err="1" smtClean="0"/>
+              <a:rPr lang="en-US" dirty="0" err="1"/>
               <a:t>THREE.PlaneGeometry</a:t>
             </a:r>
             <a:endParaRPr lang="en-US" dirty="0"/>
@@ -16453,9 +16173,27 @@
             <a:tbl>
               <a:tblPr/>
               <a:tblGrid>
-                <a:gridCol w="2085474"/>
-                <a:gridCol w="2085474"/>
-                <a:gridCol w="3753853"/>
+                <a:gridCol w="2085474">
+                  <a:extLst>
+                    <a:ext uri="{9D8B030D-6E8A-4147-A177-3AD203B41FA5}">
+                      <a16:colId xmlns:a16="http://schemas.microsoft.com/office/drawing/2014/main" val="20000"/>
+                    </a:ext>
+                  </a:extLst>
+                </a:gridCol>
+                <a:gridCol w="2085474">
+                  <a:extLst>
+                    <a:ext uri="{9D8B030D-6E8A-4147-A177-3AD203B41FA5}">
+                      <a16:colId xmlns:a16="http://schemas.microsoft.com/office/drawing/2014/main" val="20001"/>
+                    </a:ext>
+                  </a:extLst>
+                </a:gridCol>
+                <a:gridCol w="3753853">
+                  <a:extLst>
+                    <a:ext uri="{9D8B030D-6E8A-4147-A177-3AD203B41FA5}">
+                      <a16:colId xmlns:a16="http://schemas.microsoft.com/office/drawing/2014/main" val="20002"/>
+                    </a:ext>
+                  </a:extLst>
+                </a:gridCol>
               </a:tblGrid>
               <a:tr h="360947">
                 <a:tc>
@@ -16638,6 +16376,11 @@
                     </a:lnB>
                   </a:tcPr>
                 </a:tc>
+                <a:extLst>
+                  <a:ext uri="{0D108BD9-81ED-4DB2-BD59-A6C34878D82A}">
+                    <a16:rowId xmlns:a16="http://schemas.microsoft.com/office/drawing/2014/main" val="10000"/>
+                  </a:ext>
+                </a:extLst>
               </a:tr>
               <a:tr h="360947">
                 <a:tc>
@@ -16820,6 +16563,11 @@
                     </a:lnB>
                   </a:tcPr>
                 </a:tc>
+                <a:extLst>
+                  <a:ext uri="{0D108BD9-81ED-4DB2-BD59-A6C34878D82A}">
+                    <a16:rowId xmlns:a16="http://schemas.microsoft.com/office/drawing/2014/main" val="10001"/>
+                  </a:ext>
+                </a:extLst>
               </a:tr>
               <a:tr h="360947">
                 <a:tc>
@@ -17002,6 +16750,11 @@
                     </a:lnB>
                   </a:tcPr>
                 </a:tc>
+                <a:extLst>
+                  <a:ext uri="{0D108BD9-81ED-4DB2-BD59-A6C34878D82A}">
+                    <a16:rowId xmlns:a16="http://schemas.microsoft.com/office/drawing/2014/main" val="10002"/>
+                  </a:ext>
+                </a:extLst>
               </a:tr>
               <a:tr h="601579">
                 <a:tc>
@@ -17203,6 +16956,11 @@
                     </a:lnB>
                   </a:tcPr>
                 </a:tc>
+                <a:extLst>
+                  <a:ext uri="{0D108BD9-81ED-4DB2-BD59-A6C34878D82A}">
+                    <a16:rowId xmlns:a16="http://schemas.microsoft.com/office/drawing/2014/main" val="10003"/>
+                  </a:ext>
+                </a:extLst>
               </a:tr>
               <a:tr h="601579">
                 <a:tc>
@@ -17404,6 +17162,11 @@
                     </a:lnB>
                   </a:tcPr>
                 </a:tc>
+                <a:extLst>
+                  <a:ext uri="{0D108BD9-81ED-4DB2-BD59-A6C34878D82A}">
+                    <a16:rowId xmlns:a16="http://schemas.microsoft.com/office/drawing/2014/main" val="10004"/>
+                  </a:ext>
+                </a:extLst>
               </a:tr>
             </a:tbl>
           </a:graphicData>
@@ -17484,22 +17247,8 @@
               <a:buNone/>
               <a:tabLst/>
             </a:pPr>
-            <a:r>
-              <a:rPr kumimoji="0" lang="en-US" sz="1800" b="0" i="0" u="none" strike="noStrike" cap="none" normalizeH="0" baseline="0" smtClean="0">
-                <a:ln>
-                  <a:noFill/>
-                </a:ln>
-                <a:solidFill>
-                  <a:schemeClr val="tx1"/>
-                </a:solidFill>
-                <a:effectLst/>
-                <a:latin typeface="Arial" pitchFamily="34" charset="0"/>
-                <a:cs typeface="Arial" pitchFamily="34" charset="0"/>
-              </a:rPr>
-              <a:t/>
-            </a:r>
             <a:br>
-              <a:rPr kumimoji="0" lang="en-US" sz="1800" b="0" i="0" u="none" strike="noStrike" cap="none" normalizeH="0" baseline="0" smtClean="0">
+              <a:rPr kumimoji="0" lang="en-US" sz="1800" b="0" i="0" u="none" strike="noStrike" cap="none" normalizeH="0" baseline="0">
                 <a:ln>
                   <a:noFill/>
                 </a:ln>
@@ -17511,7 +17260,7 @@
                 <a:cs typeface="Arial" pitchFamily="34" charset="0"/>
               </a:rPr>
             </a:br>
-            <a:endParaRPr kumimoji="0" lang="en-US" sz="1800" b="0" i="0" u="none" strike="noStrike" cap="none" normalizeH="0" baseline="0" smtClean="0">
+            <a:endParaRPr kumimoji="0" lang="en-US" sz="1800" b="0" i="0" u="none" strike="noStrike" cap="none" normalizeH="0" baseline="0">
               <a:ln>
                 <a:noFill/>
               </a:ln>
@@ -17651,17 +17400,13 @@
           <a:lstStyle/>
           <a:p>
             <a:r>
-              <a:rPr lang="en-US" sz="2800" dirty="0" smtClean="0"/>
+              <a:rPr lang="en-US" sz="2800" dirty="0"/>
               <a:t>With this geometry, you can create a very simple two-dimensional circle (or partial circle)</a:t>
             </a:r>
           </a:p>
           <a:p>
-            <a:r>
-              <a:rPr lang="en-US" sz="2800" dirty="0" smtClean="0"/>
-              <a:t/>
-            </a:r>
             <a:br>
-              <a:rPr lang="en-US" sz="2800" dirty="0" smtClean="0"/>
+              <a:rPr lang="en-US" sz="2800" dirty="0"/>
             </a:br>
             <a:endParaRPr lang="en-US" sz="2800" dirty="0"/>
           </a:p>
@@ -17683,7 +17428,7 @@
           <a:lstStyle/>
           <a:p>
             <a:r>
-              <a:rPr lang="en-US" dirty="0" err="1" smtClean="0"/>
+              <a:rPr lang="en-US" dirty="0" err="1"/>
               <a:t>THREE.CircleGeometry</a:t>
             </a:r>
             <a:endParaRPr lang="en-US" dirty="0"/>
@@ -17765,22 +17510,8 @@
               <a:buNone/>
               <a:tabLst/>
             </a:pPr>
-            <a:r>
-              <a:rPr kumimoji="0" lang="en-US" sz="1800" b="0" i="0" u="none" strike="noStrike" cap="none" normalizeH="0" baseline="0" smtClean="0">
-                <a:ln>
-                  <a:noFill/>
-                </a:ln>
-                <a:solidFill>
-                  <a:schemeClr val="tx1"/>
-                </a:solidFill>
-                <a:effectLst/>
-                <a:latin typeface="Arial" pitchFamily="34" charset="0"/>
-                <a:cs typeface="Arial" pitchFamily="34" charset="0"/>
-              </a:rPr>
-              <a:t/>
-            </a:r>
             <a:br>
-              <a:rPr kumimoji="0" lang="en-US" sz="1800" b="0" i="0" u="none" strike="noStrike" cap="none" normalizeH="0" baseline="0" smtClean="0">
+              <a:rPr kumimoji="0" lang="en-US" sz="1800" b="0" i="0" u="none" strike="noStrike" cap="none" normalizeH="0" baseline="0">
                 <a:ln>
                   <a:noFill/>
                 </a:ln>
@@ -17792,7 +17523,7 @@
                 <a:cs typeface="Arial" pitchFamily="34" charset="0"/>
               </a:rPr>
             </a:br>
-            <a:endParaRPr kumimoji="0" lang="en-US" sz="1800" b="0" i="0" u="none" strike="noStrike" cap="none" normalizeH="0" baseline="0" smtClean="0">
+            <a:endParaRPr kumimoji="0" lang="en-US" sz="1800" b="0" i="0" u="none" strike="noStrike" cap="none" normalizeH="0" baseline="0">
               <a:ln>
                 <a:noFill/>
               </a:ln>
@@ -17828,7 +17559,7 @@
         </p:blipFill>
         <p:spPr>
           <a:xfrm>
-            <a:off x="914400" y="2590800"/>
+            <a:off x="914400" y="2857500"/>
             <a:ext cx="6686550" cy="4000500"/>
           </a:xfrm>
           <a:prstGeom prst="rect">
@@ -17888,68 +17619,67 @@
           </a:bodyPr>
           <a:lstStyle/>
           <a:p>
-            <a:endParaRPr lang="en-US" dirty="0" smtClean="0"/>
-          </a:p>
-          <a:p>
             <a:endParaRPr lang="en-US" dirty="0"/>
           </a:p>
           <a:p>
-            <a:endParaRPr lang="en-US" dirty="0" smtClean="0"/>
-          </a:p>
-          <a:p>
             <a:endParaRPr lang="en-US" dirty="0"/>
           </a:p>
           <a:p>
-            <a:endParaRPr lang="en-US" sz="2800" dirty="0" smtClean="0"/>
+            <a:endParaRPr lang="en-US" dirty="0"/>
+          </a:p>
+          <a:p>
+            <a:endParaRPr lang="en-US" dirty="0"/>
+          </a:p>
+          <a:p>
+            <a:endParaRPr lang="en-US" sz="2800" dirty="0"/>
           </a:p>
           <a:p>
             <a:r>
-              <a:rPr lang="en-US" sz="2800" dirty="0" smtClean="0"/>
+              <a:rPr lang="en-US" sz="2800" dirty="0"/>
               <a:t>You can create a full circle using the following snippet of code:</a:t>
             </a:r>
           </a:p>
           <a:p>
             <a:r>
-              <a:rPr lang="en-US" sz="2800" dirty="0" smtClean="0"/>
+              <a:rPr lang="en-US" sz="2800" dirty="0"/>
               <a:t>new </a:t>
             </a:r>
             <a:r>
-              <a:rPr lang="en-US" sz="2800" dirty="0" err="1" smtClean="0"/>
+              <a:rPr lang="en-US" sz="2800" dirty="0" err="1"/>
               <a:t>THREE.CircleGeometry</a:t>
             </a:r>
             <a:r>
-              <a:rPr lang="en-US" sz="2800" dirty="0" smtClean="0"/>
+              <a:rPr lang="en-US" sz="2800" dirty="0"/>
               <a:t>(3, 12);</a:t>
             </a:r>
           </a:p>
           <a:p>
             <a:r>
-              <a:rPr lang="en-US" sz="2800" dirty="0" smtClean="0"/>
+              <a:rPr lang="en-US" sz="2800" dirty="0"/>
               <a:t>If you wanted to create half a circle from this geometry, you'd use something like this:</a:t>
             </a:r>
           </a:p>
           <a:p>
             <a:r>
-              <a:rPr lang="en-US" sz="2800" dirty="0" smtClean="0"/>
+              <a:rPr lang="en-US" sz="2800" dirty="0"/>
               <a:t>new </a:t>
             </a:r>
             <a:r>
-              <a:rPr lang="en-US" sz="2800" dirty="0" err="1" smtClean="0"/>
+              <a:rPr lang="en-US" sz="2800" dirty="0" err="1"/>
               <a:t>THREE.CircleGeometry</a:t>
             </a:r>
             <a:r>
-              <a:rPr lang="en-US" sz="2800" dirty="0" smtClean="0"/>
+              <a:rPr lang="en-US" sz="2800" dirty="0"/>
               <a:t>(3, 12, 0, </a:t>
             </a:r>
             <a:r>
-              <a:rPr lang="en-US" sz="2800" dirty="0" err="1" smtClean="0"/>
+              <a:rPr lang="en-US" sz="2800" dirty="0" err="1"/>
               <a:t>Math.PI</a:t>
             </a:r>
             <a:r>
-              <a:rPr lang="en-US" sz="2800" dirty="0" smtClean="0"/>
+              <a:rPr lang="en-US" sz="2800" dirty="0"/>
               <a:t>);</a:t>
             </a:r>
-            <a:endParaRPr lang="en-US" sz="2800" dirty="0"/>
           </a:p>
         </p:txBody>
       </p:sp>
@@ -17995,9 +17725,27 @@
             <a:tbl>
               <a:tblPr/>
               <a:tblGrid>
-                <a:gridCol w="1613610"/>
-                <a:gridCol w="1613610"/>
-                <a:gridCol w="5078579"/>
+                <a:gridCol w="1613610">
+                  <a:extLst>
+                    <a:ext uri="{9D8B030D-6E8A-4147-A177-3AD203B41FA5}">
+                      <a16:colId xmlns:a16="http://schemas.microsoft.com/office/drawing/2014/main" val="20000"/>
+                    </a:ext>
+                  </a:extLst>
+                </a:gridCol>
+                <a:gridCol w="1613610">
+                  <a:extLst>
+                    <a:ext uri="{9D8B030D-6E8A-4147-A177-3AD203B41FA5}">
+                      <a16:colId xmlns:a16="http://schemas.microsoft.com/office/drawing/2014/main" val="20001"/>
+                    </a:ext>
+                  </a:extLst>
+                </a:gridCol>
+                <a:gridCol w="5078579">
+                  <a:extLst>
+                    <a:ext uri="{9D8B030D-6E8A-4147-A177-3AD203B41FA5}">
+                      <a16:colId xmlns:a16="http://schemas.microsoft.com/office/drawing/2014/main" val="20002"/>
+                    </a:ext>
+                  </a:extLst>
+                </a:gridCol>
               </a:tblGrid>
               <a:tr h="488240">
                 <a:tc>
@@ -18180,6 +17928,11 @@
                     </a:lnB>
                   </a:tcPr>
                 </a:tc>
+                <a:extLst>
+                  <a:ext uri="{0D108BD9-81ED-4DB2-BD59-A6C34878D82A}">
+                    <a16:rowId xmlns:a16="http://schemas.microsoft.com/office/drawing/2014/main" val="10000"/>
+                  </a:ext>
+                </a:extLst>
               </a:tr>
               <a:tr h="354930">
                 <a:tc>
@@ -18400,6 +18153,11 @@
                     </a:lnB>
                   </a:tcPr>
                 </a:tc>
+                <a:extLst>
+                  <a:ext uri="{0D108BD9-81ED-4DB2-BD59-A6C34878D82A}">
+                    <a16:rowId xmlns:a16="http://schemas.microsoft.com/office/drawing/2014/main" val="10001"/>
+                  </a:ext>
+                </a:extLst>
               </a:tr>
               <a:tr h="458205">
                 <a:tc>
@@ -18649,6 +18407,11 @@
                     </a:lnB>
                   </a:tcPr>
                 </a:tc>
+                <a:extLst>
+                  <a:ext uri="{0D108BD9-81ED-4DB2-BD59-A6C34878D82A}">
+                    <a16:rowId xmlns:a16="http://schemas.microsoft.com/office/drawing/2014/main" val="10002"/>
+                  </a:ext>
+                </a:extLst>
               </a:tr>
               <a:tr h="354930">
                 <a:tc>
@@ -18869,6 +18632,11 @@
                     </a:lnB>
                   </a:tcPr>
                 </a:tc>
+                <a:extLst>
+                  <a:ext uri="{0D108BD9-81ED-4DB2-BD59-A6C34878D82A}">
+                    <a16:rowId xmlns:a16="http://schemas.microsoft.com/office/drawing/2014/main" val="10003"/>
+                  </a:ext>
+                </a:extLst>
               </a:tr>
               <a:tr h="664756">
                 <a:tc>
@@ -18877,7 +18645,7 @@
                     <a:lstStyle/>
                     <a:p>
                       <a:r>
-                        <a:rPr lang="en-US" sz="1200" b="0" i="0" dirty="0" err="1" smtClean="0">
+                        <a:rPr lang="en-US" sz="1200" b="0" i="0" dirty="0" err="1">
                           <a:solidFill>
                             <a:srgbClr val="000000"/>
                           </a:solidFill>
@@ -18887,7 +18655,7 @@
                         <a:t>thetaLength</a:t>
                       </a:r>
                       <a:r>
-                        <a:rPr lang="en-US" sz="1200" b="0" i="0" dirty="0" smtClean="0">
+                        <a:rPr lang="en-US" sz="1200" b="0" i="0" dirty="0">
                           <a:solidFill>
                             <a:srgbClr val="000000"/>
                           </a:solidFill>
@@ -19102,16 +18870,6 @@
                         </a:rPr>
                         <a:t>thetaStart</a:t>
                       </a:r>
-                      <a:r>
-                        <a:rPr lang="en-US" sz="1200" b="0" i="0" dirty="0">
-                          <a:solidFill>
-                            <a:srgbClr val="000000"/>
-                          </a:solidFill>
-                          <a:effectLst/>
-                          <a:latin typeface="+mj-lt"/>
-                        </a:rPr>
-                        <a:t/>
-                      </a:r>
                       <a:br>
                         <a:rPr lang="en-US" sz="1200" b="0" i="0" dirty="0">
                           <a:solidFill>
@@ -19176,6 +18934,11 @@
                     </a:lnB>
                   </a:tcPr>
                 </a:tc>
+                <a:extLst>
+                  <a:ext uri="{0D108BD9-81ED-4DB2-BD59-A6C34878D82A}">
+                    <a16:rowId xmlns:a16="http://schemas.microsoft.com/office/drawing/2014/main" val="10004"/>
+                  </a:ext>
+                </a:extLst>
               </a:tr>
             </a:tbl>
           </a:graphicData>
@@ -19229,54 +18992,53 @@
           <a:lstStyle/>
           <a:p>
             <a:r>
-              <a:rPr lang="en-US" dirty="0" smtClean="0"/>
+              <a:rPr lang="en-US" dirty="0"/>
               <a:t>With </a:t>
             </a:r>
             <a:r>
-              <a:rPr lang="en-US" dirty="0" err="1" smtClean="0"/>
+              <a:rPr lang="en-US" dirty="0" err="1"/>
               <a:t>THREE.RingGeometry</a:t>
             </a:r>
             <a:r>
-              <a:rPr lang="en-US" dirty="0" smtClean="0"/>
+              <a:rPr lang="en-US" dirty="0"/>
               <a:t>, you can create a 2D object that not only closely resembles </a:t>
             </a:r>
             <a:r>
-              <a:rPr lang="en-US" dirty="0" err="1" smtClean="0"/>
+              <a:rPr lang="en-US" dirty="0" err="1"/>
               <a:t>THREE.CircleGeometry</a:t>
             </a:r>
             <a:r>
-              <a:rPr lang="en-US" dirty="0" smtClean="0"/>
+              <a:rPr lang="en-US" dirty="0"/>
               <a:t>, but also allows you to define a hole in the center</a:t>
             </a:r>
           </a:p>
           <a:p>
             <a:r>
-              <a:rPr lang="en-US" dirty="0" err="1" smtClean="0"/>
+              <a:rPr lang="en-US" dirty="0" err="1"/>
               <a:t>THREE.RingGeometry</a:t>
             </a:r>
             <a:r>
-              <a:rPr lang="en-US" dirty="0" smtClean="0"/>
+              <a:rPr lang="en-US" dirty="0"/>
               <a:t> doesn't have any required properties (see the next table for the default values), so to create this geometry, you only have to specify the following:</a:t>
             </a:r>
           </a:p>
           <a:p>
             <a:r>
-              <a:rPr lang="en-US" dirty="0" err="1" smtClean="0"/>
+              <a:rPr lang="en-US" dirty="0" err="1"/>
               <a:t>Var</a:t>
             </a:r>
             <a:r>
-              <a:rPr lang="en-US" dirty="0" smtClean="0"/>
+              <a:rPr lang="en-US" dirty="0"/>
               <a:t> ring = new </a:t>
             </a:r>
             <a:r>
-              <a:rPr lang="en-US" dirty="0" err="1" smtClean="0"/>
+              <a:rPr lang="en-US" dirty="0" err="1"/>
               <a:t>THREE.RingGeometry</a:t>
             </a:r>
             <a:r>
-              <a:rPr lang="en-US" dirty="0" smtClean="0"/>
+              <a:rPr lang="en-US" dirty="0"/>
               <a:t>();</a:t>
             </a:r>
-            <a:endParaRPr lang="en-US" dirty="0"/>
           </a:p>
         </p:txBody>
       </p:sp>
@@ -19296,7 +19058,7 @@
           <a:lstStyle/>
           <a:p>
             <a:r>
-              <a:rPr lang="en-US" dirty="0" err="1" smtClean="0"/>
+              <a:rPr lang="en-US" dirty="0" err="1"/>
               <a:t>THREE.RingGeometry</a:t>
             </a:r>
             <a:endParaRPr lang="en-US" dirty="0"/>
@@ -19335,36 +19097,68 @@
       </p:grpSpPr>
       <p:pic>
         <p:nvPicPr>
-          <p:cNvPr id="4" name="Content Placeholder 3"/>
+          <p:cNvPr id="5" name="Picture 4">
+            <a:extLst>
+              <a:ext uri="{FF2B5EF4-FFF2-40B4-BE49-F238E27FC236}">
+                <a16:creationId xmlns:a16="http://schemas.microsoft.com/office/drawing/2014/main" id="{28F0CA48-4FEE-45FF-8C58-4C0068FE573B}"/>
+              </a:ext>
+            </a:extLst>
+          </p:cNvPr>
           <p:cNvPicPr>
-            <a:picLocks noGrp="1" noChangeAspect="1"/>
+            <a:picLocks noChangeAspect="1"/>
           </p:cNvPicPr>
-          <p:nvPr>
-            <p:ph idx="1"/>
-          </p:nvPr>
+          <p:nvPr/>
         </p:nvPicPr>
         <p:blipFill>
-          <a:blip r:embed="rId2">
-            <a:extLst>
-              <a:ext uri="{28A0092B-C50C-407E-A947-70E740481C1C}">
-                <a14:useLocalDpi xmlns:a14="http://schemas.microsoft.com/office/drawing/2010/main" val="0"/>
-              </a:ext>
-            </a:extLst>
-          </a:blip>
+          <a:blip r:embed="rId2"/>
           <a:stretch>
             <a:fillRect/>
           </a:stretch>
         </p:blipFill>
         <p:spPr>
           <a:xfrm>
-            <a:off x="304800" y="1066800"/>
-            <a:ext cx="8619629" cy="5181600"/>
+            <a:off x="457200" y="2704588"/>
+            <a:ext cx="8229600" cy="3696212"/>
           </a:xfrm>
+          <a:prstGeom prst="rect">
+            <a:avLst/>
+          </a:prstGeom>
         </p:spPr>
       </p:pic>
       <p:sp>
         <p:nvSpPr>
-          <p:cNvPr id="2" name="Title 1"/>
+          <p:cNvPr id="2" name="Content Placeholder 1">
+            <a:extLst>
+              <a:ext uri="{FF2B5EF4-FFF2-40B4-BE49-F238E27FC236}">
+                <a16:creationId xmlns:a16="http://schemas.microsoft.com/office/drawing/2014/main" id="{EB536FAF-F93C-4C3F-B38B-0E66BE98935A}"/>
+              </a:ext>
+            </a:extLst>
+          </p:cNvPr>
+          <p:cNvSpPr>
+            <a:spLocks noGrp="1"/>
+          </p:cNvSpPr>
+          <p:nvPr>
+            <p:ph idx="1"/>
+          </p:nvPr>
+        </p:nvSpPr>
+        <p:spPr/>
+        <p:txBody>
+          <a:bodyPr/>
+          <a:lstStyle/>
+          <a:p>
+            <a:endParaRPr lang="en-US" dirty="0"/>
+          </a:p>
+        </p:txBody>
+      </p:sp>
+      <p:sp>
+        <p:nvSpPr>
+          <p:cNvPr id="3" name="Title 2">
+            <a:extLst>
+              <a:ext uri="{FF2B5EF4-FFF2-40B4-BE49-F238E27FC236}">
+                <a16:creationId xmlns:a16="http://schemas.microsoft.com/office/drawing/2014/main" id="{0D6B9FFF-15C5-4429-8C4E-4D8C2D58438E}"/>
+              </a:ext>
+            </a:extLst>
+          </p:cNvPr>
           <p:cNvSpPr>
             <a:spLocks noGrp="1"/>
           </p:cNvSpPr>
@@ -19381,10 +19175,40 @@
           </a:p>
         </p:txBody>
       </p:sp>
+      <p:pic>
+        <p:nvPicPr>
+          <p:cNvPr id="4" name="Picture 3">
+            <a:extLst>
+              <a:ext uri="{FF2B5EF4-FFF2-40B4-BE49-F238E27FC236}">
+                <a16:creationId xmlns:a16="http://schemas.microsoft.com/office/drawing/2014/main" id="{5583256A-E193-4829-843C-BC47EF0683EF}"/>
+              </a:ext>
+            </a:extLst>
+          </p:cNvPr>
+          <p:cNvPicPr>
+            <a:picLocks noChangeAspect="1"/>
+          </p:cNvPicPr>
+          <p:nvPr/>
+        </p:nvPicPr>
+        <p:blipFill>
+          <a:blip r:embed="rId3"/>
+          <a:stretch>
+            <a:fillRect/>
+          </a:stretch>
+        </p:blipFill>
+        <p:spPr>
+          <a:xfrm>
+            <a:off x="457200" y="274638"/>
+            <a:ext cx="8277447" cy="2743200"/>
+          </a:xfrm>
+          <a:prstGeom prst="rect">
+            <a:avLst/>
+          </a:prstGeom>
+        </p:spPr>
+      </p:pic>
     </p:spTree>
     <p:extLst>
       <p:ext uri="{BB962C8B-B14F-4D97-AF65-F5344CB8AC3E}">
-        <p14:creationId xmlns:p14="http://schemas.microsoft.com/office/powerpoint/2010/main" val="3651320044"/>
+        <p14:creationId xmlns:p14="http://schemas.microsoft.com/office/powerpoint/2010/main" val="1096198342"/>
       </p:ext>
     </p:extLst>
   </p:cSld>
